--- a/ee521_julia_plan.pptx
+++ b/ee521_julia_plan.pptx
@@ -6,45 +6,47 @@
   </p:sldMasterIdLst>
   <p:sldIdLst>
     <p:sldId id="274" r:id="rId5"/>
-    <p:sldId id="292" r:id="rId6"/>
-    <p:sldId id="293" r:id="rId7"/>
-    <p:sldId id="294" r:id="rId8"/>
-    <p:sldId id="295" r:id="rId9"/>
-    <p:sldId id="297" r:id="rId10"/>
-    <p:sldId id="289" r:id="rId11"/>
-    <p:sldId id="296" r:id="rId12"/>
-    <p:sldId id="290" r:id="rId13"/>
-    <p:sldId id="283" r:id="rId14"/>
-    <p:sldId id="284" r:id="rId15"/>
-    <p:sldId id="286" r:id="rId16"/>
-    <p:sldId id="285" r:id="rId17"/>
-    <p:sldId id="291" r:id="rId18"/>
-    <p:sldId id="278" r:id="rId19"/>
-    <p:sldId id="280" r:id="rId20"/>
-    <p:sldId id="279" r:id="rId21"/>
-    <p:sldId id="276" r:id="rId22"/>
-    <p:sldId id="277" r:id="rId23"/>
-    <p:sldId id="281" r:id="rId24"/>
-    <p:sldId id="282" r:id="rId25"/>
-    <p:sldId id="287" r:id="rId26"/>
-    <p:sldId id="288" r:id="rId27"/>
-    <p:sldId id="275" r:id="rId28"/>
-    <p:sldId id="265" r:id="rId29"/>
-    <p:sldId id="259" r:id="rId30"/>
-    <p:sldId id="266" r:id="rId31"/>
-    <p:sldId id="270" r:id="rId32"/>
-    <p:sldId id="267" r:id="rId33"/>
-    <p:sldId id="264" r:id="rId34"/>
-    <p:sldId id="271" r:id="rId35"/>
-    <p:sldId id="268" r:id="rId36"/>
-    <p:sldId id="263" r:id="rId37"/>
-    <p:sldId id="269" r:id="rId38"/>
-    <p:sldId id="262" r:id="rId39"/>
-    <p:sldId id="299" r:id="rId40"/>
-    <p:sldId id="298" r:id="rId41"/>
-    <p:sldId id="272" r:id="rId42"/>
-    <p:sldId id="258" r:id="rId43"/>
-    <p:sldId id="273" r:id="rId44"/>
+    <p:sldId id="301" r:id="rId6"/>
+    <p:sldId id="300" r:id="rId7"/>
+    <p:sldId id="292" r:id="rId8"/>
+    <p:sldId id="293" r:id="rId9"/>
+    <p:sldId id="294" r:id="rId10"/>
+    <p:sldId id="295" r:id="rId11"/>
+    <p:sldId id="297" r:id="rId12"/>
+    <p:sldId id="289" r:id="rId13"/>
+    <p:sldId id="296" r:id="rId14"/>
+    <p:sldId id="290" r:id="rId15"/>
+    <p:sldId id="283" r:id="rId16"/>
+    <p:sldId id="284" r:id="rId17"/>
+    <p:sldId id="286" r:id="rId18"/>
+    <p:sldId id="285" r:id="rId19"/>
+    <p:sldId id="291" r:id="rId20"/>
+    <p:sldId id="278" r:id="rId21"/>
+    <p:sldId id="280" r:id="rId22"/>
+    <p:sldId id="279" r:id="rId23"/>
+    <p:sldId id="276" r:id="rId24"/>
+    <p:sldId id="277" r:id="rId25"/>
+    <p:sldId id="281" r:id="rId26"/>
+    <p:sldId id="282" r:id="rId27"/>
+    <p:sldId id="287" r:id="rId28"/>
+    <p:sldId id="288" r:id="rId29"/>
+    <p:sldId id="275" r:id="rId30"/>
+    <p:sldId id="265" r:id="rId31"/>
+    <p:sldId id="259" r:id="rId32"/>
+    <p:sldId id="266" r:id="rId33"/>
+    <p:sldId id="270" r:id="rId34"/>
+    <p:sldId id="267" r:id="rId35"/>
+    <p:sldId id="264" r:id="rId36"/>
+    <p:sldId id="271" r:id="rId37"/>
+    <p:sldId id="268" r:id="rId38"/>
+    <p:sldId id="263" r:id="rId39"/>
+    <p:sldId id="269" r:id="rId40"/>
+    <p:sldId id="262" r:id="rId41"/>
+    <p:sldId id="299" r:id="rId42"/>
+    <p:sldId id="298" r:id="rId43"/>
+    <p:sldId id="272" r:id="rId44"/>
+    <p:sldId id="258" r:id="rId45"/>
+    <p:sldId id="273" r:id="rId46"/>
   </p:sldIdLst>
   <p:sldSz cx="12192000" cy="6858000"/>
   <p:notesSz cx="6858000" cy="9144000"/>
@@ -154,7 +156,7 @@
 <file path=ppt/revisionInfo.xml><?xml version="1.0" encoding="utf-8"?>
 <p1510:revInfo xmlns:a="http://schemas.openxmlformats.org/drawingml/2006/main" xmlns:r="http://schemas.openxmlformats.org/officeDocument/2006/relationships" xmlns:p1510="http://schemas.microsoft.com/office/powerpoint/2015/10/main">
   <p1510:revLst>
-    <p1510:client id="{59271A2F-800F-4122-AAC7-0E7320B692D6}" v="370" dt="2023-06-07T00:43:57.385"/>
+    <p1510:client id="{DE47BC88-6A8D-4A54-8659-46F2D08A15C5}" v="1" dt="2023-08-28T18:29:43.013"/>
   </p1510:revLst>
 </p1510:revInfo>
 </file>
@@ -235,6 +237,180 @@
             <ac:spMk id="3" creationId="{B248B06E-0246-4FEF-533A-B0C46C596083}"/>
           </ac:spMkLst>
         </pc:spChg>
+      </pc:sldChg>
+    </pc:docChg>
+  </pc:docChgLst>
+  <pc:docChgLst>
+    <pc:chgData name="Jha, Aryan Ritwajeet" userId="2aad577e-539b-449b-83a6-8d411f484b4d" providerId="ADAL" clId="{DE47BC88-6A8D-4A54-8659-46F2D08A15C5}"/>
+    <pc:docChg chg="undo custSel addSld delSld modSld">
+      <pc:chgData name="Jha, Aryan Ritwajeet" userId="2aad577e-539b-449b-83a6-8d411f484b4d" providerId="ADAL" clId="{DE47BC88-6A8D-4A54-8659-46F2D08A15C5}" dt="2023-08-28T18:48:55.254" v="106" actId="1076"/>
+      <pc:docMkLst>
+        <pc:docMk/>
+      </pc:docMkLst>
+      <pc:sldChg chg="addSp delSp modSp new mod setBg">
+        <pc:chgData name="Jha, Aryan Ritwajeet" userId="2aad577e-539b-449b-83a6-8d411f484b4d" providerId="ADAL" clId="{DE47BC88-6A8D-4A54-8659-46F2D08A15C5}" dt="2023-08-28T18:30:00.593" v="42" actId="20577"/>
+        <pc:sldMkLst>
+          <pc:docMk/>
+          <pc:sldMk cId="3687358664" sldId="300"/>
+        </pc:sldMkLst>
+        <pc:spChg chg="mod">
+          <ac:chgData name="Jha, Aryan Ritwajeet" userId="2aad577e-539b-449b-83a6-8d411f484b4d" providerId="ADAL" clId="{DE47BC88-6A8D-4A54-8659-46F2D08A15C5}" dt="2023-08-28T18:30:00.593" v="42" actId="20577"/>
+          <ac:spMkLst>
+            <pc:docMk/>
+            <pc:sldMk cId="3687358664" sldId="300"/>
+            <ac:spMk id="2" creationId="{E49FC976-43BF-2219-BA5B-0F7863B0D7FE}"/>
+          </ac:spMkLst>
+        </pc:spChg>
+        <pc:spChg chg="del">
+          <ac:chgData name="Jha, Aryan Ritwajeet" userId="2aad577e-539b-449b-83a6-8d411f484b4d" providerId="ADAL" clId="{DE47BC88-6A8D-4A54-8659-46F2D08A15C5}" dt="2023-08-28T18:29:43.013" v="3"/>
+          <ac:spMkLst>
+            <pc:docMk/>
+            <pc:sldMk cId="3687358664" sldId="300"/>
+            <ac:spMk id="3" creationId="{CD4B8E61-B754-D8F0-D26A-818619012A7B}"/>
+          </ac:spMkLst>
+        </pc:spChg>
+        <pc:spChg chg="add del">
+          <ac:chgData name="Jha, Aryan Ritwajeet" userId="2aad577e-539b-449b-83a6-8d411f484b4d" providerId="ADAL" clId="{DE47BC88-6A8D-4A54-8659-46F2D08A15C5}" dt="2023-08-28T18:29:48.688" v="9" actId="26606"/>
+          <ac:spMkLst>
+            <pc:docMk/>
+            <pc:sldMk cId="3687358664" sldId="300"/>
+            <ac:spMk id="14" creationId="{70155189-D96C-4527-B0EC-654B946BE615}"/>
+          </ac:spMkLst>
+        </pc:spChg>
+        <pc:spChg chg="add">
+          <ac:chgData name="Jha, Aryan Ritwajeet" userId="2aad577e-539b-449b-83a6-8d411f484b4d" providerId="ADAL" clId="{DE47BC88-6A8D-4A54-8659-46F2D08A15C5}" dt="2023-08-28T18:29:48.695" v="10" actId="26606"/>
+          <ac:spMkLst>
+            <pc:docMk/>
+            <pc:sldMk cId="3687358664" sldId="300"/>
+            <ac:spMk id="16" creationId="{4B030A0D-0DAD-4A99-89BB-419527D6A64B}"/>
+          </ac:spMkLst>
+        </pc:spChg>
+        <pc:spChg chg="add">
+          <ac:chgData name="Jha, Aryan Ritwajeet" userId="2aad577e-539b-449b-83a6-8d411f484b4d" providerId="ADAL" clId="{DE47BC88-6A8D-4A54-8659-46F2D08A15C5}" dt="2023-08-28T18:29:48.695" v="10" actId="26606"/>
+          <ac:spMkLst>
+            <pc:docMk/>
+            <pc:sldMk cId="3687358664" sldId="300"/>
+            <ac:spMk id="17" creationId="{7C98A213-5994-475E-B327-DC6EC27FBA8B}"/>
+          </ac:spMkLst>
+        </pc:spChg>
+        <pc:picChg chg="add mod ord">
+          <ac:chgData name="Jha, Aryan Ritwajeet" userId="2aad577e-539b-449b-83a6-8d411f484b4d" providerId="ADAL" clId="{DE47BC88-6A8D-4A54-8659-46F2D08A15C5}" dt="2023-08-28T18:29:55.097" v="13" actId="1076"/>
+          <ac:picMkLst>
+            <pc:docMk/>
+            <pc:sldMk cId="3687358664" sldId="300"/>
+            <ac:picMk id="5" creationId="{2C956C8A-B301-7DDA-DCBF-B680F9CADD48}"/>
+          </ac:picMkLst>
+        </pc:picChg>
+        <pc:picChg chg="add mod">
+          <ac:chgData name="Jha, Aryan Ritwajeet" userId="2aad577e-539b-449b-83a6-8d411f484b4d" providerId="ADAL" clId="{DE47BC88-6A8D-4A54-8659-46F2D08A15C5}" dt="2023-08-28T18:29:48.695" v="10" actId="26606"/>
+          <ac:picMkLst>
+            <pc:docMk/>
+            <pc:sldMk cId="3687358664" sldId="300"/>
+            <ac:picMk id="7" creationId="{85AC28D3-7627-B18D-162C-D0198D126A17}"/>
+          </ac:picMkLst>
+        </pc:picChg>
+        <pc:picChg chg="add mod">
+          <ac:chgData name="Jha, Aryan Ritwajeet" userId="2aad577e-539b-449b-83a6-8d411f484b4d" providerId="ADAL" clId="{DE47BC88-6A8D-4A54-8659-46F2D08A15C5}" dt="2023-08-28T18:29:52.865" v="12" actId="1076"/>
+          <ac:picMkLst>
+            <pc:docMk/>
+            <pc:sldMk cId="3687358664" sldId="300"/>
+            <ac:picMk id="9" creationId="{01605016-B1D6-905C-9820-A83545DA2E5B}"/>
+          </ac:picMkLst>
+        </pc:picChg>
+      </pc:sldChg>
+      <pc:sldChg chg="new del">
+        <pc:chgData name="Jha, Aryan Ritwajeet" userId="2aad577e-539b-449b-83a6-8d411f484b4d" providerId="ADAL" clId="{DE47BC88-6A8D-4A54-8659-46F2D08A15C5}" dt="2023-08-28T18:29:39.906" v="1" actId="680"/>
+        <pc:sldMkLst>
+          <pc:docMk/>
+          <pc:sldMk cId="4078479680" sldId="300"/>
+        </pc:sldMkLst>
+      </pc:sldChg>
+      <pc:sldChg chg="addSp delSp modSp new mod setBg">
+        <pc:chgData name="Jha, Aryan Ritwajeet" userId="2aad577e-539b-449b-83a6-8d411f484b4d" providerId="ADAL" clId="{DE47BC88-6A8D-4A54-8659-46F2D08A15C5}" dt="2023-08-28T18:48:55.254" v="106" actId="1076"/>
+        <pc:sldMkLst>
+          <pc:docMk/>
+          <pc:sldMk cId="2942291822" sldId="301"/>
+        </pc:sldMkLst>
+        <pc:spChg chg="mod">
+          <ac:chgData name="Jha, Aryan Ritwajeet" userId="2aad577e-539b-449b-83a6-8d411f484b4d" providerId="ADAL" clId="{DE47BC88-6A8D-4A54-8659-46F2D08A15C5}" dt="2023-08-28T18:33:43.232" v="104" actId="26606"/>
+          <ac:spMkLst>
+            <pc:docMk/>
+            <pc:sldMk cId="2942291822" sldId="301"/>
+            <ac:spMk id="2" creationId="{853B8BA2-210C-0BDB-DB69-DA6086E07FF6}"/>
+          </ac:spMkLst>
+        </pc:spChg>
+        <pc:spChg chg="mod">
+          <ac:chgData name="Jha, Aryan Ritwajeet" userId="2aad577e-539b-449b-83a6-8d411f484b4d" providerId="ADAL" clId="{DE47BC88-6A8D-4A54-8659-46F2D08A15C5}" dt="2023-08-28T18:33:43.232" v="104" actId="26606"/>
+          <ac:spMkLst>
+            <pc:docMk/>
+            <pc:sldMk cId="2942291822" sldId="301"/>
+            <ac:spMk id="3" creationId="{B397FFD9-1161-06BE-063A-097694B37632}"/>
+          </ac:spMkLst>
+        </pc:spChg>
+        <pc:spChg chg="add del">
+          <ac:chgData name="Jha, Aryan Ritwajeet" userId="2aad577e-539b-449b-83a6-8d411f484b4d" providerId="ADAL" clId="{DE47BC88-6A8D-4A54-8659-46F2D08A15C5}" dt="2023-08-28T18:33:43.215" v="103" actId="26606"/>
+          <ac:spMkLst>
+            <pc:docMk/>
+            <pc:sldMk cId="2942291822" sldId="301"/>
+            <ac:spMk id="10" creationId="{F13C74B1-5B17-4795-BED0-7140497B445A}"/>
+          </ac:spMkLst>
+        </pc:spChg>
+        <pc:spChg chg="add del">
+          <ac:chgData name="Jha, Aryan Ritwajeet" userId="2aad577e-539b-449b-83a6-8d411f484b4d" providerId="ADAL" clId="{DE47BC88-6A8D-4A54-8659-46F2D08A15C5}" dt="2023-08-28T18:33:43.215" v="103" actId="26606"/>
+          <ac:spMkLst>
+            <pc:docMk/>
+            <pc:sldMk cId="2942291822" sldId="301"/>
+            <ac:spMk id="12" creationId="{D4974D33-8DC5-464E-8C6D-BE58F0669C17}"/>
+          </ac:spMkLst>
+        </pc:spChg>
+        <pc:spChg chg="add">
+          <ac:chgData name="Jha, Aryan Ritwajeet" userId="2aad577e-539b-449b-83a6-8d411f484b4d" providerId="ADAL" clId="{DE47BC88-6A8D-4A54-8659-46F2D08A15C5}" dt="2023-08-28T18:33:43.232" v="104" actId="26606"/>
+          <ac:spMkLst>
+            <pc:docMk/>
+            <pc:sldMk cId="2942291822" sldId="301"/>
+            <ac:spMk id="15" creationId="{201CC55D-ED54-4C5C-95E6-10947BD1103B}"/>
+          </ac:spMkLst>
+        </pc:spChg>
+        <pc:spChg chg="add">
+          <ac:chgData name="Jha, Aryan Ritwajeet" userId="2aad577e-539b-449b-83a6-8d411f484b4d" providerId="ADAL" clId="{DE47BC88-6A8D-4A54-8659-46F2D08A15C5}" dt="2023-08-28T18:33:43.232" v="104" actId="26606"/>
+          <ac:spMkLst>
+            <pc:docMk/>
+            <pc:sldMk cId="2942291822" sldId="301"/>
+            <ac:spMk id="16" creationId="{3873B707-463F-40B0-8227-E8CC6C67EB25}"/>
+          </ac:spMkLst>
+        </pc:spChg>
+        <pc:spChg chg="add">
+          <ac:chgData name="Jha, Aryan Ritwajeet" userId="2aad577e-539b-449b-83a6-8d411f484b4d" providerId="ADAL" clId="{DE47BC88-6A8D-4A54-8659-46F2D08A15C5}" dt="2023-08-28T18:33:43.232" v="104" actId="26606"/>
+          <ac:spMkLst>
+            <pc:docMk/>
+            <pc:sldMk cId="2942291822" sldId="301"/>
+            <ac:spMk id="18" creationId="{C13237C8-E62C-4F0D-A318-BD6FB6C2D138}"/>
+          </ac:spMkLst>
+        </pc:spChg>
+        <pc:spChg chg="add">
+          <ac:chgData name="Jha, Aryan Ritwajeet" userId="2aad577e-539b-449b-83a6-8d411f484b4d" providerId="ADAL" clId="{DE47BC88-6A8D-4A54-8659-46F2D08A15C5}" dt="2023-08-28T18:33:43.232" v="104" actId="26606"/>
+          <ac:spMkLst>
+            <pc:docMk/>
+            <pc:sldMk cId="2942291822" sldId="301"/>
+            <ac:spMk id="20" creationId="{19C9EAEA-39D0-4B0E-A0EB-51E7B26740B1}"/>
+          </ac:spMkLst>
+        </pc:spChg>
+        <pc:grpChg chg="add">
+          <ac:chgData name="Jha, Aryan Ritwajeet" userId="2aad577e-539b-449b-83a6-8d411f484b4d" providerId="ADAL" clId="{DE47BC88-6A8D-4A54-8659-46F2D08A15C5}" dt="2023-08-28T18:33:43.232" v="104" actId="26606"/>
+          <ac:grpSpMkLst>
+            <pc:docMk/>
+            <pc:sldMk cId="2942291822" sldId="301"/>
+            <ac:grpSpMk id="17" creationId="{1DE889C7-FAD6-4397-98E2-05D503484459}"/>
+          </ac:grpSpMkLst>
+        </pc:grpChg>
+        <pc:picChg chg="add mod">
+          <ac:chgData name="Jha, Aryan Ritwajeet" userId="2aad577e-539b-449b-83a6-8d411f484b4d" providerId="ADAL" clId="{DE47BC88-6A8D-4A54-8659-46F2D08A15C5}" dt="2023-08-28T18:48:55.254" v="106" actId="1076"/>
+          <ac:picMkLst>
+            <pc:docMk/>
+            <pc:sldMk cId="2942291822" sldId="301"/>
+            <ac:picMk id="5" creationId="{7B83205B-F9EE-823E-8A46-869135FCC9CC}"/>
+          </ac:picMkLst>
+        </pc:picChg>
       </pc:sldChg>
     </pc:docChg>
   </pc:docChgLst>
@@ -3433,7 +3609,7 @@
           <a:p>
             <a:fld id="{CD0EE7A6-4846-4730-80C3-BA00371415CC}" type="datetimeFigureOut">
               <a:rPr lang="en-IN" smtClean="0"/>
-              <a:t>06-06-2023</a:t>
+              <a:t>28-08-2023</a:t>
             </a:fld>
             <a:endParaRPr lang="en-IN"/>
           </a:p>
@@ -3633,7 +3809,7 @@
           <a:p>
             <a:fld id="{CD0EE7A6-4846-4730-80C3-BA00371415CC}" type="datetimeFigureOut">
               <a:rPr lang="en-IN" smtClean="0"/>
-              <a:t>06-06-2023</a:t>
+              <a:t>28-08-2023</a:t>
             </a:fld>
             <a:endParaRPr lang="en-IN"/>
           </a:p>
@@ -3843,7 +4019,7 @@
           <a:p>
             <a:fld id="{CD0EE7A6-4846-4730-80C3-BA00371415CC}" type="datetimeFigureOut">
               <a:rPr lang="en-IN" smtClean="0"/>
-              <a:t>06-06-2023</a:t>
+              <a:t>28-08-2023</a:t>
             </a:fld>
             <a:endParaRPr lang="en-IN"/>
           </a:p>
@@ -4043,7 +4219,7 @@
           <a:p>
             <a:fld id="{CD0EE7A6-4846-4730-80C3-BA00371415CC}" type="datetimeFigureOut">
               <a:rPr lang="en-IN" smtClean="0"/>
-              <a:t>06-06-2023</a:t>
+              <a:t>28-08-2023</a:t>
             </a:fld>
             <a:endParaRPr lang="en-IN"/>
           </a:p>
@@ -4319,7 +4495,7 @@
           <a:p>
             <a:fld id="{CD0EE7A6-4846-4730-80C3-BA00371415CC}" type="datetimeFigureOut">
               <a:rPr lang="en-IN" smtClean="0"/>
-              <a:t>06-06-2023</a:t>
+              <a:t>28-08-2023</a:t>
             </a:fld>
             <a:endParaRPr lang="en-IN"/>
           </a:p>
@@ -4587,7 +4763,7 @@
           <a:p>
             <a:fld id="{CD0EE7A6-4846-4730-80C3-BA00371415CC}" type="datetimeFigureOut">
               <a:rPr lang="en-IN" smtClean="0"/>
-              <a:t>06-06-2023</a:t>
+              <a:t>28-08-2023</a:t>
             </a:fld>
             <a:endParaRPr lang="en-IN"/>
           </a:p>
@@ -5002,7 +5178,7 @@
           <a:p>
             <a:fld id="{CD0EE7A6-4846-4730-80C3-BA00371415CC}" type="datetimeFigureOut">
               <a:rPr lang="en-IN" smtClean="0"/>
-              <a:t>06-06-2023</a:t>
+              <a:t>28-08-2023</a:t>
             </a:fld>
             <a:endParaRPr lang="en-IN"/>
           </a:p>
@@ -5144,7 +5320,7 @@
           <a:p>
             <a:fld id="{CD0EE7A6-4846-4730-80C3-BA00371415CC}" type="datetimeFigureOut">
               <a:rPr lang="en-IN" smtClean="0"/>
-              <a:t>06-06-2023</a:t>
+              <a:t>28-08-2023</a:t>
             </a:fld>
             <a:endParaRPr lang="en-IN"/>
           </a:p>
@@ -5257,7 +5433,7 @@
           <a:p>
             <a:fld id="{CD0EE7A6-4846-4730-80C3-BA00371415CC}" type="datetimeFigureOut">
               <a:rPr lang="en-IN" smtClean="0"/>
-              <a:t>06-06-2023</a:t>
+              <a:t>28-08-2023</a:t>
             </a:fld>
             <a:endParaRPr lang="en-IN"/>
           </a:p>
@@ -5570,7 +5746,7 @@
           <a:p>
             <a:fld id="{CD0EE7A6-4846-4730-80C3-BA00371415CC}" type="datetimeFigureOut">
               <a:rPr lang="en-IN" smtClean="0"/>
-              <a:t>06-06-2023</a:t>
+              <a:t>28-08-2023</a:t>
             </a:fld>
             <a:endParaRPr lang="en-IN"/>
           </a:p>
@@ -5859,7 +6035,7 @@
           <a:p>
             <a:fld id="{CD0EE7A6-4846-4730-80C3-BA00371415CC}" type="datetimeFigureOut">
               <a:rPr lang="en-IN" smtClean="0"/>
-              <a:t>06-06-2023</a:t>
+              <a:t>28-08-2023</a:t>
             </a:fld>
             <a:endParaRPr lang="en-IN"/>
           </a:p>
@@ -6102,7 +6278,7 @@
           <a:p>
             <a:fld id="{CD0EE7A6-4846-4730-80C3-BA00371415CC}" type="datetimeFigureOut">
               <a:rPr lang="en-IN" smtClean="0"/>
-              <a:t>06-06-2023</a:t>
+              <a:t>28-08-2023</a:t>
             </a:fld>
             <a:endParaRPr lang="en-IN"/>
           </a:p>
@@ -7825,6 +8001,700 @@
       </p:grpSpPr>
       <p:sp useBgFill="1">
         <p:nvSpPr>
+          <p:cNvPr id="64" name="Rectangle 63">
+            <a:extLst>
+              <a:ext uri="{FF2B5EF4-FFF2-40B4-BE49-F238E27FC236}">
+                <a16:creationId xmlns:a16="http://schemas.microsoft.com/office/drawing/2014/main" id="{53F29798-D584-4792-9B62-3F5F5C36D619}"/>
+              </a:ext>
+              <a:ext uri="{C183D7F6-B498-43B3-948B-1728B52AA6E4}">
+                <adec:decorative xmlns:adec="http://schemas.microsoft.com/office/drawing/2017/decorative" val="1"/>
+              </a:ext>
+            </a:extLst>
+          </p:cNvPr>
+          <p:cNvSpPr>
+            <a:spLocks noGrp="1" noRot="1" noChangeAspect="1" noMove="1" noResize="1" noEditPoints="1" noAdjustHandles="1" noChangeArrowheads="1" noChangeShapeType="1" noTextEdit="1"/>
+          </p:cNvSpPr>
+          <p:nvPr>
+            <p:extLst>
+              <p:ext uri="{386F3935-93C4-4BCD-93E2-E3B085C9AB24}">
+                <p16:designElem xmlns:p16="http://schemas.microsoft.com/office/powerpoint/2015/main" val="1"/>
+              </p:ext>
+            </p:extLst>
+          </p:nvPr>
+        </p:nvSpPr>
+        <p:spPr>
+          <a:xfrm>
+            <a:off x="0" y="0"/>
+            <a:ext cx="12188952" cy="6858000"/>
+          </a:xfrm>
+          <a:prstGeom prst="rect">
+            <a:avLst/>
+          </a:prstGeom>
+          <a:ln>
+            <a:noFill/>
+          </a:ln>
+        </p:spPr>
+        <p:style>
+          <a:lnRef idx="2">
+            <a:schemeClr val="accent1">
+              <a:shade val="50000"/>
+            </a:schemeClr>
+          </a:lnRef>
+          <a:fillRef idx="1">
+            <a:schemeClr val="accent1"/>
+          </a:fillRef>
+          <a:effectRef idx="0">
+            <a:schemeClr val="accent1"/>
+          </a:effectRef>
+          <a:fontRef idx="minor">
+            <a:schemeClr val="lt1"/>
+          </a:fontRef>
+        </p:style>
+        <p:txBody>
+          <a:bodyPr rtlCol="0" anchor="ctr"/>
+          <a:lstStyle/>
+          <a:p>
+            <a:pPr algn="ctr"/>
+            <a:endParaRPr lang="en-US"/>
+          </a:p>
+        </p:txBody>
+      </p:sp>
+      <p:sp>
+        <p:nvSpPr>
+          <p:cNvPr id="2" name="Title 1">
+            <a:extLst>
+              <a:ext uri="{FF2B5EF4-FFF2-40B4-BE49-F238E27FC236}">
+                <a16:creationId xmlns:a16="http://schemas.microsoft.com/office/drawing/2014/main" id="{67A20612-6EA0-7C56-0CC6-3CA67365DFF8}"/>
+              </a:ext>
+            </a:extLst>
+          </p:cNvPr>
+          <p:cNvSpPr>
+            <a:spLocks noGrp="1"/>
+          </p:cNvSpPr>
+          <p:nvPr>
+            <p:ph type="title"/>
+          </p:nvPr>
+        </p:nvSpPr>
+        <p:spPr>
+          <a:xfrm>
+            <a:off x="838200" y="184805"/>
+            <a:ext cx="10515600" cy="1505883"/>
+          </a:xfrm>
+        </p:spPr>
+        <p:style>
+          <a:lnRef idx="2">
+            <a:schemeClr val="accent2"/>
+          </a:lnRef>
+          <a:fillRef idx="1">
+            <a:schemeClr val="lt1"/>
+          </a:fillRef>
+          <a:effectRef idx="0">
+            <a:schemeClr val="accent2"/>
+          </a:effectRef>
+          <a:fontRef idx="minor">
+            <a:schemeClr val="dk1"/>
+          </a:fontRef>
+        </p:style>
+        <p:txBody>
+          <a:bodyPr vert="horz" lIns="91440" tIns="45720" rIns="91440" bIns="45720" rtlCol="0" anchor="ctr">
+            <a:normAutofit/>
+          </a:bodyPr>
+          <a:lstStyle/>
+          <a:p>
+            <a:r>
+              <a:rPr lang="en-US" sz="4800" kern="1200">
+                <a:solidFill>
+                  <a:schemeClr val="tx1"/>
+                </a:solidFill>
+                <a:latin typeface="+mj-lt"/>
+                <a:ea typeface="+mj-ea"/>
+                <a:cs typeface="+mj-cs"/>
+              </a:rPr>
+              <a:t>Current Objective: Develop a One-Page Abstract for the proposed Julia Package</a:t>
+            </a:r>
+          </a:p>
+        </p:txBody>
+      </p:sp>
+      <p:pic>
+        <p:nvPicPr>
+          <p:cNvPr id="6" name="Picture 5">
+            <a:extLst>
+              <a:ext uri="{FF2B5EF4-FFF2-40B4-BE49-F238E27FC236}">
+                <a16:creationId xmlns:a16="http://schemas.microsoft.com/office/drawing/2014/main" id="{22166BF3-63B7-834E-E3A8-8FE9DF193651}"/>
+              </a:ext>
+            </a:extLst>
+          </p:cNvPr>
+          <p:cNvPicPr>
+            <a:picLocks noChangeAspect="1"/>
+          </p:cNvPicPr>
+          <p:nvPr/>
+        </p:nvPicPr>
+        <p:blipFill>
+          <a:blip r:embed="rId2"/>
+          <a:stretch>
+            <a:fillRect/>
+          </a:stretch>
+        </p:blipFill>
+        <p:spPr>
+          <a:xfrm>
+            <a:off x="180766" y="2049228"/>
+            <a:ext cx="8313431" cy="1771602"/>
+          </a:xfrm>
+          <a:prstGeom prst="rect">
+            <a:avLst/>
+          </a:prstGeom>
+          <a:ln>
+            <a:solidFill>
+              <a:schemeClr val="accent1"/>
+            </a:solidFill>
+          </a:ln>
+        </p:spPr>
+      </p:pic>
+      <p:pic>
+        <p:nvPicPr>
+          <p:cNvPr id="8" name="Picture 7">
+            <a:extLst>
+              <a:ext uri="{FF2B5EF4-FFF2-40B4-BE49-F238E27FC236}">
+                <a16:creationId xmlns:a16="http://schemas.microsoft.com/office/drawing/2014/main" id="{1A0382F6-5406-356E-ABAC-248A2EF36589}"/>
+              </a:ext>
+            </a:extLst>
+          </p:cNvPr>
+          <p:cNvPicPr>
+            <a:picLocks noChangeAspect="1"/>
+          </p:cNvPicPr>
+          <p:nvPr/>
+        </p:nvPicPr>
+        <p:blipFill>
+          <a:blip r:embed="rId3"/>
+          <a:stretch>
+            <a:fillRect/>
+          </a:stretch>
+        </p:blipFill>
+        <p:spPr>
+          <a:xfrm>
+            <a:off x="6743682" y="3235463"/>
+            <a:ext cx="4958790" cy="3401763"/>
+          </a:xfrm>
+          <a:prstGeom prst="rect">
+            <a:avLst/>
+          </a:prstGeom>
+          <a:ln>
+            <a:solidFill>
+              <a:schemeClr val="accent1"/>
+            </a:solidFill>
+          </a:ln>
+        </p:spPr>
+      </p:pic>
+      <p:pic>
+        <p:nvPicPr>
+          <p:cNvPr id="10" name="Picture 9">
+            <a:extLst>
+              <a:ext uri="{FF2B5EF4-FFF2-40B4-BE49-F238E27FC236}">
+                <a16:creationId xmlns:a16="http://schemas.microsoft.com/office/drawing/2014/main" id="{A5BDEC19-C218-584E-0AD6-15762FCA180B}"/>
+              </a:ext>
+            </a:extLst>
+          </p:cNvPr>
+          <p:cNvPicPr>
+            <a:picLocks noChangeAspect="1"/>
+          </p:cNvPicPr>
+          <p:nvPr/>
+        </p:nvPicPr>
+        <p:blipFill>
+          <a:blip r:embed="rId4"/>
+          <a:stretch>
+            <a:fillRect/>
+          </a:stretch>
+        </p:blipFill>
+        <p:spPr>
+          <a:xfrm>
+            <a:off x="8165116" y="2719610"/>
+            <a:ext cx="3537356" cy="502217"/>
+          </a:xfrm>
+          <a:prstGeom prst="rect">
+            <a:avLst/>
+          </a:prstGeom>
+          <a:ln>
+            <a:solidFill>
+              <a:schemeClr val="accent1"/>
+            </a:solidFill>
+          </a:ln>
+        </p:spPr>
+      </p:pic>
+      <p:pic>
+        <p:nvPicPr>
+          <p:cNvPr id="12" name="Picture 11">
+            <a:extLst>
+              <a:ext uri="{FF2B5EF4-FFF2-40B4-BE49-F238E27FC236}">
+                <a16:creationId xmlns:a16="http://schemas.microsoft.com/office/drawing/2014/main" id="{43CADD92-99A3-97B0-9B40-97AAE58C392E}"/>
+              </a:ext>
+            </a:extLst>
+          </p:cNvPr>
+          <p:cNvPicPr>
+            <a:picLocks noChangeAspect="1"/>
+          </p:cNvPicPr>
+          <p:nvPr/>
+        </p:nvPicPr>
+        <p:blipFill>
+          <a:blip r:embed="rId5"/>
+          <a:stretch>
+            <a:fillRect/>
+          </a:stretch>
+        </p:blipFill>
+        <p:spPr>
+          <a:xfrm>
+            <a:off x="180766" y="4033334"/>
+            <a:ext cx="4820323" cy="619211"/>
+          </a:xfrm>
+          <a:prstGeom prst="rect">
+            <a:avLst/>
+          </a:prstGeom>
+          <a:ln>
+            <a:solidFill>
+              <a:schemeClr val="accent1"/>
+            </a:solidFill>
+          </a:ln>
+        </p:spPr>
+      </p:pic>
+      <p:pic>
+        <p:nvPicPr>
+          <p:cNvPr id="16" name="Picture 15">
+            <a:extLst>
+              <a:ext uri="{FF2B5EF4-FFF2-40B4-BE49-F238E27FC236}">
+                <a16:creationId xmlns:a16="http://schemas.microsoft.com/office/drawing/2014/main" id="{1523B9D6-EEAE-86A1-DE96-B0444CF009E1}"/>
+              </a:ext>
+            </a:extLst>
+          </p:cNvPr>
+          <p:cNvPicPr>
+            <a:picLocks noChangeAspect="1"/>
+          </p:cNvPicPr>
+          <p:nvPr/>
+        </p:nvPicPr>
+        <p:blipFill>
+          <a:blip r:embed="rId6"/>
+          <a:stretch>
+            <a:fillRect/>
+          </a:stretch>
+        </p:blipFill>
+        <p:spPr>
+          <a:xfrm>
+            <a:off x="673875" y="4563296"/>
+            <a:ext cx="1638529" cy="1105054"/>
+          </a:xfrm>
+          <a:prstGeom prst="rect">
+            <a:avLst/>
+          </a:prstGeom>
+          <a:ln>
+            <a:solidFill>
+              <a:schemeClr val="accent1"/>
+            </a:solidFill>
+          </a:ln>
+        </p:spPr>
+      </p:pic>
+      <p:sp>
+        <p:nvSpPr>
+          <p:cNvPr id="17" name="TextBox 16">
+            <a:extLst>
+              <a:ext uri="{FF2B5EF4-FFF2-40B4-BE49-F238E27FC236}">
+                <a16:creationId xmlns:a16="http://schemas.microsoft.com/office/drawing/2014/main" id="{BFD1E577-C4D7-F6BB-ABFB-2AF4A6E420F8}"/>
+              </a:ext>
+            </a:extLst>
+          </p:cNvPr>
+          <p:cNvSpPr txBox="1"/>
+          <p:nvPr/>
+        </p:nvSpPr>
+        <p:spPr>
+          <a:xfrm>
+            <a:off x="3038158" y="4892232"/>
+            <a:ext cx="3057842" cy="369332"/>
+          </a:xfrm>
+          <a:prstGeom prst="rect">
+            <a:avLst/>
+          </a:prstGeom>
+          <a:noFill/>
+          <a:ln>
+            <a:solidFill>
+              <a:schemeClr val="accent1"/>
+            </a:solidFill>
+          </a:ln>
+        </p:spPr>
+        <p:txBody>
+          <a:bodyPr wrap="square" rtlCol="0">
+            <a:spAutoFit/>
+          </a:bodyPr>
+          <a:lstStyle/>
+          <a:p>
+            <a:r>
+              <a:rPr lang="en-US"/>
+              <a:t>Need to have him on-board.</a:t>
+            </a:r>
+          </a:p>
+        </p:txBody>
+      </p:sp>
+      <p:cxnSp>
+        <p:nvCxnSpPr>
+          <p:cNvPr id="19" name="Straight Arrow Connector 18">
+            <a:extLst>
+              <a:ext uri="{FF2B5EF4-FFF2-40B4-BE49-F238E27FC236}">
+                <a16:creationId xmlns:a16="http://schemas.microsoft.com/office/drawing/2014/main" id="{F66619B4-1526-5842-DFFE-8F65F256A16E}"/>
+              </a:ext>
+            </a:extLst>
+          </p:cNvPr>
+          <p:cNvCxnSpPr>
+            <a:cxnSpLocks/>
+            <a:endCxn id="17" idx="1"/>
+          </p:cNvCxnSpPr>
+          <p:nvPr/>
+        </p:nvCxnSpPr>
+        <p:spPr>
+          <a:xfrm flipV="1">
+            <a:off x="1896533" y="5076898"/>
+            <a:ext cx="1141625" cy="77851"/>
+          </a:xfrm>
+          <a:prstGeom prst="straightConnector1">
+            <a:avLst/>
+          </a:prstGeom>
+          <a:ln>
+            <a:tailEnd type="triangle"/>
+          </a:ln>
+        </p:spPr>
+        <p:style>
+          <a:lnRef idx="1">
+            <a:schemeClr val="accent1"/>
+          </a:lnRef>
+          <a:fillRef idx="0">
+            <a:schemeClr val="accent1"/>
+          </a:fillRef>
+          <a:effectRef idx="0">
+            <a:schemeClr val="accent1"/>
+          </a:effectRef>
+          <a:fontRef idx="minor">
+            <a:schemeClr val="tx1"/>
+          </a:fontRef>
+        </p:style>
+      </p:cxnSp>
+      <p:pic>
+        <p:nvPicPr>
+          <p:cNvPr id="23" name="Picture 22">
+            <a:extLst>
+              <a:ext uri="{FF2B5EF4-FFF2-40B4-BE49-F238E27FC236}">
+                <a16:creationId xmlns:a16="http://schemas.microsoft.com/office/drawing/2014/main" id="{995A9445-1864-460B-2B38-27862F2DC798}"/>
+              </a:ext>
+            </a:extLst>
+          </p:cNvPr>
+          <p:cNvPicPr>
+            <a:picLocks noChangeAspect="1"/>
+          </p:cNvPicPr>
+          <p:nvPr/>
+        </p:nvPicPr>
+        <p:blipFill>
+          <a:blip r:embed="rId7"/>
+          <a:stretch>
+            <a:fillRect/>
+          </a:stretch>
+        </p:blipFill>
+        <p:spPr>
+          <a:xfrm>
+            <a:off x="181026" y="5878796"/>
+            <a:ext cx="4572638" cy="543001"/>
+          </a:xfrm>
+          <a:prstGeom prst="rect">
+            <a:avLst/>
+          </a:prstGeom>
+          <a:ln>
+            <a:solidFill>
+              <a:schemeClr val="accent1"/>
+            </a:solidFill>
+          </a:ln>
+        </p:spPr>
+      </p:pic>
+      <p:pic>
+        <p:nvPicPr>
+          <p:cNvPr id="25" name="Picture 24">
+            <a:extLst>
+              <a:ext uri="{FF2B5EF4-FFF2-40B4-BE49-F238E27FC236}">
+                <a16:creationId xmlns:a16="http://schemas.microsoft.com/office/drawing/2014/main" id="{AF8C36C9-21B3-6F02-0D41-9F7CE33989B5}"/>
+              </a:ext>
+            </a:extLst>
+          </p:cNvPr>
+          <p:cNvPicPr>
+            <a:picLocks noChangeAspect="1"/>
+          </p:cNvPicPr>
+          <p:nvPr/>
+        </p:nvPicPr>
+        <p:blipFill>
+          <a:blip r:embed="rId8"/>
+          <a:stretch>
+            <a:fillRect/>
+          </a:stretch>
+        </p:blipFill>
+        <p:spPr>
+          <a:xfrm>
+            <a:off x="4173450" y="6254951"/>
+            <a:ext cx="2455791" cy="603049"/>
+          </a:xfrm>
+          <a:prstGeom prst="rect">
+            <a:avLst/>
+          </a:prstGeom>
+        </p:spPr>
+      </p:pic>
+    </p:spTree>
+    <p:extLst>
+      <p:ext uri="{BB962C8B-B14F-4D97-AF65-F5344CB8AC3E}">
+        <p14:creationId xmlns:p14="http://schemas.microsoft.com/office/powerpoint/2010/main" val="3974245500"/>
+      </p:ext>
+    </p:extLst>
+  </p:cSld>
+  <p:clrMapOvr>
+    <a:masterClrMapping/>
+  </p:clrMapOvr>
+</p:sld>
+</file>
+
+<file path=ppt/slides/slide11.xml><?xml version="1.0" encoding="utf-8"?>
+<p:sld xmlns:a="http://schemas.openxmlformats.org/drawingml/2006/main" xmlns:r="http://schemas.openxmlformats.org/officeDocument/2006/relationships" xmlns:p="http://schemas.openxmlformats.org/presentationml/2006/main">
+  <p:cSld>
+    <p:bg>
+      <p:bgPr>
+        <a:solidFill>
+          <a:schemeClr val="bg1"/>
+        </a:solidFill>
+        <a:effectLst/>
+      </p:bgPr>
+    </p:bg>
+    <p:spTree>
+      <p:nvGrpSpPr>
+        <p:cNvPr id="1" name=""/>
+        <p:cNvGrpSpPr/>
+        <p:nvPr/>
+      </p:nvGrpSpPr>
+      <p:grpSpPr>
+        <a:xfrm>
+          <a:off x="0" y="0"/>
+          <a:ext cx="0" cy="0"/>
+          <a:chOff x="0" y="0"/>
+          <a:chExt cx="0" cy="0"/>
+        </a:xfrm>
+      </p:grpSpPr>
+      <p:sp useBgFill="1">
+        <p:nvSpPr>
+          <p:cNvPr id="59" name="Rectangle 58">
+            <a:extLst>
+              <a:ext uri="{FF2B5EF4-FFF2-40B4-BE49-F238E27FC236}">
+                <a16:creationId xmlns:a16="http://schemas.microsoft.com/office/drawing/2014/main" id="{53F29798-D584-4792-9B62-3F5F5C36D619}"/>
+              </a:ext>
+              <a:ext uri="{C183D7F6-B498-43B3-948B-1728B52AA6E4}">
+                <adec:decorative xmlns:adec="http://schemas.microsoft.com/office/drawing/2017/decorative" val="1"/>
+              </a:ext>
+            </a:extLst>
+          </p:cNvPr>
+          <p:cNvSpPr>
+            <a:spLocks noGrp="1" noRot="1" noChangeAspect="1" noMove="1" noResize="1" noEditPoints="1" noAdjustHandles="1" noChangeArrowheads="1" noChangeShapeType="1" noTextEdit="1"/>
+          </p:cNvSpPr>
+          <p:nvPr>
+            <p:extLst>
+              <p:ext uri="{386F3935-93C4-4BCD-93E2-E3B085C9AB24}">
+                <p16:designElem xmlns:p16="http://schemas.microsoft.com/office/powerpoint/2015/main" val="1"/>
+              </p:ext>
+            </p:extLst>
+          </p:nvPr>
+        </p:nvSpPr>
+        <p:spPr>
+          <a:xfrm>
+            <a:off x="0" y="0"/>
+            <a:ext cx="12188952" cy="6858000"/>
+          </a:xfrm>
+          <a:prstGeom prst="rect">
+            <a:avLst/>
+          </a:prstGeom>
+          <a:ln>
+            <a:noFill/>
+          </a:ln>
+        </p:spPr>
+        <p:style>
+          <a:lnRef idx="2">
+            <a:schemeClr val="accent1">
+              <a:shade val="50000"/>
+            </a:schemeClr>
+          </a:lnRef>
+          <a:fillRef idx="1">
+            <a:schemeClr val="accent1"/>
+          </a:fillRef>
+          <a:effectRef idx="0">
+            <a:schemeClr val="accent1"/>
+          </a:effectRef>
+          <a:fontRef idx="minor">
+            <a:schemeClr val="lt1"/>
+          </a:fontRef>
+        </p:style>
+        <p:txBody>
+          <a:bodyPr rtlCol="0" anchor="ctr"/>
+          <a:lstStyle/>
+          <a:p>
+            <a:pPr algn="ctr"/>
+            <a:endParaRPr lang="en-US"/>
+          </a:p>
+        </p:txBody>
+      </p:sp>
+      <p:sp>
+        <p:nvSpPr>
+          <p:cNvPr id="2" name="Title 1">
+            <a:extLst>
+              <a:ext uri="{FF2B5EF4-FFF2-40B4-BE49-F238E27FC236}">
+                <a16:creationId xmlns:a16="http://schemas.microsoft.com/office/drawing/2014/main" id="{67A20612-6EA0-7C56-0CC6-3CA67365DFF8}"/>
+              </a:ext>
+            </a:extLst>
+          </p:cNvPr>
+          <p:cNvSpPr>
+            <a:spLocks noGrp="1"/>
+          </p:cNvSpPr>
+          <p:nvPr>
+            <p:ph type="title"/>
+          </p:nvPr>
+        </p:nvSpPr>
+        <p:spPr>
+          <a:xfrm>
+            <a:off x="838200" y="184805"/>
+            <a:ext cx="10515600" cy="1505883"/>
+          </a:xfrm>
+        </p:spPr>
+        <p:style>
+          <a:lnRef idx="2">
+            <a:schemeClr val="accent2"/>
+          </a:lnRef>
+          <a:fillRef idx="1">
+            <a:schemeClr val="lt1"/>
+          </a:fillRef>
+          <a:effectRef idx="0">
+            <a:schemeClr val="accent2"/>
+          </a:effectRef>
+          <a:fontRef idx="minor">
+            <a:schemeClr val="dk1"/>
+          </a:fontRef>
+        </p:style>
+        <p:txBody>
+          <a:bodyPr vert="horz" lIns="91440" tIns="45720" rIns="91440" bIns="45720" rtlCol="0" anchor="ctr">
+            <a:normAutofit/>
+          </a:bodyPr>
+          <a:lstStyle/>
+          <a:p>
+            <a:r>
+              <a:rPr lang="en-US" sz="4800" kern="1200">
+                <a:solidFill>
+                  <a:schemeClr val="tx1"/>
+                </a:solidFill>
+                <a:latin typeface="+mj-lt"/>
+                <a:ea typeface="+mj-ea"/>
+                <a:cs typeface="+mj-cs"/>
+              </a:rPr>
+              <a:t>Current Objective: Develop a One-Page Abstract for the proposed Julia Package</a:t>
+            </a:r>
+          </a:p>
+        </p:txBody>
+      </p:sp>
+      <p:pic>
+        <p:nvPicPr>
+          <p:cNvPr id="12" name="Picture 11">
+            <a:extLst>
+              <a:ext uri="{FF2B5EF4-FFF2-40B4-BE49-F238E27FC236}">
+                <a16:creationId xmlns:a16="http://schemas.microsoft.com/office/drawing/2014/main" id="{2C715FE7-D1BA-896B-C1EA-E8DFF32B6708}"/>
+              </a:ext>
+            </a:extLst>
+          </p:cNvPr>
+          <p:cNvPicPr>
+            <a:picLocks noChangeAspect="1"/>
+          </p:cNvPicPr>
+          <p:nvPr/>
+        </p:nvPicPr>
+        <p:blipFill rotWithShape="1">
+          <a:blip r:embed="rId2"/>
+          <a:srcRect r="29"/>
+          <a:stretch/>
+        </p:blipFill>
+        <p:spPr>
+          <a:xfrm>
+            <a:off x="838200" y="2244022"/>
+            <a:ext cx="10512547" cy="3653110"/>
+          </a:xfrm>
+          <a:prstGeom prst="rect">
+            <a:avLst/>
+          </a:prstGeom>
+          <a:ln>
+            <a:solidFill>
+              <a:srgbClr val="FF0000"/>
+            </a:solidFill>
+          </a:ln>
+        </p:spPr>
+      </p:pic>
+      <p:pic>
+        <p:nvPicPr>
+          <p:cNvPr id="4" name="Picture 3">
+            <a:extLst>
+              <a:ext uri="{FF2B5EF4-FFF2-40B4-BE49-F238E27FC236}">
+                <a16:creationId xmlns:a16="http://schemas.microsoft.com/office/drawing/2014/main" id="{FE2107A1-B221-59F0-46FD-9C233BBFA9AA}"/>
+              </a:ext>
+            </a:extLst>
+          </p:cNvPr>
+          <p:cNvPicPr>
+            <a:picLocks noChangeAspect="1"/>
+          </p:cNvPicPr>
+          <p:nvPr/>
+        </p:nvPicPr>
+        <p:blipFill>
+          <a:blip r:embed="rId3"/>
+          <a:stretch>
+            <a:fillRect/>
+          </a:stretch>
+        </p:blipFill>
+        <p:spPr>
+          <a:xfrm>
+            <a:off x="634227" y="6044540"/>
+            <a:ext cx="10920492" cy="628655"/>
+          </a:xfrm>
+          <a:prstGeom prst="rect">
+            <a:avLst/>
+          </a:prstGeom>
+        </p:spPr>
+      </p:pic>
+    </p:spTree>
+    <p:extLst>
+      <p:ext uri="{BB962C8B-B14F-4D97-AF65-F5344CB8AC3E}">
+        <p14:creationId xmlns:p14="http://schemas.microsoft.com/office/powerpoint/2010/main" val="1432101322"/>
+      </p:ext>
+    </p:extLst>
+  </p:cSld>
+  <p:clrMapOvr>
+    <a:masterClrMapping/>
+  </p:clrMapOvr>
+</p:sld>
+</file>
+
+<file path=ppt/slides/slide12.xml><?xml version="1.0" encoding="utf-8"?>
+<p:sld xmlns:a="http://schemas.openxmlformats.org/drawingml/2006/main" xmlns:r="http://schemas.openxmlformats.org/officeDocument/2006/relationships" xmlns:p="http://schemas.openxmlformats.org/presentationml/2006/main">
+  <p:cSld>
+    <p:bg>
+      <p:bgPr>
+        <a:solidFill>
+          <a:schemeClr val="bg1"/>
+        </a:solidFill>
+        <a:effectLst/>
+      </p:bgPr>
+    </p:bg>
+    <p:spTree>
+      <p:nvGrpSpPr>
+        <p:cNvPr id="1" name=""/>
+        <p:cNvGrpSpPr/>
+        <p:nvPr/>
+      </p:nvGrpSpPr>
+      <p:grpSpPr>
+        <a:xfrm>
+          <a:off x="0" y="0"/>
+          <a:ext cx="0" cy="0"/>
+          <a:chOff x="0" y="0"/>
+          <a:chExt cx="0" cy="0"/>
+        </a:xfrm>
+      </p:grpSpPr>
+      <p:sp useBgFill="1">
+        <p:nvSpPr>
           <p:cNvPr id="43" name="Rectangle 10">
             <a:extLst>
               <a:ext uri="{FF2B5EF4-FFF2-40B4-BE49-F238E27FC236}">
@@ -8378,7 +9248,7 @@
 </p:sld>
 </file>
 
-<file path=ppt/slides/slide11.xml><?xml version="1.0" encoding="utf-8"?>
+<file path=ppt/slides/slide13.xml><?xml version="1.0" encoding="utf-8"?>
 <p:sld xmlns:a="http://schemas.openxmlformats.org/drawingml/2006/main" xmlns:r="http://schemas.openxmlformats.org/officeDocument/2006/relationships" xmlns:p="http://schemas.openxmlformats.org/presentationml/2006/main">
   <p:cSld>
     <p:bg>
@@ -8661,7 +9531,7 @@
 </p:sld>
 </file>
 
-<file path=ppt/slides/slide12.xml><?xml version="1.0" encoding="utf-8"?>
+<file path=ppt/slides/slide14.xml><?xml version="1.0" encoding="utf-8"?>
 <p:sld xmlns:a="http://schemas.openxmlformats.org/drawingml/2006/main" xmlns:r="http://schemas.openxmlformats.org/officeDocument/2006/relationships" xmlns:p="http://schemas.openxmlformats.org/presentationml/2006/main">
   <p:cSld>
     <p:bg>
@@ -9028,7 +9898,7 @@
 </p:sld>
 </file>
 
-<file path=ppt/slides/slide13.xml><?xml version="1.0" encoding="utf-8"?>
+<file path=ppt/slides/slide15.xml><?xml version="1.0" encoding="utf-8"?>
 <p:sld xmlns:a="http://schemas.openxmlformats.org/drawingml/2006/main" xmlns:r="http://schemas.openxmlformats.org/officeDocument/2006/relationships" xmlns:p="http://schemas.openxmlformats.org/presentationml/2006/main">
   <p:cSld>
     <p:bg>
@@ -9283,7 +10153,7 @@
 </p:sld>
 </file>
 
-<file path=ppt/slides/slide14.xml><?xml version="1.0" encoding="utf-8"?>
+<file path=ppt/slides/slide16.xml><?xml version="1.0" encoding="utf-8"?>
 <p:sld xmlns:a="http://schemas.openxmlformats.org/drawingml/2006/main" xmlns:r="http://schemas.openxmlformats.org/officeDocument/2006/relationships" xmlns:p="http://schemas.openxmlformats.org/presentationml/2006/main">
   <p:cSld>
     <p:spTree>
@@ -9435,390 +10305,6 @@
     <p:extLst>
       <p:ext uri="{BB962C8B-B14F-4D97-AF65-F5344CB8AC3E}">
         <p14:creationId xmlns:p14="http://schemas.microsoft.com/office/powerpoint/2010/main" val="1616489273"/>
-      </p:ext>
-    </p:extLst>
-  </p:cSld>
-  <p:clrMapOvr>
-    <a:masterClrMapping/>
-  </p:clrMapOvr>
-</p:sld>
-</file>
-
-<file path=ppt/slides/slide15.xml><?xml version="1.0" encoding="utf-8"?>
-<p:sld xmlns:a="http://schemas.openxmlformats.org/drawingml/2006/main" xmlns:r="http://schemas.openxmlformats.org/officeDocument/2006/relationships" xmlns:p="http://schemas.openxmlformats.org/presentationml/2006/main">
-  <p:cSld>
-    <p:spTree>
-      <p:nvGrpSpPr>
-        <p:cNvPr id="1" name=""/>
-        <p:cNvGrpSpPr/>
-        <p:nvPr/>
-      </p:nvGrpSpPr>
-      <p:grpSpPr>
-        <a:xfrm>
-          <a:off x="0" y="0"/>
-          <a:ext cx="0" cy="0"/>
-          <a:chOff x="0" y="0"/>
-          <a:chExt cx="0" cy="0"/>
-        </a:xfrm>
-      </p:grpSpPr>
-      <p:sp>
-        <p:nvSpPr>
-          <p:cNvPr id="2" name="Title 1">
-            <a:extLst>
-              <a:ext uri="{FF2B5EF4-FFF2-40B4-BE49-F238E27FC236}">
-                <a16:creationId xmlns:a16="http://schemas.microsoft.com/office/drawing/2014/main" id="{A8A7A435-95A5-2381-42D2-9193E39FE483}"/>
-              </a:ext>
-            </a:extLst>
-          </p:cNvPr>
-          <p:cNvSpPr>
-            <a:spLocks noGrp="1"/>
-          </p:cNvSpPr>
-          <p:nvPr>
-            <p:ph type="title"/>
-          </p:nvPr>
-        </p:nvSpPr>
-        <p:spPr/>
-        <p:txBody>
-          <a:bodyPr>
-            <a:normAutofit fontScale="90000"/>
-          </a:bodyPr>
-          <a:lstStyle/>
-          <a:p>
-            <a:r>
-              <a:rPr lang="en-IN"/>
-              <a:t>Objective: Deploy a </a:t>
-            </a:r>
-            <a:r>
-              <a:rPr lang="en-IN">
-                <a:solidFill>
-                  <a:srgbClr val="7030A0"/>
-                </a:solidFill>
-              </a:rPr>
-              <a:t>Julia</a:t>
-            </a:r>
-            <a:r>
-              <a:rPr lang="en-IN"/>
-              <a:t> package for Power System Analysis</a:t>
-            </a:r>
-            <a:br>
-              <a:rPr lang="en-IN"/>
-            </a:br>
-            <a:r>
-              <a:rPr lang="en-IN" sz="2200"/>
-              <a:t>and possibly Power System Stability and Control too</a:t>
-            </a:r>
-            <a:r>
-              <a:rPr lang="en-IN"/>
-              <a:t>.</a:t>
-            </a:r>
-          </a:p>
-        </p:txBody>
-      </p:sp>
-      <p:sp>
-        <p:nvSpPr>
-          <p:cNvPr id="3" name="Content Placeholder 2">
-            <a:extLst>
-              <a:ext uri="{FF2B5EF4-FFF2-40B4-BE49-F238E27FC236}">
-                <a16:creationId xmlns:a16="http://schemas.microsoft.com/office/drawing/2014/main" id="{C0E4BDB6-1746-85CD-0FAA-2319229CCEB3}"/>
-              </a:ext>
-            </a:extLst>
-          </p:cNvPr>
-          <p:cNvSpPr>
-            <a:spLocks noGrp="1"/>
-          </p:cNvSpPr>
-          <p:nvPr>
-            <p:ph idx="1"/>
-          </p:nvPr>
-        </p:nvSpPr>
-        <p:spPr>
-          <a:xfrm>
-            <a:off x="701723" y="1982575"/>
-            <a:ext cx="10515600" cy="4351338"/>
-          </a:xfrm>
-        </p:spPr>
-        <p:txBody>
-          <a:bodyPr>
-            <a:normAutofit fontScale="92500" lnSpcReduction="10000"/>
-          </a:bodyPr>
-          <a:lstStyle/>
-          <a:p>
-            <a:pPr marL="457200" lvl="1" indent="0">
-              <a:buNone/>
-            </a:pPr>
-            <a:r>
-              <a:rPr lang="en-IN" sz="2600"/>
-              <a:t>What will be its contents?</a:t>
-            </a:r>
-          </a:p>
-          <a:p>
-            <a:pPr lvl="1"/>
-            <a:r>
-              <a:rPr lang="en-IN" sz="2600"/>
-              <a:t>Same as the requirements of EE 521 (Analysis of Power Systems), which are:</a:t>
-            </a:r>
-          </a:p>
-          <a:p>
-            <a:pPr lvl="2"/>
-            <a:r>
-              <a:rPr lang="en-IN"/>
-              <a:t>Power Flow (Newton Raphson Power Flow, Decoupled Power Flow, Fast Decoupled Power Flow).</a:t>
-            </a:r>
-          </a:p>
-          <a:p>
-            <a:pPr lvl="2"/>
-            <a:r>
-              <a:rPr lang="en-IN"/>
-              <a:t>Sparse Power Flow</a:t>
-            </a:r>
-          </a:p>
-          <a:p>
-            <a:pPr lvl="2"/>
-            <a:r>
-              <a:rPr lang="en-IN"/>
-              <a:t>Continuation Power Flow</a:t>
-            </a:r>
-          </a:p>
-          <a:p>
-            <a:pPr lvl="2"/>
-            <a:r>
-              <a:rPr lang="en-IN"/>
-              <a:t>State Estimation in Power Systems</a:t>
-            </a:r>
-          </a:p>
-          <a:p>
-            <a:pPr lvl="2"/>
-            <a:r>
-              <a:rPr lang="en-IN"/>
-              <a:t>Optimal Power Flow</a:t>
-            </a:r>
-          </a:p>
-          <a:p>
-            <a:pPr lvl="1"/>
-            <a:r>
-              <a:rPr lang="en-IN" sz="2600"/>
-              <a:t>Possibly also the requirements of EE 523 (Power System Stability and Control):</a:t>
-            </a:r>
-          </a:p>
-          <a:p>
-            <a:pPr lvl="2"/>
-            <a:r>
-              <a:rPr lang="en-IN" sz="2100"/>
-              <a:t>Power System Dynamic Initialization</a:t>
-            </a:r>
-          </a:p>
-          <a:p>
-            <a:pPr lvl="2"/>
-            <a:r>
-              <a:rPr lang="en-IN" sz="2100"/>
-              <a:t>Small-Signal Stability Analysis</a:t>
-            </a:r>
-          </a:p>
-          <a:p>
-            <a:pPr lvl="2"/>
-            <a:r>
-              <a:rPr lang="en-IN" sz="2100"/>
-              <a:t>Transient Stability Analysis</a:t>
-            </a:r>
-          </a:p>
-          <a:p>
-            <a:pPr lvl="1"/>
-            <a:r>
-              <a:rPr lang="en-IN"/>
-              <a:t>A IEEE Common Data Format (CDF) parser in Julia, for reading the system data.</a:t>
-            </a:r>
-          </a:p>
-          <a:p>
-            <a:pPr lvl="1"/>
-            <a:endParaRPr lang="en-IN"/>
-          </a:p>
-          <a:p>
-            <a:pPr lvl="1"/>
-            <a:endParaRPr lang="en-IN"/>
-          </a:p>
-          <a:p>
-            <a:pPr lvl="1"/>
-            <a:endParaRPr lang="en-IN"/>
-          </a:p>
-        </p:txBody>
-      </p:sp>
-    </p:spTree>
-    <p:extLst>
-      <p:ext uri="{BB962C8B-B14F-4D97-AF65-F5344CB8AC3E}">
-        <p14:creationId xmlns:p14="http://schemas.microsoft.com/office/powerpoint/2010/main" val="178580332"/>
-      </p:ext>
-    </p:extLst>
-  </p:cSld>
-  <p:clrMapOvr>
-    <a:masterClrMapping/>
-  </p:clrMapOvr>
-</p:sld>
-</file>
-
-<file path=ppt/slides/slide16.xml><?xml version="1.0" encoding="utf-8"?>
-<p:sld xmlns:a="http://schemas.openxmlformats.org/drawingml/2006/main" xmlns:r="http://schemas.openxmlformats.org/officeDocument/2006/relationships" xmlns:p="http://schemas.openxmlformats.org/presentationml/2006/main">
-  <p:cSld>
-    <p:spTree>
-      <p:nvGrpSpPr>
-        <p:cNvPr id="1" name=""/>
-        <p:cNvGrpSpPr/>
-        <p:nvPr/>
-      </p:nvGrpSpPr>
-      <p:grpSpPr>
-        <a:xfrm>
-          <a:off x="0" y="0"/>
-          <a:ext cx="0" cy="0"/>
-          <a:chOff x="0" y="0"/>
-          <a:chExt cx="0" cy="0"/>
-        </a:xfrm>
-      </p:grpSpPr>
-      <p:sp>
-        <p:nvSpPr>
-          <p:cNvPr id="2" name="Title 1">
-            <a:extLst>
-              <a:ext uri="{FF2B5EF4-FFF2-40B4-BE49-F238E27FC236}">
-                <a16:creationId xmlns:a16="http://schemas.microsoft.com/office/drawing/2014/main" id="{A8A7A435-95A5-2381-42D2-9193E39FE483}"/>
-              </a:ext>
-            </a:extLst>
-          </p:cNvPr>
-          <p:cNvSpPr>
-            <a:spLocks noGrp="1"/>
-          </p:cNvSpPr>
-          <p:nvPr>
-            <p:ph type="title"/>
-          </p:nvPr>
-        </p:nvSpPr>
-        <p:spPr/>
-        <p:txBody>
-          <a:bodyPr>
-            <a:normAutofit fontScale="90000"/>
-          </a:bodyPr>
-          <a:lstStyle/>
-          <a:p>
-            <a:r>
-              <a:rPr lang="en-IN"/>
-              <a:t>Objective: Deploy a </a:t>
-            </a:r>
-            <a:r>
-              <a:rPr lang="en-IN">
-                <a:solidFill>
-                  <a:srgbClr val="7030A0"/>
-                </a:solidFill>
-              </a:rPr>
-              <a:t>Julia</a:t>
-            </a:r>
-            <a:r>
-              <a:rPr lang="en-IN"/>
-              <a:t> package for Power System Analysis</a:t>
-            </a:r>
-            <a:br>
-              <a:rPr lang="en-IN"/>
-            </a:br>
-            <a:r>
-              <a:rPr lang="en-IN" sz="2200"/>
-              <a:t>and possibly Power System Stability and Control too</a:t>
-            </a:r>
-            <a:r>
-              <a:rPr lang="en-IN"/>
-              <a:t>.</a:t>
-            </a:r>
-          </a:p>
-        </p:txBody>
-      </p:sp>
-      <p:sp>
-        <p:nvSpPr>
-          <p:cNvPr id="3" name="Content Placeholder 2">
-            <a:extLst>
-              <a:ext uri="{FF2B5EF4-FFF2-40B4-BE49-F238E27FC236}">
-                <a16:creationId xmlns:a16="http://schemas.microsoft.com/office/drawing/2014/main" id="{C0E4BDB6-1746-85CD-0FAA-2319229CCEB3}"/>
-              </a:ext>
-            </a:extLst>
-          </p:cNvPr>
-          <p:cNvSpPr>
-            <a:spLocks noGrp="1"/>
-          </p:cNvSpPr>
-          <p:nvPr>
-            <p:ph idx="1"/>
-          </p:nvPr>
-        </p:nvSpPr>
-        <p:spPr>
-          <a:xfrm>
-            <a:off x="701723" y="1982575"/>
-            <a:ext cx="10515600" cy="4351338"/>
-          </a:xfrm>
-        </p:spPr>
-        <p:txBody>
-          <a:bodyPr>
-            <a:normAutofit/>
-          </a:bodyPr>
-          <a:lstStyle/>
-          <a:p>
-            <a:pPr marL="457200" lvl="1" indent="0">
-              <a:buNone/>
-            </a:pPr>
-            <a:r>
-              <a:rPr lang="en-IN"/>
-              <a:t>Why deploy this package?</a:t>
-            </a:r>
-          </a:p>
-          <a:p>
-            <a:pPr lvl="1"/>
-            <a:r>
-              <a:rPr lang="en-IN"/>
-              <a:t>Two of us have to finish working on EE 521 projects anyway.</a:t>
-            </a:r>
-          </a:p>
-          <a:p>
-            <a:pPr lvl="1"/>
-            <a:r>
-              <a:rPr lang="en-IN"/>
-              <a:t>Working on a large project like this is the best way to truly gain expertise in a new language, here </a:t>
-            </a:r>
-            <a:r>
-              <a:rPr lang="en-IN">
-                <a:solidFill>
-                  <a:srgbClr val="7030A0"/>
-                </a:solidFill>
-              </a:rPr>
-              <a:t>Julia</a:t>
-            </a:r>
-            <a:r>
-              <a:rPr lang="en-IN"/>
-              <a:t>.</a:t>
-            </a:r>
-          </a:p>
-          <a:p>
-            <a:pPr lvl="1"/>
-            <a:r>
-              <a:rPr lang="en-IN"/>
-              <a:t>We realized that codes written by the students, and codes available to the faculties are kind of outdated, generally with little to no scope of scalability, and therefore no scope of deployment.</a:t>
-            </a:r>
-          </a:p>
-          <a:p>
-            <a:pPr lvl="1"/>
-            <a:endParaRPr lang="en-IN"/>
-          </a:p>
-          <a:p>
-            <a:pPr lvl="1"/>
-            <a:endParaRPr lang="en-IN"/>
-          </a:p>
-          <a:p>
-            <a:pPr lvl="1"/>
-            <a:endParaRPr lang="en-IN"/>
-          </a:p>
-          <a:p>
-            <a:pPr lvl="1"/>
-            <a:endParaRPr lang="en-IN"/>
-          </a:p>
-          <a:p>
-            <a:pPr lvl="1"/>
-            <a:endParaRPr lang="en-IN"/>
-          </a:p>
-        </p:txBody>
-      </p:sp>
-    </p:spTree>
-    <p:extLst>
-      <p:ext uri="{BB962C8B-B14F-4D97-AF65-F5344CB8AC3E}">
-        <p14:creationId xmlns:p14="http://schemas.microsoft.com/office/powerpoint/2010/main" val="713914853"/>
       </p:ext>
     </p:extLst>
   </p:cSld>
@@ -9850,6 +10336,390 @@
           <p:cNvPr id="2" name="Title 1">
             <a:extLst>
               <a:ext uri="{FF2B5EF4-FFF2-40B4-BE49-F238E27FC236}">
+                <a16:creationId xmlns:a16="http://schemas.microsoft.com/office/drawing/2014/main" id="{A8A7A435-95A5-2381-42D2-9193E39FE483}"/>
+              </a:ext>
+            </a:extLst>
+          </p:cNvPr>
+          <p:cNvSpPr>
+            <a:spLocks noGrp="1"/>
+          </p:cNvSpPr>
+          <p:nvPr>
+            <p:ph type="title"/>
+          </p:nvPr>
+        </p:nvSpPr>
+        <p:spPr/>
+        <p:txBody>
+          <a:bodyPr>
+            <a:normAutofit fontScale="90000"/>
+          </a:bodyPr>
+          <a:lstStyle/>
+          <a:p>
+            <a:r>
+              <a:rPr lang="en-IN"/>
+              <a:t>Objective: Deploy a </a:t>
+            </a:r>
+            <a:r>
+              <a:rPr lang="en-IN">
+                <a:solidFill>
+                  <a:srgbClr val="7030A0"/>
+                </a:solidFill>
+              </a:rPr>
+              <a:t>Julia</a:t>
+            </a:r>
+            <a:r>
+              <a:rPr lang="en-IN"/>
+              <a:t> package for Power System Analysis</a:t>
+            </a:r>
+            <a:br>
+              <a:rPr lang="en-IN"/>
+            </a:br>
+            <a:r>
+              <a:rPr lang="en-IN" sz="2200"/>
+              <a:t>and possibly Power System Stability and Control too</a:t>
+            </a:r>
+            <a:r>
+              <a:rPr lang="en-IN"/>
+              <a:t>.</a:t>
+            </a:r>
+          </a:p>
+        </p:txBody>
+      </p:sp>
+      <p:sp>
+        <p:nvSpPr>
+          <p:cNvPr id="3" name="Content Placeholder 2">
+            <a:extLst>
+              <a:ext uri="{FF2B5EF4-FFF2-40B4-BE49-F238E27FC236}">
+                <a16:creationId xmlns:a16="http://schemas.microsoft.com/office/drawing/2014/main" id="{C0E4BDB6-1746-85CD-0FAA-2319229CCEB3}"/>
+              </a:ext>
+            </a:extLst>
+          </p:cNvPr>
+          <p:cNvSpPr>
+            <a:spLocks noGrp="1"/>
+          </p:cNvSpPr>
+          <p:nvPr>
+            <p:ph idx="1"/>
+          </p:nvPr>
+        </p:nvSpPr>
+        <p:spPr>
+          <a:xfrm>
+            <a:off x="701723" y="1982575"/>
+            <a:ext cx="10515600" cy="4351338"/>
+          </a:xfrm>
+        </p:spPr>
+        <p:txBody>
+          <a:bodyPr>
+            <a:normAutofit fontScale="92500" lnSpcReduction="10000"/>
+          </a:bodyPr>
+          <a:lstStyle/>
+          <a:p>
+            <a:pPr marL="457200" lvl="1" indent="0">
+              <a:buNone/>
+            </a:pPr>
+            <a:r>
+              <a:rPr lang="en-IN" sz="2600"/>
+              <a:t>What will be its contents?</a:t>
+            </a:r>
+          </a:p>
+          <a:p>
+            <a:pPr lvl="1"/>
+            <a:r>
+              <a:rPr lang="en-IN" sz="2600"/>
+              <a:t>Same as the requirements of EE 521 (Analysis of Power Systems), which are:</a:t>
+            </a:r>
+          </a:p>
+          <a:p>
+            <a:pPr lvl="2"/>
+            <a:r>
+              <a:rPr lang="en-IN"/>
+              <a:t>Power Flow (Newton Raphson Power Flow, Decoupled Power Flow, Fast Decoupled Power Flow).</a:t>
+            </a:r>
+          </a:p>
+          <a:p>
+            <a:pPr lvl="2"/>
+            <a:r>
+              <a:rPr lang="en-IN"/>
+              <a:t>Sparse Power Flow</a:t>
+            </a:r>
+          </a:p>
+          <a:p>
+            <a:pPr lvl="2"/>
+            <a:r>
+              <a:rPr lang="en-IN"/>
+              <a:t>Continuation Power Flow</a:t>
+            </a:r>
+          </a:p>
+          <a:p>
+            <a:pPr lvl="2"/>
+            <a:r>
+              <a:rPr lang="en-IN"/>
+              <a:t>State Estimation in Power Systems</a:t>
+            </a:r>
+          </a:p>
+          <a:p>
+            <a:pPr lvl="2"/>
+            <a:r>
+              <a:rPr lang="en-IN"/>
+              <a:t>Optimal Power Flow</a:t>
+            </a:r>
+          </a:p>
+          <a:p>
+            <a:pPr lvl="1"/>
+            <a:r>
+              <a:rPr lang="en-IN" sz="2600"/>
+              <a:t>Possibly also the requirements of EE 523 (Power System Stability and Control):</a:t>
+            </a:r>
+          </a:p>
+          <a:p>
+            <a:pPr lvl="2"/>
+            <a:r>
+              <a:rPr lang="en-IN" sz="2100"/>
+              <a:t>Power System Dynamic Initialization</a:t>
+            </a:r>
+          </a:p>
+          <a:p>
+            <a:pPr lvl="2"/>
+            <a:r>
+              <a:rPr lang="en-IN" sz="2100"/>
+              <a:t>Small-Signal Stability Analysis</a:t>
+            </a:r>
+          </a:p>
+          <a:p>
+            <a:pPr lvl="2"/>
+            <a:r>
+              <a:rPr lang="en-IN" sz="2100"/>
+              <a:t>Transient Stability Analysis</a:t>
+            </a:r>
+          </a:p>
+          <a:p>
+            <a:pPr lvl="1"/>
+            <a:r>
+              <a:rPr lang="en-IN"/>
+              <a:t>A IEEE Common Data Format (CDF) parser in Julia, for reading the system data.</a:t>
+            </a:r>
+          </a:p>
+          <a:p>
+            <a:pPr lvl="1"/>
+            <a:endParaRPr lang="en-IN"/>
+          </a:p>
+          <a:p>
+            <a:pPr lvl="1"/>
+            <a:endParaRPr lang="en-IN"/>
+          </a:p>
+          <a:p>
+            <a:pPr lvl="1"/>
+            <a:endParaRPr lang="en-IN"/>
+          </a:p>
+        </p:txBody>
+      </p:sp>
+    </p:spTree>
+    <p:extLst>
+      <p:ext uri="{BB962C8B-B14F-4D97-AF65-F5344CB8AC3E}">
+        <p14:creationId xmlns:p14="http://schemas.microsoft.com/office/powerpoint/2010/main" val="178580332"/>
+      </p:ext>
+    </p:extLst>
+  </p:cSld>
+  <p:clrMapOvr>
+    <a:masterClrMapping/>
+  </p:clrMapOvr>
+</p:sld>
+</file>
+
+<file path=ppt/slides/slide18.xml><?xml version="1.0" encoding="utf-8"?>
+<p:sld xmlns:a="http://schemas.openxmlformats.org/drawingml/2006/main" xmlns:r="http://schemas.openxmlformats.org/officeDocument/2006/relationships" xmlns:p="http://schemas.openxmlformats.org/presentationml/2006/main">
+  <p:cSld>
+    <p:spTree>
+      <p:nvGrpSpPr>
+        <p:cNvPr id="1" name=""/>
+        <p:cNvGrpSpPr/>
+        <p:nvPr/>
+      </p:nvGrpSpPr>
+      <p:grpSpPr>
+        <a:xfrm>
+          <a:off x="0" y="0"/>
+          <a:ext cx="0" cy="0"/>
+          <a:chOff x="0" y="0"/>
+          <a:chExt cx="0" cy="0"/>
+        </a:xfrm>
+      </p:grpSpPr>
+      <p:sp>
+        <p:nvSpPr>
+          <p:cNvPr id="2" name="Title 1">
+            <a:extLst>
+              <a:ext uri="{FF2B5EF4-FFF2-40B4-BE49-F238E27FC236}">
+                <a16:creationId xmlns:a16="http://schemas.microsoft.com/office/drawing/2014/main" id="{A8A7A435-95A5-2381-42D2-9193E39FE483}"/>
+              </a:ext>
+            </a:extLst>
+          </p:cNvPr>
+          <p:cNvSpPr>
+            <a:spLocks noGrp="1"/>
+          </p:cNvSpPr>
+          <p:nvPr>
+            <p:ph type="title"/>
+          </p:nvPr>
+        </p:nvSpPr>
+        <p:spPr/>
+        <p:txBody>
+          <a:bodyPr>
+            <a:normAutofit fontScale="90000"/>
+          </a:bodyPr>
+          <a:lstStyle/>
+          <a:p>
+            <a:r>
+              <a:rPr lang="en-IN"/>
+              <a:t>Objective: Deploy a </a:t>
+            </a:r>
+            <a:r>
+              <a:rPr lang="en-IN">
+                <a:solidFill>
+                  <a:srgbClr val="7030A0"/>
+                </a:solidFill>
+              </a:rPr>
+              <a:t>Julia</a:t>
+            </a:r>
+            <a:r>
+              <a:rPr lang="en-IN"/>
+              <a:t> package for Power System Analysis</a:t>
+            </a:r>
+            <a:br>
+              <a:rPr lang="en-IN"/>
+            </a:br>
+            <a:r>
+              <a:rPr lang="en-IN" sz="2200"/>
+              <a:t>and possibly Power System Stability and Control too</a:t>
+            </a:r>
+            <a:r>
+              <a:rPr lang="en-IN"/>
+              <a:t>.</a:t>
+            </a:r>
+          </a:p>
+        </p:txBody>
+      </p:sp>
+      <p:sp>
+        <p:nvSpPr>
+          <p:cNvPr id="3" name="Content Placeholder 2">
+            <a:extLst>
+              <a:ext uri="{FF2B5EF4-FFF2-40B4-BE49-F238E27FC236}">
+                <a16:creationId xmlns:a16="http://schemas.microsoft.com/office/drawing/2014/main" id="{C0E4BDB6-1746-85CD-0FAA-2319229CCEB3}"/>
+              </a:ext>
+            </a:extLst>
+          </p:cNvPr>
+          <p:cNvSpPr>
+            <a:spLocks noGrp="1"/>
+          </p:cNvSpPr>
+          <p:nvPr>
+            <p:ph idx="1"/>
+          </p:nvPr>
+        </p:nvSpPr>
+        <p:spPr>
+          <a:xfrm>
+            <a:off x="701723" y="1982575"/>
+            <a:ext cx="10515600" cy="4351338"/>
+          </a:xfrm>
+        </p:spPr>
+        <p:txBody>
+          <a:bodyPr>
+            <a:normAutofit/>
+          </a:bodyPr>
+          <a:lstStyle/>
+          <a:p>
+            <a:pPr marL="457200" lvl="1" indent="0">
+              <a:buNone/>
+            </a:pPr>
+            <a:r>
+              <a:rPr lang="en-IN"/>
+              <a:t>Why deploy this package?</a:t>
+            </a:r>
+          </a:p>
+          <a:p>
+            <a:pPr lvl="1"/>
+            <a:r>
+              <a:rPr lang="en-IN"/>
+              <a:t>Two of us have to finish working on EE 521 projects anyway.</a:t>
+            </a:r>
+          </a:p>
+          <a:p>
+            <a:pPr lvl="1"/>
+            <a:r>
+              <a:rPr lang="en-IN"/>
+              <a:t>Working on a large project like this is the best way to truly gain expertise in a new language, here </a:t>
+            </a:r>
+            <a:r>
+              <a:rPr lang="en-IN">
+                <a:solidFill>
+                  <a:srgbClr val="7030A0"/>
+                </a:solidFill>
+              </a:rPr>
+              <a:t>Julia</a:t>
+            </a:r>
+            <a:r>
+              <a:rPr lang="en-IN"/>
+              <a:t>.</a:t>
+            </a:r>
+          </a:p>
+          <a:p>
+            <a:pPr lvl="1"/>
+            <a:r>
+              <a:rPr lang="en-IN"/>
+              <a:t>We realized that codes written by the students, and codes available to the faculties are kind of outdated, generally with little to no scope of scalability, and therefore no scope of deployment.</a:t>
+            </a:r>
+          </a:p>
+          <a:p>
+            <a:pPr lvl="1"/>
+            <a:endParaRPr lang="en-IN"/>
+          </a:p>
+          <a:p>
+            <a:pPr lvl="1"/>
+            <a:endParaRPr lang="en-IN"/>
+          </a:p>
+          <a:p>
+            <a:pPr lvl="1"/>
+            <a:endParaRPr lang="en-IN"/>
+          </a:p>
+          <a:p>
+            <a:pPr lvl="1"/>
+            <a:endParaRPr lang="en-IN"/>
+          </a:p>
+          <a:p>
+            <a:pPr lvl="1"/>
+            <a:endParaRPr lang="en-IN"/>
+          </a:p>
+        </p:txBody>
+      </p:sp>
+    </p:spTree>
+    <p:extLst>
+      <p:ext uri="{BB962C8B-B14F-4D97-AF65-F5344CB8AC3E}">
+        <p14:creationId xmlns:p14="http://schemas.microsoft.com/office/powerpoint/2010/main" val="713914853"/>
+      </p:ext>
+    </p:extLst>
+  </p:cSld>
+  <p:clrMapOvr>
+    <a:masterClrMapping/>
+  </p:clrMapOvr>
+</p:sld>
+</file>
+
+<file path=ppt/slides/slide19.xml><?xml version="1.0" encoding="utf-8"?>
+<p:sld xmlns:a="http://schemas.openxmlformats.org/drawingml/2006/main" xmlns:r="http://schemas.openxmlformats.org/officeDocument/2006/relationships" xmlns:p="http://schemas.openxmlformats.org/presentationml/2006/main">
+  <p:cSld>
+    <p:spTree>
+      <p:nvGrpSpPr>
+        <p:cNvPr id="1" name=""/>
+        <p:cNvGrpSpPr/>
+        <p:nvPr/>
+      </p:nvGrpSpPr>
+      <p:grpSpPr>
+        <a:xfrm>
+          <a:off x="0" y="0"/>
+          <a:ext cx="0" cy="0"/>
+          <a:chOff x="0" y="0"/>
+          <a:chExt cx="0" cy="0"/>
+        </a:xfrm>
+      </p:grpSpPr>
+      <p:sp>
+        <p:nvSpPr>
+          <p:cNvPr id="2" name="Title 1">
+            <a:extLst>
+              <a:ext uri="{FF2B5EF4-FFF2-40B4-BE49-F238E27FC236}">
                 <a16:creationId xmlns:a16="http://schemas.microsoft.com/office/drawing/2014/main" id="{E6E8A2C5-019D-C761-3AF4-9CD277A2946B}"/>
               </a:ext>
             </a:extLst>
@@ -9967,7 +10837,551 @@
 </p:sld>
 </file>
 
-<file path=ppt/slides/slide18.xml><?xml version="1.0" encoding="utf-8"?>
+<file path=ppt/slides/slide2.xml><?xml version="1.0" encoding="utf-8"?>
+<p:sld xmlns:a="http://schemas.openxmlformats.org/drawingml/2006/main" xmlns:r="http://schemas.openxmlformats.org/officeDocument/2006/relationships" xmlns:p="http://schemas.openxmlformats.org/presentationml/2006/main">
+  <p:cSld>
+    <p:bg>
+      <p:bgPr>
+        <a:solidFill>
+          <a:schemeClr val="bg1"/>
+        </a:solidFill>
+        <a:effectLst/>
+      </p:bgPr>
+    </p:bg>
+    <p:spTree>
+      <p:nvGrpSpPr>
+        <p:cNvPr id="1" name=""/>
+        <p:cNvGrpSpPr/>
+        <p:nvPr/>
+      </p:nvGrpSpPr>
+      <p:grpSpPr>
+        <a:xfrm>
+          <a:off x="0" y="0"/>
+          <a:ext cx="0" cy="0"/>
+          <a:chOff x="0" y="0"/>
+          <a:chExt cx="0" cy="0"/>
+        </a:xfrm>
+      </p:grpSpPr>
+      <p:sp useBgFill="1">
+        <p:nvSpPr>
+          <p:cNvPr id="15" name="Rectangle 9">
+            <a:extLst>
+              <a:ext uri="{FF2B5EF4-FFF2-40B4-BE49-F238E27FC236}">
+                <a16:creationId xmlns:a16="http://schemas.microsoft.com/office/drawing/2014/main" id="{201CC55D-ED54-4C5C-95E6-10947BD1103B}"/>
+              </a:ext>
+              <a:ext uri="{C183D7F6-B498-43B3-948B-1728B52AA6E4}">
+                <adec:decorative xmlns:adec="http://schemas.microsoft.com/office/drawing/2017/decorative" val="1"/>
+              </a:ext>
+            </a:extLst>
+          </p:cNvPr>
+          <p:cNvSpPr>
+            <a:spLocks noGrp="1" noRot="1" noChangeAspect="1" noMove="1" noResize="1" noEditPoints="1" noAdjustHandles="1" noChangeArrowheads="1" noChangeShapeType="1" noTextEdit="1"/>
+          </p:cNvSpPr>
+          <p:nvPr>
+            <p:extLst>
+              <p:ext uri="{386F3935-93C4-4BCD-93E2-E3B085C9AB24}">
+                <p16:designElem xmlns:p16="http://schemas.microsoft.com/office/powerpoint/2015/main" val="1"/>
+              </p:ext>
+            </p:extLst>
+          </p:nvPr>
+        </p:nvSpPr>
+        <p:spPr>
+          <a:xfrm>
+            <a:off x="0" y="0"/>
+            <a:ext cx="12191999" cy="6857365"/>
+          </a:xfrm>
+          <a:prstGeom prst="rect">
+            <a:avLst/>
+          </a:prstGeom>
+          <a:ln>
+            <a:noFill/>
+          </a:ln>
+        </p:spPr>
+        <p:style>
+          <a:lnRef idx="2">
+            <a:schemeClr val="accent1">
+              <a:shade val="50000"/>
+            </a:schemeClr>
+          </a:lnRef>
+          <a:fillRef idx="1">
+            <a:schemeClr val="accent1"/>
+          </a:fillRef>
+          <a:effectRef idx="0">
+            <a:schemeClr val="accent1"/>
+          </a:effectRef>
+          <a:fontRef idx="minor">
+            <a:schemeClr val="lt1"/>
+          </a:fontRef>
+        </p:style>
+        <p:txBody>
+          <a:bodyPr rtlCol="0" anchor="ctr"/>
+          <a:lstStyle/>
+          <a:p>
+            <a:pPr algn="ctr"/>
+            <a:endParaRPr lang="en-US"/>
+          </a:p>
+        </p:txBody>
+      </p:sp>
+      <p:sp>
+        <p:nvSpPr>
+          <p:cNvPr id="2" name="Title 1">
+            <a:extLst>
+              <a:ext uri="{FF2B5EF4-FFF2-40B4-BE49-F238E27FC236}">
+                <a16:creationId xmlns:a16="http://schemas.microsoft.com/office/drawing/2014/main" id="{853B8BA2-210C-0BDB-DB69-DA6086E07FF6}"/>
+              </a:ext>
+            </a:extLst>
+          </p:cNvPr>
+          <p:cNvSpPr>
+            <a:spLocks noGrp="1"/>
+          </p:cNvSpPr>
+          <p:nvPr>
+            <p:ph type="title"/>
+          </p:nvPr>
+        </p:nvSpPr>
+        <p:spPr>
+          <a:xfrm>
+            <a:off x="589560" y="856180"/>
+            <a:ext cx="4560584" cy="1128068"/>
+          </a:xfrm>
+        </p:spPr>
+        <p:txBody>
+          <a:bodyPr anchor="ctr">
+            <a:normAutofit/>
+          </a:bodyPr>
+          <a:lstStyle/>
+          <a:p>
+            <a:endParaRPr lang="en-US" sz="4000"/>
+          </a:p>
+        </p:txBody>
+      </p:sp>
+      <p:grpSp>
+        <p:nvGrpSpPr>
+          <p:cNvPr id="17" name="Group 11">
+            <a:extLst>
+              <a:ext uri="{FF2B5EF4-FFF2-40B4-BE49-F238E27FC236}">
+                <a16:creationId xmlns:a16="http://schemas.microsoft.com/office/drawing/2014/main" id="{1DE889C7-FAD6-4397-98E2-05D503484459}"/>
+              </a:ext>
+              <a:ext uri="{C183D7F6-B498-43B3-948B-1728B52AA6E4}">
+                <adec:decorative xmlns:adec="http://schemas.microsoft.com/office/drawing/2017/decorative" val="1"/>
+              </a:ext>
+            </a:extLst>
+          </p:cNvPr>
+          <p:cNvGrpSpPr>
+            <a:grpSpLocks noGrp="1" noUngrp="1" noRot="1" noChangeAspect="1" noMove="1" noResize="1"/>
+          </p:cNvGrpSpPr>
+          <p:nvPr>
+            <p:extLst>
+              <p:ext uri="{386F3935-93C4-4BCD-93E2-E3B085C9AB24}">
+                <p16:designElem xmlns:p16="http://schemas.microsoft.com/office/powerpoint/2015/main" val="1"/>
+              </p:ext>
+            </p:extLst>
+          </p:nvPr>
+        </p:nvGrpSpPr>
+        <p:grpSpPr>
+          <a:xfrm>
+            <a:off x="0" y="1083484"/>
+            <a:ext cx="355196" cy="673460"/>
+            <a:chOff x="0" y="823811"/>
+            <a:chExt cx="355196" cy="673460"/>
+          </a:xfrm>
+        </p:grpSpPr>
+        <p:sp>
+          <p:nvSpPr>
+            <p:cNvPr id="13" name="Rectangle 12">
+              <a:extLst>
+                <a:ext uri="{FF2B5EF4-FFF2-40B4-BE49-F238E27FC236}">
+                  <a16:creationId xmlns:a16="http://schemas.microsoft.com/office/drawing/2014/main" id="{F399A70F-F8CD-4992-9EF5-6CF15472E73F}"/>
+                </a:ext>
+                <a:ext uri="{C183D7F6-B498-43B3-948B-1728B52AA6E4}">
+                  <adec:decorative xmlns:adec="http://schemas.microsoft.com/office/drawing/2017/decorative" val="1"/>
+                </a:ext>
+              </a:extLst>
+            </p:cNvPr>
+            <p:cNvSpPr/>
+            <p:nvPr>
+              <p:extLst>
+                <p:ext uri="{386F3935-93C4-4BCD-93E2-E3B085C9AB24}">
+                  <p16:designElem xmlns:p16="http://schemas.microsoft.com/office/powerpoint/2015/main" val="1"/>
+                </p:ext>
+              </p:extLst>
+            </p:nvPr>
+          </p:nvSpPr>
+          <p:spPr>
+            <a:xfrm>
+              <a:off x="0" y="823811"/>
+              <a:ext cx="87363" cy="673460"/>
+            </a:xfrm>
+            <a:prstGeom prst="rect">
+              <a:avLst/>
+            </a:prstGeom>
+            <a:solidFill>
+              <a:schemeClr val="accent4"/>
+            </a:solidFill>
+            <a:ln>
+              <a:noFill/>
+            </a:ln>
+          </p:spPr>
+          <p:style>
+            <a:lnRef idx="2">
+              <a:schemeClr val="accent1">
+                <a:shade val="50000"/>
+              </a:schemeClr>
+            </a:lnRef>
+            <a:fillRef idx="1">
+              <a:schemeClr val="accent1"/>
+            </a:fillRef>
+            <a:effectRef idx="0">
+              <a:schemeClr val="accent1"/>
+            </a:effectRef>
+            <a:fontRef idx="minor">
+              <a:schemeClr val="lt1"/>
+            </a:fontRef>
+          </p:style>
+          <p:txBody>
+            <a:bodyPr rtlCol="0" anchor="ctr"/>
+            <a:lstStyle/>
+            <a:p>
+              <a:pPr algn="ctr"/>
+              <a:endParaRPr lang="en-US"/>
+            </a:p>
+          </p:txBody>
+        </p:sp>
+        <p:sp>
+          <p:nvSpPr>
+            <p:cNvPr id="14" name="Rectangle 13">
+              <a:extLst>
+                <a:ext uri="{FF2B5EF4-FFF2-40B4-BE49-F238E27FC236}">
+                  <a16:creationId xmlns:a16="http://schemas.microsoft.com/office/drawing/2014/main" id="{48F4FEDC-6D80-458C-A665-075D9B9500FD}"/>
+                </a:ext>
+                <a:ext uri="{C183D7F6-B498-43B3-948B-1728B52AA6E4}">
+                  <adec:decorative xmlns:adec="http://schemas.microsoft.com/office/drawing/2017/decorative" val="1"/>
+                </a:ext>
+              </a:extLst>
+            </p:cNvPr>
+            <p:cNvSpPr/>
+            <p:nvPr>
+              <p:extLst>
+                <p:ext uri="{386F3935-93C4-4BCD-93E2-E3B085C9AB24}">
+                  <p16:designElem xmlns:p16="http://schemas.microsoft.com/office/powerpoint/2015/main" val="1"/>
+                </p:ext>
+              </p:extLst>
+            </p:nvPr>
+          </p:nvSpPr>
+          <p:spPr>
+            <a:xfrm>
+              <a:off x="159341" y="823811"/>
+              <a:ext cx="195855" cy="673460"/>
+            </a:xfrm>
+            <a:prstGeom prst="rect">
+              <a:avLst/>
+            </a:prstGeom>
+            <a:solidFill>
+              <a:schemeClr val="accent4"/>
+            </a:solidFill>
+            <a:ln>
+              <a:noFill/>
+            </a:ln>
+          </p:spPr>
+          <p:style>
+            <a:lnRef idx="2">
+              <a:schemeClr val="accent1">
+                <a:shade val="50000"/>
+              </a:schemeClr>
+            </a:lnRef>
+            <a:fillRef idx="1">
+              <a:schemeClr val="accent1"/>
+            </a:fillRef>
+            <a:effectRef idx="0">
+              <a:schemeClr val="accent1"/>
+            </a:effectRef>
+            <a:fontRef idx="minor">
+              <a:schemeClr val="lt1"/>
+            </a:fontRef>
+          </p:style>
+          <p:txBody>
+            <a:bodyPr rtlCol="0" anchor="ctr"/>
+            <a:lstStyle/>
+            <a:p>
+              <a:pPr algn="ctr"/>
+              <a:endParaRPr lang="en-US"/>
+            </a:p>
+          </p:txBody>
+        </p:sp>
+      </p:grpSp>
+      <p:sp>
+        <p:nvSpPr>
+          <p:cNvPr id="16" name="Rectangle 15">
+            <a:extLst>
+              <a:ext uri="{FF2B5EF4-FFF2-40B4-BE49-F238E27FC236}">
+                <a16:creationId xmlns:a16="http://schemas.microsoft.com/office/drawing/2014/main" id="{3873B707-463F-40B0-8227-E8CC6C67EB25}"/>
+              </a:ext>
+              <a:ext uri="{C183D7F6-B498-43B3-948B-1728B52AA6E4}">
+                <adec:decorative xmlns:adec="http://schemas.microsoft.com/office/drawing/2017/decorative" val="1"/>
+              </a:ext>
+            </a:extLst>
+          </p:cNvPr>
+          <p:cNvSpPr>
+            <a:spLocks noGrp="1" noRot="1" noChangeAspect="1" noMove="1" noResize="1" noEditPoints="1" noAdjustHandles="1" noChangeArrowheads="1" noChangeShapeType="1" noTextEdit="1"/>
+          </p:cNvSpPr>
+          <p:nvPr>
+            <p:extLst>
+              <p:ext uri="{386F3935-93C4-4BCD-93E2-E3B085C9AB24}">
+                <p16:designElem xmlns:p16="http://schemas.microsoft.com/office/powerpoint/2015/main" val="1"/>
+              </p:ext>
+            </p:extLst>
+          </p:nvPr>
+        </p:nvSpPr>
+        <p:spPr>
+          <a:xfrm flipH="1">
+            <a:off x="665085" y="2090569"/>
+            <a:ext cx="4297680" cy="27432"/>
+          </a:xfrm>
+          <a:prstGeom prst="rect">
+            <a:avLst/>
+          </a:prstGeom>
+          <a:solidFill>
+            <a:schemeClr val="accent4"/>
+          </a:solidFill>
+          <a:ln>
+            <a:noFill/>
+          </a:ln>
+        </p:spPr>
+        <p:style>
+          <a:lnRef idx="2">
+            <a:schemeClr val="accent1">
+              <a:shade val="50000"/>
+            </a:schemeClr>
+          </a:lnRef>
+          <a:fillRef idx="1">
+            <a:schemeClr val="accent1"/>
+          </a:fillRef>
+          <a:effectRef idx="0">
+            <a:schemeClr val="accent1"/>
+          </a:effectRef>
+          <a:fontRef idx="minor">
+            <a:schemeClr val="lt1"/>
+          </a:fontRef>
+        </p:style>
+        <p:txBody>
+          <a:bodyPr rtlCol="0" anchor="ctr"/>
+          <a:lstStyle/>
+          <a:p>
+            <a:pPr algn="ctr"/>
+            <a:endParaRPr lang="en-US"/>
+          </a:p>
+        </p:txBody>
+      </p:sp>
+      <p:sp>
+        <p:nvSpPr>
+          <p:cNvPr id="3" name="Content Placeholder 2">
+            <a:extLst>
+              <a:ext uri="{FF2B5EF4-FFF2-40B4-BE49-F238E27FC236}">
+                <a16:creationId xmlns:a16="http://schemas.microsoft.com/office/drawing/2014/main" id="{B397FFD9-1161-06BE-063A-097694B37632}"/>
+              </a:ext>
+            </a:extLst>
+          </p:cNvPr>
+          <p:cNvSpPr>
+            <a:spLocks noGrp="1"/>
+          </p:cNvSpPr>
+          <p:nvPr>
+            <p:ph idx="1"/>
+          </p:nvPr>
+        </p:nvSpPr>
+        <p:spPr>
+          <a:xfrm>
+            <a:off x="590719" y="2330505"/>
+            <a:ext cx="4559425" cy="3979585"/>
+          </a:xfrm>
+        </p:spPr>
+        <p:txBody>
+          <a:bodyPr anchor="ctr">
+            <a:normAutofit/>
+          </a:bodyPr>
+          <a:lstStyle/>
+          <a:p>
+            <a:r>
+              <a:rPr lang="en-US" sz="2000"/>
+              <a:t>Need to explain our Sparse Data Structure like this.</a:t>
+            </a:r>
+          </a:p>
+        </p:txBody>
+      </p:sp>
+      <p:sp>
+        <p:nvSpPr>
+          <p:cNvPr id="18" name="Rectangle 17">
+            <a:extLst>
+              <a:ext uri="{FF2B5EF4-FFF2-40B4-BE49-F238E27FC236}">
+                <a16:creationId xmlns:a16="http://schemas.microsoft.com/office/drawing/2014/main" id="{C13237C8-E62C-4F0D-A318-BD6FB6C2D138}"/>
+              </a:ext>
+              <a:ext uri="{C183D7F6-B498-43B3-948B-1728B52AA6E4}">
+                <adec:decorative xmlns:adec="http://schemas.microsoft.com/office/drawing/2017/decorative" val="1"/>
+              </a:ext>
+            </a:extLst>
+          </p:cNvPr>
+          <p:cNvSpPr>
+            <a:spLocks noGrp="1" noRot="1" noChangeAspect="1" noMove="1" noResize="1" noEditPoints="1" noAdjustHandles="1" noChangeArrowheads="1" noChangeShapeType="1" noTextEdit="1"/>
+          </p:cNvSpPr>
+          <p:nvPr>
+            <p:extLst>
+              <p:ext uri="{386F3935-93C4-4BCD-93E2-E3B085C9AB24}">
+                <p16:designElem xmlns:p16="http://schemas.microsoft.com/office/powerpoint/2015/main" val="1"/>
+              </p:ext>
+            </p:extLst>
+          </p:nvPr>
+        </p:nvSpPr>
+        <p:spPr>
+          <a:xfrm flipH="1">
+            <a:off x="10697670" y="0"/>
+            <a:ext cx="1494330" cy="6858000"/>
+          </a:xfrm>
+          <a:prstGeom prst="rect">
+            <a:avLst/>
+          </a:prstGeom>
+          <a:solidFill>
+            <a:schemeClr val="accent4"/>
+          </a:solidFill>
+          <a:ln>
+            <a:noFill/>
+          </a:ln>
+        </p:spPr>
+        <p:style>
+          <a:lnRef idx="2">
+            <a:schemeClr val="accent1">
+              <a:shade val="50000"/>
+            </a:schemeClr>
+          </a:lnRef>
+          <a:fillRef idx="1">
+            <a:schemeClr val="accent1"/>
+          </a:fillRef>
+          <a:effectRef idx="0">
+            <a:schemeClr val="accent1"/>
+          </a:effectRef>
+          <a:fontRef idx="minor">
+            <a:schemeClr val="lt1"/>
+          </a:fontRef>
+        </p:style>
+        <p:txBody>
+          <a:bodyPr rtlCol="0" anchor="ctr"/>
+          <a:lstStyle/>
+          <a:p>
+            <a:pPr algn="ctr"/>
+            <a:endParaRPr lang="en-US"/>
+          </a:p>
+        </p:txBody>
+      </p:sp>
+      <p:sp>
+        <p:nvSpPr>
+          <p:cNvPr id="20" name="Rectangle 19">
+            <a:extLst>
+              <a:ext uri="{FF2B5EF4-FFF2-40B4-BE49-F238E27FC236}">
+                <a16:creationId xmlns:a16="http://schemas.microsoft.com/office/drawing/2014/main" id="{19C9EAEA-39D0-4B0E-A0EB-51E7B26740B1}"/>
+              </a:ext>
+              <a:ext uri="{C183D7F6-B498-43B3-948B-1728B52AA6E4}">
+                <adec:decorative xmlns:adec="http://schemas.microsoft.com/office/drawing/2017/decorative" val="1"/>
+              </a:ext>
+            </a:extLst>
+          </p:cNvPr>
+          <p:cNvSpPr>
+            <a:spLocks noGrp="1" noRot="1" noChangeAspect="1" noMove="1" noResize="1" noEditPoints="1" noAdjustHandles="1" noChangeArrowheads="1" noChangeShapeType="1" noTextEdit="1"/>
+          </p:cNvSpPr>
+          <p:nvPr>
+            <p:extLst>
+              <p:ext uri="{386F3935-93C4-4BCD-93E2-E3B085C9AB24}">
+                <p16:designElem xmlns:p16="http://schemas.microsoft.com/office/powerpoint/2015/main" val="1"/>
+              </p:ext>
+            </p:extLst>
+          </p:nvPr>
+        </p:nvSpPr>
+        <p:spPr>
+          <a:xfrm>
+            <a:off x="5685810" y="513853"/>
+            <a:ext cx="6009366" cy="5834577"/>
+          </a:xfrm>
+          <a:prstGeom prst="rect">
+            <a:avLst/>
+          </a:prstGeom>
+          <a:solidFill>
+            <a:schemeClr val="bg1"/>
+          </a:solidFill>
+          <a:ln>
+            <a:noFill/>
+          </a:ln>
+          <a:effectLst>
+            <a:outerShdw blurRad="139700" dist="127000" dir="5400000" algn="t" rotWithShape="0">
+              <a:prstClr val="black">
+                <a:alpha val="15000"/>
+              </a:prstClr>
+            </a:outerShdw>
+          </a:effectLst>
+        </p:spPr>
+        <p:style>
+          <a:lnRef idx="2">
+            <a:schemeClr val="accent1">
+              <a:shade val="50000"/>
+            </a:schemeClr>
+          </a:lnRef>
+          <a:fillRef idx="1">
+            <a:schemeClr val="accent1"/>
+          </a:fillRef>
+          <a:effectRef idx="0">
+            <a:schemeClr val="accent1"/>
+          </a:effectRef>
+          <a:fontRef idx="minor">
+            <a:schemeClr val="lt1"/>
+          </a:fontRef>
+        </p:style>
+        <p:txBody>
+          <a:bodyPr rtlCol="0" anchor="ctr"/>
+          <a:lstStyle/>
+          <a:p>
+            <a:pPr algn="ctr"/>
+            <a:endParaRPr lang="en-US"/>
+          </a:p>
+        </p:txBody>
+      </p:sp>
+      <p:pic>
+        <p:nvPicPr>
+          <p:cNvPr id="5" name="Picture 4">
+            <a:extLst>
+              <a:ext uri="{FF2B5EF4-FFF2-40B4-BE49-F238E27FC236}">
+                <a16:creationId xmlns:a16="http://schemas.microsoft.com/office/drawing/2014/main" id="{7B83205B-F9EE-823E-8A46-869135FCC9CC}"/>
+              </a:ext>
+            </a:extLst>
+          </p:cNvPr>
+          <p:cNvPicPr>
+            <a:picLocks noChangeAspect="1"/>
+          </p:cNvPicPr>
+          <p:nvPr/>
+        </p:nvPicPr>
+        <p:blipFill rotWithShape="1">
+          <a:blip r:embed="rId2"/>
+          <a:srcRect l="2538" r="10811" b="2"/>
+          <a:stretch/>
+        </p:blipFill>
+        <p:spPr>
+          <a:xfrm>
+            <a:off x="5873189" y="799034"/>
+            <a:ext cx="5425410" cy="5259296"/>
+          </a:xfrm>
+          <a:prstGeom prst="rect">
+            <a:avLst/>
+          </a:prstGeom>
+        </p:spPr>
+      </p:pic>
+    </p:spTree>
+    <p:extLst>
+      <p:ext uri="{BB962C8B-B14F-4D97-AF65-F5344CB8AC3E}">
+        <p14:creationId xmlns:p14="http://schemas.microsoft.com/office/powerpoint/2010/main" val="2942291822"/>
+      </p:ext>
+    </p:extLst>
+  </p:cSld>
+  <p:clrMapOvr>
+    <a:masterClrMapping/>
+  </p:clrMapOvr>
+</p:sld>
+</file>
+
+<file path=ppt/slides/slide20.xml><?xml version="1.0" encoding="utf-8"?>
 <p:sld xmlns:a="http://schemas.openxmlformats.org/drawingml/2006/main" xmlns:r="http://schemas.openxmlformats.org/officeDocument/2006/relationships" xmlns:p="http://schemas.openxmlformats.org/presentationml/2006/main">
   <p:cSld>
     <p:bg>
@@ -10554,7 +11968,7 @@
 </p:sld>
 </file>
 
-<file path=ppt/slides/slide19.xml><?xml version="1.0" encoding="utf-8"?>
+<file path=ppt/slides/slide21.xml><?xml version="1.0" encoding="utf-8"?>
 <p:sld xmlns:a="http://schemas.openxmlformats.org/drawingml/2006/main" xmlns:r="http://schemas.openxmlformats.org/officeDocument/2006/relationships" xmlns:p="http://schemas.openxmlformats.org/presentationml/2006/main">
   <p:cSld>
     <p:spTree>
@@ -10748,198 +12162,7 @@
 </p:sld>
 </file>
 
-<file path=ppt/slides/slide2.xml><?xml version="1.0" encoding="utf-8"?>
-<p:sld xmlns:a="http://schemas.openxmlformats.org/drawingml/2006/main" xmlns:r="http://schemas.openxmlformats.org/officeDocument/2006/relationships" xmlns:p="http://schemas.openxmlformats.org/presentationml/2006/main">
-  <p:cSld>
-    <p:spTree>
-      <p:nvGrpSpPr>
-        <p:cNvPr id="1" name=""/>
-        <p:cNvGrpSpPr/>
-        <p:nvPr/>
-      </p:nvGrpSpPr>
-      <p:grpSpPr>
-        <a:xfrm>
-          <a:off x="0" y="0"/>
-          <a:ext cx="0" cy="0"/>
-          <a:chOff x="0" y="0"/>
-          <a:chExt cx="0" cy="0"/>
-        </a:xfrm>
-      </p:grpSpPr>
-      <p:sp>
-        <p:nvSpPr>
-          <p:cNvPr id="2" name="Title 1">
-            <a:extLst>
-              <a:ext uri="{FF2B5EF4-FFF2-40B4-BE49-F238E27FC236}">
-                <a16:creationId xmlns:a16="http://schemas.microsoft.com/office/drawing/2014/main" id="{03311F91-1A05-0B95-42C2-FF7AE99A6B3B}"/>
-              </a:ext>
-            </a:extLst>
-          </p:cNvPr>
-          <p:cNvSpPr>
-            <a:spLocks noGrp="1"/>
-          </p:cNvSpPr>
-          <p:nvPr>
-            <p:ph type="title"/>
-          </p:nvPr>
-        </p:nvSpPr>
-        <p:spPr/>
-        <p:txBody>
-          <a:bodyPr/>
-          <a:lstStyle/>
-          <a:p>
-            <a:r>
-              <a:rPr lang="en-US">
-                <a:latin typeface="Palatino Linotype" panose="02040502050505030304" pitchFamily="18" charset="0"/>
-              </a:rPr>
-              <a:t>Presenting </a:t>
-            </a:r>
-            <a:r>
-              <a:rPr lang="en-US" err="1">
-                <a:solidFill>
-                  <a:srgbClr val="9558B2"/>
-                </a:solidFill>
-                <a:latin typeface="Palatino Linotype" panose="02040502050505030304" pitchFamily="18" charset="0"/>
-              </a:rPr>
-              <a:t>PowerEdu.jl</a:t>
-            </a:r>
-            <a:r>
-              <a:rPr lang="en-US">
-                <a:solidFill>
-                  <a:srgbClr val="9558B2"/>
-                </a:solidFill>
-                <a:latin typeface="Palatino Linotype" panose="02040502050505030304" pitchFamily="18" charset="0"/>
-              </a:rPr>
-              <a:t> </a:t>
-            </a:r>
-            <a:r>
-              <a:rPr lang="en-US">
-                <a:latin typeface="Palatino Linotype" panose="02040502050505030304" pitchFamily="18" charset="0"/>
-              </a:rPr>
-              <a:t>in a paper</a:t>
-            </a:r>
-          </a:p>
-        </p:txBody>
-      </p:sp>
-      <p:sp>
-        <p:nvSpPr>
-          <p:cNvPr id="3" name="Content Placeholder 2">
-            <a:extLst>
-              <a:ext uri="{FF2B5EF4-FFF2-40B4-BE49-F238E27FC236}">
-                <a16:creationId xmlns:a16="http://schemas.microsoft.com/office/drawing/2014/main" id="{3867C106-46B0-FE1A-BABF-5078A19ABE82}"/>
-              </a:ext>
-            </a:extLst>
-          </p:cNvPr>
-          <p:cNvSpPr>
-            <a:spLocks noGrp="1"/>
-          </p:cNvSpPr>
-          <p:nvPr>
-            <p:ph idx="1"/>
-          </p:nvPr>
-        </p:nvSpPr>
-        <p:spPr/>
-        <p:txBody>
-          <a:bodyPr>
-            <a:normAutofit/>
-          </a:bodyPr>
-          <a:lstStyle/>
-          <a:p>
-            <a:r>
-              <a:rPr lang="en-US">
-                <a:latin typeface="Georgia" panose="02040502050405020303" pitchFamily="18" charset="0"/>
-                <a:cs typeface="Helvetica" panose="020B0604020202020204" pitchFamily="34" charset="0"/>
-              </a:rPr>
-              <a:t>We’re doing </a:t>
-            </a:r>
-            <a:r>
-              <a:rPr lang="en-US" b="1">
-                <a:latin typeface="Georgia" panose="02040502050405020303" pitchFamily="18" charset="0"/>
-                <a:cs typeface="Helvetica" panose="020B0604020202020204" pitchFamily="34" charset="0"/>
-              </a:rPr>
-              <a:t>useful</a:t>
-            </a:r>
-            <a:r>
-              <a:rPr lang="en-US">
-                <a:latin typeface="Georgia" panose="02040502050405020303" pitchFamily="18" charset="0"/>
-                <a:cs typeface="Helvetica" panose="020B0604020202020204" pitchFamily="34" charset="0"/>
-              </a:rPr>
-              <a:t>, </a:t>
-            </a:r>
-            <a:r>
-              <a:rPr lang="en-US" b="1">
-                <a:latin typeface="Georgia" panose="02040502050405020303" pitchFamily="18" charset="0"/>
-                <a:cs typeface="Helvetica" panose="020B0604020202020204" pitchFamily="34" charset="0"/>
-              </a:rPr>
-              <a:t>innovative</a:t>
-            </a:r>
-            <a:r>
-              <a:rPr lang="en-US">
-                <a:latin typeface="Georgia" panose="02040502050405020303" pitchFamily="18" charset="0"/>
-                <a:cs typeface="Helvetica" panose="020B0604020202020204" pitchFamily="34" charset="0"/>
-              </a:rPr>
-              <a:t> work.</a:t>
-            </a:r>
-          </a:p>
-          <a:p>
-            <a:r>
-              <a:rPr lang="en-US">
-                <a:latin typeface="Georgia" panose="02040502050405020303" pitchFamily="18" charset="0"/>
-                <a:cs typeface="Helvetica" panose="020B0604020202020204" pitchFamily="34" charset="0"/>
-              </a:rPr>
-              <a:t>Need to convince the reviewers that our work is </a:t>
-            </a:r>
-            <a:r>
-              <a:rPr lang="en-US" b="1">
-                <a:latin typeface="Georgia" panose="02040502050405020303" pitchFamily="18" charset="0"/>
-                <a:cs typeface="Helvetica" panose="020B0604020202020204" pitchFamily="34" charset="0"/>
-              </a:rPr>
-              <a:t>useful</a:t>
-            </a:r>
-            <a:r>
-              <a:rPr lang="en-US">
-                <a:latin typeface="Georgia" panose="02040502050405020303" pitchFamily="18" charset="0"/>
-                <a:cs typeface="Helvetica" panose="020B0604020202020204" pitchFamily="34" charset="0"/>
-              </a:rPr>
-              <a:t> and </a:t>
-            </a:r>
-            <a:r>
-              <a:rPr lang="en-US" b="1">
-                <a:latin typeface="Georgia" panose="02040502050405020303" pitchFamily="18" charset="0"/>
-                <a:cs typeface="Helvetica" panose="020B0604020202020204" pitchFamily="34" charset="0"/>
-              </a:rPr>
-              <a:t>innovative</a:t>
-            </a:r>
-            <a:r>
-              <a:rPr lang="en-US">
-                <a:latin typeface="Georgia" panose="02040502050405020303" pitchFamily="18" charset="0"/>
-                <a:cs typeface="Helvetica" panose="020B0604020202020204" pitchFamily="34" charset="0"/>
-              </a:rPr>
-              <a:t>.</a:t>
-            </a:r>
-          </a:p>
-          <a:p>
-            <a:r>
-              <a:rPr lang="en-US">
-                <a:latin typeface="Georgia" panose="02040502050405020303" pitchFamily="18" charset="0"/>
-                <a:cs typeface="Helvetica" panose="020B0604020202020204" pitchFamily="34" charset="0"/>
-              </a:rPr>
-              <a:t>Need to read up on papers presenting packages in Power Systems.</a:t>
-            </a:r>
-          </a:p>
-        </p:txBody>
-      </p:sp>
-    </p:spTree>
-    <p:extLst>
-      <p:ext uri="{BB962C8B-B14F-4D97-AF65-F5344CB8AC3E}">
-        <p14:creationId xmlns:p14="http://schemas.microsoft.com/office/powerpoint/2010/main" val="1007295034"/>
-      </p:ext>
-    </p:extLst>
-  </p:cSld>
-  <p:clrMapOvr>
-    <a:masterClrMapping/>
-  </p:clrMapOvr>
-</p:sld>
-</file>
-
-<file path=ppt/slides/slide20.xml><?xml version="1.0" encoding="utf-8"?>
+<file path=ppt/slides/slide22.xml><?xml version="1.0" encoding="utf-8"?>
 <p:sld xmlns:a="http://schemas.openxmlformats.org/drawingml/2006/main" xmlns:r="http://schemas.openxmlformats.org/officeDocument/2006/relationships" xmlns:p="http://schemas.openxmlformats.org/presentationml/2006/main">
   <p:cSld>
     <p:spTree>
@@ -11096,7 +12319,7 @@
 </p:sld>
 </file>
 
-<file path=ppt/slides/slide21.xml><?xml version="1.0" encoding="utf-8"?>
+<file path=ppt/slides/slide23.xml><?xml version="1.0" encoding="utf-8"?>
 <p:sld xmlns:a="http://schemas.openxmlformats.org/drawingml/2006/main" xmlns:r="http://schemas.openxmlformats.org/officeDocument/2006/relationships" xmlns:p="http://schemas.openxmlformats.org/presentationml/2006/main">
   <p:cSld>
     <p:spTree>
@@ -11342,7 +12565,7 @@
 </p:sld>
 </file>
 
-<file path=ppt/slides/slide22.xml><?xml version="1.0" encoding="utf-8"?>
+<file path=ppt/slides/slide24.xml><?xml version="1.0" encoding="utf-8"?>
 <p:sld xmlns:a="http://schemas.openxmlformats.org/drawingml/2006/main" xmlns:r="http://schemas.openxmlformats.org/officeDocument/2006/relationships" xmlns:p="http://schemas.openxmlformats.org/presentationml/2006/main">
   <p:cSld>
     <p:spTree>
@@ -11565,7 +12788,7 @@
 </p:sld>
 </file>
 
-<file path=ppt/slides/slide23.xml><?xml version="1.0" encoding="utf-8"?>
+<file path=ppt/slides/slide25.xml><?xml version="1.0" encoding="utf-8"?>
 <p:sld xmlns:a="http://schemas.openxmlformats.org/drawingml/2006/main" xmlns:r="http://schemas.openxmlformats.org/officeDocument/2006/relationships" xmlns:p="http://schemas.openxmlformats.org/presentationml/2006/main">
   <p:cSld>
     <p:spTree>
@@ -12418,7 +13641,7 @@
 </p:sld>
 </file>
 
-<file path=ppt/slides/slide24.xml><?xml version="1.0" encoding="utf-8"?>
+<file path=ppt/slides/slide26.xml><?xml version="1.0" encoding="utf-8"?>
 <p:sld xmlns:a="http://schemas.openxmlformats.org/drawingml/2006/main" xmlns:r="http://schemas.openxmlformats.org/officeDocument/2006/relationships" xmlns:p="http://schemas.openxmlformats.org/presentationml/2006/main">
   <p:cSld>
     <p:spTree>
@@ -12939,7 +14162,7 @@
 </p:sld>
 </file>
 
-<file path=ppt/slides/slide25.xml><?xml version="1.0" encoding="utf-8"?>
+<file path=ppt/slides/slide27.xml><?xml version="1.0" encoding="utf-8"?>
 <p:sld xmlns:a="http://schemas.openxmlformats.org/drawingml/2006/main" xmlns:r="http://schemas.openxmlformats.org/officeDocument/2006/relationships" xmlns:p="http://schemas.openxmlformats.org/presentationml/2006/main">
   <p:cSld>
     <p:spTree>
@@ -13277,7 +14500,7 @@
 </p:sld>
 </file>
 
-<file path=ppt/slides/slide26.xml><?xml version="1.0" encoding="utf-8"?>
+<file path=ppt/slides/slide28.xml><?xml version="1.0" encoding="utf-8"?>
 <p:sld xmlns:a="http://schemas.openxmlformats.org/drawingml/2006/main" xmlns:r="http://schemas.openxmlformats.org/officeDocument/2006/relationships" xmlns:p="http://schemas.openxmlformats.org/presentationml/2006/main">
   <p:cSld>
     <p:spTree>
@@ -13520,7 +14743,7 @@
 </p:sld>
 </file>
 
-<file path=ppt/slides/slide27.xml><?xml version="1.0" encoding="utf-8"?>
+<file path=ppt/slides/slide29.xml><?xml version="1.0" encoding="utf-8"?>
 <p:sld xmlns:a="http://schemas.openxmlformats.org/drawingml/2006/main" xmlns:r="http://schemas.openxmlformats.org/officeDocument/2006/relationships" xmlns:p="http://schemas.openxmlformats.org/presentationml/2006/main">
   <p:cSld>
     <p:bg>
@@ -13821,7 +15044,624 @@
 </p:sld>
 </file>
 
-<file path=ppt/slides/slide28.xml><?xml version="1.0" encoding="utf-8"?>
+<file path=ppt/slides/slide3.xml><?xml version="1.0" encoding="utf-8"?>
+<p:sld xmlns:a="http://schemas.openxmlformats.org/drawingml/2006/main" xmlns:r="http://schemas.openxmlformats.org/officeDocument/2006/relationships" xmlns:p="http://schemas.openxmlformats.org/presentationml/2006/main">
+  <p:cSld>
+    <p:bg>
+      <p:bgPr>
+        <a:solidFill>
+          <a:schemeClr val="bg1"/>
+        </a:solidFill>
+        <a:effectLst/>
+      </p:bgPr>
+    </p:bg>
+    <p:spTree>
+      <p:nvGrpSpPr>
+        <p:cNvPr id="1" name=""/>
+        <p:cNvGrpSpPr/>
+        <p:nvPr/>
+      </p:nvGrpSpPr>
+      <p:grpSpPr>
+        <a:xfrm>
+          <a:off x="0" y="0"/>
+          <a:ext cx="0" cy="0"/>
+          <a:chOff x="0" y="0"/>
+          <a:chExt cx="0" cy="0"/>
+        </a:xfrm>
+      </p:grpSpPr>
+      <p:sp useBgFill="1">
+        <p:nvSpPr>
+          <p:cNvPr id="17" name="Rectangle 13">
+            <a:extLst>
+              <a:ext uri="{FF2B5EF4-FFF2-40B4-BE49-F238E27FC236}">
+                <a16:creationId xmlns:a16="http://schemas.microsoft.com/office/drawing/2014/main" id="{7C98A213-5994-475E-B327-DC6EC27FBA8B}"/>
+              </a:ext>
+              <a:ext uri="{C183D7F6-B498-43B3-948B-1728B52AA6E4}">
+                <adec:decorative xmlns:adec="http://schemas.microsoft.com/office/drawing/2017/decorative" val="1"/>
+              </a:ext>
+            </a:extLst>
+          </p:cNvPr>
+          <p:cNvSpPr>
+            <a:spLocks noGrp="1" noRot="1" noChangeAspect="1" noMove="1" noResize="1" noEditPoints="1" noAdjustHandles="1" noChangeArrowheads="1" noChangeShapeType="1" noTextEdit="1"/>
+          </p:cNvSpPr>
+          <p:nvPr>
+            <p:extLst>
+              <p:ext uri="{386F3935-93C4-4BCD-93E2-E3B085C9AB24}">
+                <p16:designElem xmlns:p16="http://schemas.microsoft.com/office/powerpoint/2015/main" val="1"/>
+              </p:ext>
+            </p:extLst>
+          </p:nvPr>
+        </p:nvSpPr>
+        <p:spPr>
+          <a:xfrm>
+            <a:off x="0" y="0"/>
+            <a:ext cx="12188952" cy="6858000"/>
+          </a:xfrm>
+          <a:prstGeom prst="rect">
+            <a:avLst/>
+          </a:prstGeom>
+          <a:ln>
+            <a:noFill/>
+          </a:ln>
+        </p:spPr>
+        <p:style>
+          <a:lnRef idx="2">
+            <a:schemeClr val="accent1">
+              <a:shade val="50000"/>
+            </a:schemeClr>
+          </a:lnRef>
+          <a:fillRef idx="1">
+            <a:schemeClr val="accent1"/>
+          </a:fillRef>
+          <a:effectRef idx="0">
+            <a:schemeClr val="accent1"/>
+          </a:effectRef>
+          <a:fontRef idx="minor">
+            <a:schemeClr val="lt1"/>
+          </a:fontRef>
+        </p:style>
+        <p:txBody>
+          <a:bodyPr rtlCol="0" anchor="ctr"/>
+          <a:lstStyle/>
+          <a:p>
+            <a:pPr algn="ctr"/>
+            <a:endParaRPr lang="en-US"/>
+          </a:p>
+        </p:txBody>
+      </p:sp>
+      <p:sp>
+        <p:nvSpPr>
+          <p:cNvPr id="2" name="Title 1">
+            <a:extLst>
+              <a:ext uri="{FF2B5EF4-FFF2-40B4-BE49-F238E27FC236}">
+                <a16:creationId xmlns:a16="http://schemas.microsoft.com/office/drawing/2014/main" id="{E49FC976-43BF-2219-BA5B-0F7863B0D7FE}"/>
+              </a:ext>
+            </a:extLst>
+          </p:cNvPr>
+          <p:cNvSpPr>
+            <a:spLocks noGrp="1"/>
+          </p:cNvSpPr>
+          <p:nvPr>
+            <p:ph type="title"/>
+          </p:nvPr>
+        </p:nvSpPr>
+        <p:spPr>
+          <a:xfrm>
+            <a:off x="638881" y="670218"/>
+            <a:ext cx="10909640" cy="1065836"/>
+          </a:xfrm>
+        </p:spPr>
+        <p:txBody>
+          <a:bodyPr vert="horz" lIns="91440" tIns="45720" rIns="91440" bIns="45720" rtlCol="0" anchor="ctr">
+            <a:normAutofit/>
+          </a:bodyPr>
+          <a:lstStyle/>
+          <a:p>
+            <a:pPr algn="ctr"/>
+            <a:r>
+              <a:rPr lang="en-US" sz="6600" dirty="0"/>
+              <a:t>Sparse Power Flow Results</a:t>
+            </a:r>
+          </a:p>
+        </p:txBody>
+      </p:sp>
+      <p:sp>
+        <p:nvSpPr>
+          <p:cNvPr id="16" name="sketch line">
+            <a:extLst>
+              <a:ext uri="{FF2B5EF4-FFF2-40B4-BE49-F238E27FC236}">
+                <a16:creationId xmlns:a16="http://schemas.microsoft.com/office/drawing/2014/main" id="{4B030A0D-0DAD-4A99-89BB-419527D6A64B}"/>
+              </a:ext>
+              <a:ext uri="{C183D7F6-B498-43B3-948B-1728B52AA6E4}">
+                <adec:decorative xmlns:adec="http://schemas.microsoft.com/office/drawing/2017/decorative" val="1"/>
+              </a:ext>
+            </a:extLst>
+          </p:cNvPr>
+          <p:cNvSpPr>
+            <a:spLocks noGrp="1" noRot="1" noChangeAspect="1" noMove="1" noResize="1" noEditPoints="1" noAdjustHandles="1" noChangeArrowheads="1" noChangeShapeType="1" noTextEdit="1"/>
+          </p:cNvSpPr>
+          <p:nvPr>
+            <p:extLst>
+              <p:ext uri="{386F3935-93C4-4BCD-93E2-E3B085C9AB24}">
+                <p16:designElem xmlns:p16="http://schemas.microsoft.com/office/powerpoint/2015/main" val="1"/>
+              </p:ext>
+            </p:extLst>
+          </p:nvPr>
+        </p:nvSpPr>
+        <p:spPr>
+          <a:xfrm>
+            <a:off x="3389376" y="1800088"/>
+            <a:ext cx="5410200" cy="18288"/>
+          </a:xfrm>
+          <a:custGeom>
+            <a:avLst/>
+            <a:gdLst>
+              <a:gd name="connsiteX0" fmla="*/ 0 w 5410200"/>
+              <a:gd name="connsiteY0" fmla="*/ 0 h 18288"/>
+              <a:gd name="connsiteX1" fmla="*/ 568071 w 5410200"/>
+              <a:gd name="connsiteY1" fmla="*/ 0 h 18288"/>
+              <a:gd name="connsiteX2" fmla="*/ 1298448 w 5410200"/>
+              <a:gd name="connsiteY2" fmla="*/ 0 h 18288"/>
+              <a:gd name="connsiteX3" fmla="*/ 1920621 w 5410200"/>
+              <a:gd name="connsiteY3" fmla="*/ 0 h 18288"/>
+              <a:gd name="connsiteX4" fmla="*/ 2488692 w 5410200"/>
+              <a:gd name="connsiteY4" fmla="*/ 0 h 18288"/>
+              <a:gd name="connsiteX5" fmla="*/ 3219069 w 5410200"/>
+              <a:gd name="connsiteY5" fmla="*/ 0 h 18288"/>
+              <a:gd name="connsiteX6" fmla="*/ 3895344 w 5410200"/>
+              <a:gd name="connsiteY6" fmla="*/ 0 h 18288"/>
+              <a:gd name="connsiteX7" fmla="*/ 4571619 w 5410200"/>
+              <a:gd name="connsiteY7" fmla="*/ 0 h 18288"/>
+              <a:gd name="connsiteX8" fmla="*/ 5410200 w 5410200"/>
+              <a:gd name="connsiteY8" fmla="*/ 0 h 18288"/>
+              <a:gd name="connsiteX9" fmla="*/ 5410200 w 5410200"/>
+              <a:gd name="connsiteY9" fmla="*/ 18288 h 18288"/>
+              <a:gd name="connsiteX10" fmla="*/ 4842129 w 5410200"/>
+              <a:gd name="connsiteY10" fmla="*/ 18288 h 18288"/>
+              <a:gd name="connsiteX11" fmla="*/ 4328160 w 5410200"/>
+              <a:gd name="connsiteY11" fmla="*/ 18288 h 18288"/>
+              <a:gd name="connsiteX12" fmla="*/ 3597783 w 5410200"/>
+              <a:gd name="connsiteY12" fmla="*/ 18288 h 18288"/>
+              <a:gd name="connsiteX13" fmla="*/ 3029712 w 5410200"/>
+              <a:gd name="connsiteY13" fmla="*/ 18288 h 18288"/>
+              <a:gd name="connsiteX14" fmla="*/ 2299335 w 5410200"/>
+              <a:gd name="connsiteY14" fmla="*/ 18288 h 18288"/>
+              <a:gd name="connsiteX15" fmla="*/ 1514856 w 5410200"/>
+              <a:gd name="connsiteY15" fmla="*/ 18288 h 18288"/>
+              <a:gd name="connsiteX16" fmla="*/ 892683 w 5410200"/>
+              <a:gd name="connsiteY16" fmla="*/ 18288 h 18288"/>
+              <a:gd name="connsiteX17" fmla="*/ 0 w 5410200"/>
+              <a:gd name="connsiteY17" fmla="*/ 18288 h 18288"/>
+              <a:gd name="connsiteX18" fmla="*/ 0 w 5410200"/>
+              <a:gd name="connsiteY18" fmla="*/ 0 h 18288"/>
+            </a:gdLst>
+            <a:ahLst/>
+            <a:cxnLst>
+              <a:cxn ang="0">
+                <a:pos x="connsiteX0" y="connsiteY0"/>
+              </a:cxn>
+              <a:cxn ang="0">
+                <a:pos x="connsiteX1" y="connsiteY1"/>
+              </a:cxn>
+              <a:cxn ang="0">
+                <a:pos x="connsiteX2" y="connsiteY2"/>
+              </a:cxn>
+              <a:cxn ang="0">
+                <a:pos x="connsiteX3" y="connsiteY3"/>
+              </a:cxn>
+              <a:cxn ang="0">
+                <a:pos x="connsiteX4" y="connsiteY4"/>
+              </a:cxn>
+              <a:cxn ang="0">
+                <a:pos x="connsiteX5" y="connsiteY5"/>
+              </a:cxn>
+              <a:cxn ang="0">
+                <a:pos x="connsiteX6" y="connsiteY6"/>
+              </a:cxn>
+              <a:cxn ang="0">
+                <a:pos x="connsiteX7" y="connsiteY7"/>
+              </a:cxn>
+              <a:cxn ang="0">
+                <a:pos x="connsiteX8" y="connsiteY8"/>
+              </a:cxn>
+              <a:cxn ang="0">
+                <a:pos x="connsiteX9" y="connsiteY9"/>
+              </a:cxn>
+              <a:cxn ang="0">
+                <a:pos x="connsiteX10" y="connsiteY10"/>
+              </a:cxn>
+              <a:cxn ang="0">
+                <a:pos x="connsiteX11" y="connsiteY11"/>
+              </a:cxn>
+              <a:cxn ang="0">
+                <a:pos x="connsiteX12" y="connsiteY12"/>
+              </a:cxn>
+              <a:cxn ang="0">
+                <a:pos x="connsiteX13" y="connsiteY13"/>
+              </a:cxn>
+              <a:cxn ang="0">
+                <a:pos x="connsiteX14" y="connsiteY14"/>
+              </a:cxn>
+              <a:cxn ang="0">
+                <a:pos x="connsiteX15" y="connsiteY15"/>
+              </a:cxn>
+              <a:cxn ang="0">
+                <a:pos x="connsiteX16" y="connsiteY16"/>
+              </a:cxn>
+              <a:cxn ang="0">
+                <a:pos x="connsiteX17" y="connsiteY17"/>
+              </a:cxn>
+              <a:cxn ang="0">
+                <a:pos x="connsiteX18" y="connsiteY18"/>
+              </a:cxn>
+            </a:cxnLst>
+            <a:rect l="l" t="t" r="r" b="b"/>
+            <a:pathLst>
+              <a:path w="5410200" h="18288" fill="none" extrusionOk="0">
+                <a:moveTo>
+                  <a:pt x="0" y="0"/>
+                </a:moveTo>
+                <a:cubicBezTo>
+                  <a:pt x="163050" y="-18707"/>
+                  <a:pt x="319321" y="-16364"/>
+                  <a:pt x="568071" y="0"/>
+                </a:cubicBezTo>
+                <a:cubicBezTo>
+                  <a:pt x="816821" y="16364"/>
+                  <a:pt x="1013224" y="-7268"/>
+                  <a:pt x="1298448" y="0"/>
+                </a:cubicBezTo>
+                <a:cubicBezTo>
+                  <a:pt x="1583672" y="7268"/>
+                  <a:pt x="1631711" y="-3367"/>
+                  <a:pt x="1920621" y="0"/>
+                </a:cubicBezTo>
+                <a:cubicBezTo>
+                  <a:pt x="2209531" y="3367"/>
+                  <a:pt x="2364420" y="-19184"/>
+                  <a:pt x="2488692" y="0"/>
+                </a:cubicBezTo>
+                <a:cubicBezTo>
+                  <a:pt x="2612964" y="19184"/>
+                  <a:pt x="3023298" y="-34627"/>
+                  <a:pt x="3219069" y="0"/>
+                </a:cubicBezTo>
+                <a:cubicBezTo>
+                  <a:pt x="3414840" y="34627"/>
+                  <a:pt x="3656810" y="24043"/>
+                  <a:pt x="3895344" y="0"/>
+                </a:cubicBezTo>
+                <a:cubicBezTo>
+                  <a:pt x="4133879" y="-24043"/>
+                  <a:pt x="4393984" y="-19577"/>
+                  <a:pt x="4571619" y="0"/>
+                </a:cubicBezTo>
+                <a:cubicBezTo>
+                  <a:pt x="4749255" y="19577"/>
+                  <a:pt x="5179928" y="-6281"/>
+                  <a:pt x="5410200" y="0"/>
+                </a:cubicBezTo>
+                <a:cubicBezTo>
+                  <a:pt x="5410730" y="6954"/>
+                  <a:pt x="5410934" y="12839"/>
+                  <a:pt x="5410200" y="18288"/>
+                </a:cubicBezTo>
+                <a:cubicBezTo>
+                  <a:pt x="5139060" y="6751"/>
+                  <a:pt x="5121593" y="31035"/>
+                  <a:pt x="4842129" y="18288"/>
+                </a:cubicBezTo>
+                <a:cubicBezTo>
+                  <a:pt x="4562665" y="5541"/>
+                  <a:pt x="4448273" y="9487"/>
+                  <a:pt x="4328160" y="18288"/>
+                </a:cubicBezTo>
+                <a:cubicBezTo>
+                  <a:pt x="4208047" y="27089"/>
+                  <a:pt x="3760936" y="22567"/>
+                  <a:pt x="3597783" y="18288"/>
+                </a:cubicBezTo>
+                <a:cubicBezTo>
+                  <a:pt x="3434630" y="14009"/>
+                  <a:pt x="3299718" y="33213"/>
+                  <a:pt x="3029712" y="18288"/>
+                </a:cubicBezTo>
+                <a:cubicBezTo>
+                  <a:pt x="2759706" y="3363"/>
+                  <a:pt x="2640159" y="27394"/>
+                  <a:pt x="2299335" y="18288"/>
+                </a:cubicBezTo>
+                <a:cubicBezTo>
+                  <a:pt x="1958511" y="9182"/>
+                  <a:pt x="1801186" y="28985"/>
+                  <a:pt x="1514856" y="18288"/>
+                </a:cubicBezTo>
+                <a:cubicBezTo>
+                  <a:pt x="1228526" y="7591"/>
+                  <a:pt x="1063509" y="-5305"/>
+                  <a:pt x="892683" y="18288"/>
+                </a:cubicBezTo>
+                <a:cubicBezTo>
+                  <a:pt x="721857" y="41881"/>
+                  <a:pt x="186945" y="-20897"/>
+                  <a:pt x="0" y="18288"/>
+                </a:cubicBezTo>
+                <a:cubicBezTo>
+                  <a:pt x="-570" y="9279"/>
+                  <a:pt x="132" y="5100"/>
+                  <a:pt x="0" y="0"/>
+                </a:cubicBezTo>
+                <a:close/>
+              </a:path>
+              <a:path w="5410200" h="18288" stroke="0" extrusionOk="0">
+                <a:moveTo>
+                  <a:pt x="0" y="0"/>
+                </a:moveTo>
+                <a:cubicBezTo>
+                  <a:pt x="285096" y="-4925"/>
+                  <a:pt x="376456" y="22268"/>
+                  <a:pt x="622173" y="0"/>
+                </a:cubicBezTo>
+                <a:cubicBezTo>
+                  <a:pt x="867890" y="-22268"/>
+                  <a:pt x="1031392" y="7228"/>
+                  <a:pt x="1136142" y="0"/>
+                </a:cubicBezTo>
+                <a:cubicBezTo>
+                  <a:pt x="1240892" y="-7228"/>
+                  <a:pt x="1561853" y="9877"/>
+                  <a:pt x="1920621" y="0"/>
+                </a:cubicBezTo>
+                <a:cubicBezTo>
+                  <a:pt x="2279389" y="-9877"/>
+                  <a:pt x="2367255" y="19546"/>
+                  <a:pt x="2542794" y="0"/>
+                </a:cubicBezTo>
+                <a:cubicBezTo>
+                  <a:pt x="2718333" y="-19546"/>
+                  <a:pt x="2866732" y="-22226"/>
+                  <a:pt x="3164967" y="0"/>
+                </a:cubicBezTo>
+                <a:cubicBezTo>
+                  <a:pt x="3463202" y="22226"/>
+                  <a:pt x="3568055" y="-2765"/>
+                  <a:pt x="3949446" y="0"/>
+                </a:cubicBezTo>
+                <a:cubicBezTo>
+                  <a:pt x="4330837" y="2765"/>
+                  <a:pt x="4287895" y="10557"/>
+                  <a:pt x="4517517" y="0"/>
+                </a:cubicBezTo>
+                <a:cubicBezTo>
+                  <a:pt x="4747139" y="-10557"/>
+                  <a:pt x="5149588" y="8716"/>
+                  <a:pt x="5410200" y="0"/>
+                </a:cubicBezTo>
+                <a:cubicBezTo>
+                  <a:pt x="5409517" y="5414"/>
+                  <a:pt x="5409480" y="12510"/>
+                  <a:pt x="5410200" y="18288"/>
+                </a:cubicBezTo>
+                <a:cubicBezTo>
+                  <a:pt x="5163327" y="41494"/>
+                  <a:pt x="5008749" y="10693"/>
+                  <a:pt x="4842129" y="18288"/>
+                </a:cubicBezTo>
+                <a:cubicBezTo>
+                  <a:pt x="4675509" y="25883"/>
+                  <a:pt x="4433401" y="-615"/>
+                  <a:pt x="4165854" y="18288"/>
+                </a:cubicBezTo>
+                <a:cubicBezTo>
+                  <a:pt x="3898308" y="37191"/>
+                  <a:pt x="3809032" y="-8710"/>
+                  <a:pt x="3543681" y="18288"/>
+                </a:cubicBezTo>
+                <a:cubicBezTo>
+                  <a:pt x="3278330" y="45286"/>
+                  <a:pt x="3073876" y="-15917"/>
+                  <a:pt x="2759202" y="18288"/>
+                </a:cubicBezTo>
+                <a:cubicBezTo>
+                  <a:pt x="2444528" y="52493"/>
+                  <a:pt x="2204144" y="3372"/>
+                  <a:pt x="1974723" y="18288"/>
+                </a:cubicBezTo>
+                <a:cubicBezTo>
+                  <a:pt x="1745302" y="33204"/>
+                  <a:pt x="1602335" y="31490"/>
+                  <a:pt x="1406652" y="18288"/>
+                </a:cubicBezTo>
+                <a:cubicBezTo>
+                  <a:pt x="1210969" y="5086"/>
+                  <a:pt x="923948" y="3161"/>
+                  <a:pt x="730377" y="18288"/>
+                </a:cubicBezTo>
+                <a:cubicBezTo>
+                  <a:pt x="536806" y="33415"/>
+                  <a:pt x="336496" y="-141"/>
+                  <a:pt x="0" y="18288"/>
+                </a:cubicBezTo>
+                <a:cubicBezTo>
+                  <a:pt x="-306" y="11061"/>
+                  <a:pt x="-655" y="7751"/>
+                  <a:pt x="0" y="0"/>
+                </a:cubicBezTo>
+                <a:close/>
+              </a:path>
+            </a:pathLst>
+          </a:custGeom>
+          <a:solidFill>
+            <a:schemeClr val="accent2"/>
+          </a:solidFill>
+          <a:ln w="41275" cap="rnd">
+            <a:solidFill>
+              <a:schemeClr val="accent2"/>
+            </a:solidFill>
+            <a:round/>
+            <a:extLst>
+              <a:ext uri="{C807C97D-BFC1-408E-A445-0C87EB9F89A2}">
+                <ask:lineSketchStyleProps xmlns:ask="http://schemas.microsoft.com/office/drawing/2018/sketchyshapes" sd="1219033472">
+                  <a:prstGeom prst="rect">
+                    <a:avLst/>
+                  </a:prstGeom>
+                  <ask:type>
+                    <ask:lineSketchFreehand/>
+                  </ask:type>
+                </ask:lineSketchStyleProps>
+              </a:ext>
+            </a:extLst>
+          </a:ln>
+        </p:spPr>
+        <p:style>
+          <a:lnRef idx="2">
+            <a:schemeClr val="accent1">
+              <a:shade val="50000"/>
+            </a:schemeClr>
+          </a:lnRef>
+          <a:fillRef idx="1">
+            <a:schemeClr val="accent1"/>
+          </a:fillRef>
+          <a:effectRef idx="0">
+            <a:schemeClr val="accent1"/>
+          </a:effectRef>
+          <a:fontRef idx="minor">
+            <a:schemeClr val="lt1"/>
+          </a:fontRef>
+        </p:style>
+        <p:txBody>
+          <a:bodyPr rtlCol="0" anchor="ctr"/>
+          <a:lstStyle/>
+          <a:p>
+            <a:pPr algn="ctr"/>
+            <a:endParaRPr lang="en-US"/>
+          </a:p>
+        </p:txBody>
+      </p:sp>
+      <p:pic>
+        <p:nvPicPr>
+          <p:cNvPr id="7" name="Picture 6" descr="A graph of bus numbers and bus number&#10;&#10;Description automatically generated">
+            <a:extLst>
+              <a:ext uri="{FF2B5EF4-FFF2-40B4-BE49-F238E27FC236}">
+                <a16:creationId xmlns:a16="http://schemas.microsoft.com/office/drawing/2014/main" id="{85AC28D3-7627-B18D-162C-D0198D126A17}"/>
+              </a:ext>
+            </a:extLst>
+          </p:cNvPr>
+          <p:cNvPicPr>
+            <a:picLocks noChangeAspect="1"/>
+          </p:cNvPicPr>
+          <p:nvPr/>
+        </p:nvPicPr>
+        <p:blipFill>
+          <a:blip r:embed="rId2">
+            <a:extLst>
+              <a:ext uri="{28A0092B-C50C-407E-A947-70E740481C1C}">
+                <a14:useLocalDpi xmlns:a14="http://schemas.microsoft.com/office/drawing/2010/main" val="0"/>
+              </a:ext>
+            </a:extLst>
+          </a:blip>
+          <a:stretch>
+            <a:fillRect/>
+          </a:stretch>
+        </p:blipFill>
+        <p:spPr>
+          <a:xfrm>
+            <a:off x="371679" y="2619784"/>
+            <a:ext cx="3600041" cy="3600041"/>
+          </a:xfrm>
+          <a:prstGeom prst="rect">
+            <a:avLst/>
+          </a:prstGeom>
+        </p:spPr>
+      </p:pic>
+      <p:pic>
+        <p:nvPicPr>
+          <p:cNvPr id="5" name="Content Placeholder 4" descr="A screenshot of a graph&#10;&#10;Description automatically generated">
+            <a:extLst>
+              <a:ext uri="{FF2B5EF4-FFF2-40B4-BE49-F238E27FC236}">
+                <a16:creationId xmlns:a16="http://schemas.microsoft.com/office/drawing/2014/main" id="{2C956C8A-B301-7DDA-DCBF-B680F9CADD48}"/>
+              </a:ext>
+            </a:extLst>
+          </p:cNvPr>
+          <p:cNvPicPr>
+            <a:picLocks noGrp="1" noChangeAspect="1"/>
+          </p:cNvPicPr>
+          <p:nvPr>
+            <p:ph idx="1"/>
+          </p:nvPr>
+        </p:nvPicPr>
+        <p:blipFill>
+          <a:blip r:embed="rId3">
+            <a:extLst>
+              <a:ext uri="{28A0092B-C50C-407E-A947-70E740481C1C}">
+                <a14:useLocalDpi xmlns:a14="http://schemas.microsoft.com/office/drawing/2010/main" val="0"/>
+              </a:ext>
+            </a:extLst>
+          </a:blip>
+          <a:stretch>
+            <a:fillRect/>
+          </a:stretch>
+        </p:blipFill>
+        <p:spPr>
+          <a:xfrm>
+            <a:off x="8126845" y="2619784"/>
+            <a:ext cx="3600041" cy="3600041"/>
+          </a:xfrm>
+          <a:prstGeom prst="rect">
+            <a:avLst/>
+          </a:prstGeom>
+        </p:spPr>
+      </p:pic>
+      <p:pic>
+        <p:nvPicPr>
+          <p:cNvPr id="9" name="Picture 8" descr="A screenshot of a graph&#10;&#10;Description automatically generated">
+            <a:extLst>
+              <a:ext uri="{FF2B5EF4-FFF2-40B4-BE49-F238E27FC236}">
+                <a16:creationId xmlns:a16="http://schemas.microsoft.com/office/drawing/2014/main" id="{01605016-B1D6-905C-9820-A83545DA2E5B}"/>
+              </a:ext>
+            </a:extLst>
+          </p:cNvPr>
+          <p:cNvPicPr>
+            <a:picLocks noChangeAspect="1"/>
+          </p:cNvPicPr>
+          <p:nvPr/>
+        </p:nvPicPr>
+        <p:blipFill>
+          <a:blip r:embed="rId4">
+            <a:extLst>
+              <a:ext uri="{28A0092B-C50C-407E-A947-70E740481C1C}">
+                <a14:useLocalDpi xmlns:a14="http://schemas.microsoft.com/office/drawing/2010/main" val="0"/>
+              </a:ext>
+            </a:extLst>
+          </a:blip>
+          <a:stretch>
+            <a:fillRect/>
+          </a:stretch>
+        </p:blipFill>
+        <p:spPr>
+          <a:xfrm>
+            <a:off x="4249262" y="2587741"/>
+            <a:ext cx="3600041" cy="3600041"/>
+          </a:xfrm>
+          <a:prstGeom prst="rect">
+            <a:avLst/>
+          </a:prstGeom>
+        </p:spPr>
+      </p:pic>
+    </p:spTree>
+    <p:extLst>
+      <p:ext uri="{BB962C8B-B14F-4D97-AF65-F5344CB8AC3E}">
+        <p14:creationId xmlns:p14="http://schemas.microsoft.com/office/powerpoint/2010/main" val="3687358664"/>
+      </p:ext>
+    </p:extLst>
+  </p:cSld>
+  <p:clrMapOvr>
+    <a:masterClrMapping/>
+  </p:clrMapOvr>
+</p:sld>
+</file>
+
+<file path=ppt/slides/slide30.xml><?xml version="1.0" encoding="utf-8"?>
 <p:sld xmlns:a="http://schemas.openxmlformats.org/drawingml/2006/main" xmlns:r="http://schemas.openxmlformats.org/officeDocument/2006/relationships" xmlns:p="http://schemas.openxmlformats.org/presentationml/2006/main">
   <p:cSld>
     <p:bg>
@@ -14674,7 +16514,7 @@
 </p:sld>
 </file>
 
-<file path=ppt/slides/slide29.xml><?xml version="1.0" encoding="utf-8"?>
+<file path=ppt/slides/slide31.xml><?xml version="1.0" encoding="utf-8"?>
 <p:sld xmlns:a="http://schemas.openxmlformats.org/drawingml/2006/main" xmlns:r="http://schemas.openxmlformats.org/officeDocument/2006/relationships" xmlns:p="http://schemas.openxmlformats.org/presentationml/2006/main">
   <p:cSld>
     <p:spTree>
@@ -14981,873 +16821,6 @@
     <p:extLst>
       <p:ext uri="{BB962C8B-B14F-4D97-AF65-F5344CB8AC3E}">
         <p14:creationId xmlns:p14="http://schemas.microsoft.com/office/powerpoint/2010/main" val="3677315932"/>
-      </p:ext>
-    </p:extLst>
-  </p:cSld>
-  <p:clrMapOvr>
-    <a:masterClrMapping/>
-  </p:clrMapOvr>
-</p:sld>
-</file>
-
-<file path=ppt/slides/slide3.xml><?xml version="1.0" encoding="utf-8"?>
-<p:sld xmlns:a="http://schemas.openxmlformats.org/drawingml/2006/main" xmlns:r="http://schemas.openxmlformats.org/officeDocument/2006/relationships" xmlns:p="http://schemas.openxmlformats.org/presentationml/2006/main">
-  <p:cSld>
-    <p:spTree>
-      <p:nvGrpSpPr>
-        <p:cNvPr id="1" name=""/>
-        <p:cNvGrpSpPr/>
-        <p:nvPr/>
-      </p:nvGrpSpPr>
-      <p:grpSpPr>
-        <a:xfrm>
-          <a:off x="0" y="0"/>
-          <a:ext cx="0" cy="0"/>
-          <a:chOff x="0" y="0"/>
-          <a:chExt cx="0" cy="0"/>
-        </a:xfrm>
-      </p:grpSpPr>
-      <p:sp>
-        <p:nvSpPr>
-          <p:cNvPr id="2" name="Title 1">
-            <a:extLst>
-              <a:ext uri="{FF2B5EF4-FFF2-40B4-BE49-F238E27FC236}">
-                <a16:creationId xmlns:a16="http://schemas.microsoft.com/office/drawing/2014/main" id="{03311F91-1A05-0B95-42C2-FF7AE99A6B3B}"/>
-              </a:ext>
-            </a:extLst>
-          </p:cNvPr>
-          <p:cNvSpPr>
-            <a:spLocks noGrp="1"/>
-          </p:cNvSpPr>
-          <p:nvPr>
-            <p:ph type="title"/>
-          </p:nvPr>
-        </p:nvSpPr>
-        <p:spPr/>
-        <p:txBody>
-          <a:bodyPr/>
-          <a:lstStyle/>
-          <a:p>
-            <a:r>
-              <a:rPr lang="en-US">
-                <a:latin typeface="Palatino Linotype" panose="02040502050505030304" pitchFamily="18" charset="0"/>
-              </a:rPr>
-              <a:t>Presenting </a:t>
-            </a:r>
-            <a:r>
-              <a:rPr lang="en-US" err="1">
-                <a:solidFill>
-                  <a:srgbClr val="9558B2"/>
-                </a:solidFill>
-                <a:latin typeface="Palatino Linotype" panose="02040502050505030304" pitchFamily="18" charset="0"/>
-              </a:rPr>
-              <a:t>PowerEdu.jl</a:t>
-            </a:r>
-            <a:r>
-              <a:rPr lang="en-US">
-                <a:solidFill>
-                  <a:srgbClr val="9558B2"/>
-                </a:solidFill>
-                <a:latin typeface="Palatino Linotype" panose="02040502050505030304" pitchFamily="18" charset="0"/>
-              </a:rPr>
-              <a:t> </a:t>
-            </a:r>
-            <a:r>
-              <a:rPr lang="en-US">
-                <a:latin typeface="Palatino Linotype" panose="02040502050505030304" pitchFamily="18" charset="0"/>
-              </a:rPr>
-              <a:t>in a paper</a:t>
-            </a:r>
-          </a:p>
-        </p:txBody>
-      </p:sp>
-      <p:sp>
-        <p:nvSpPr>
-          <p:cNvPr id="3" name="Content Placeholder 2">
-            <a:extLst>
-              <a:ext uri="{FF2B5EF4-FFF2-40B4-BE49-F238E27FC236}">
-                <a16:creationId xmlns:a16="http://schemas.microsoft.com/office/drawing/2014/main" id="{3867C106-46B0-FE1A-BABF-5078A19ABE82}"/>
-              </a:ext>
-            </a:extLst>
-          </p:cNvPr>
-          <p:cNvSpPr>
-            <a:spLocks noGrp="1"/>
-          </p:cNvSpPr>
-          <p:nvPr>
-            <p:ph idx="1"/>
-          </p:nvPr>
-        </p:nvSpPr>
-        <p:spPr/>
-        <p:txBody>
-          <a:bodyPr>
-            <a:normAutofit/>
-          </a:bodyPr>
-          <a:lstStyle/>
-          <a:p>
-            <a:pPr marL="0" indent="0">
-              <a:buNone/>
-            </a:pPr>
-            <a:r>
-              <a:rPr lang="en-US">
-                <a:latin typeface="Georgia" panose="02040502050405020303" pitchFamily="18" charset="0"/>
-                <a:cs typeface="Helvetica" panose="020B0604020202020204" pitchFamily="34" charset="0"/>
-              </a:rPr>
-              <a:t>Need to read up on papers presenting packages in Power Systems.</a:t>
-            </a:r>
-          </a:p>
-          <a:p>
-            <a:pPr marL="0" indent="0">
-              <a:buNone/>
-            </a:pPr>
-            <a:endParaRPr lang="en-US">
-              <a:latin typeface="Georgia" panose="02040502050405020303" pitchFamily="18" charset="0"/>
-              <a:cs typeface="Helvetica" panose="020B0604020202020204" pitchFamily="34" charset="0"/>
-            </a:endParaRPr>
-          </a:p>
-          <a:p>
-            <a:pPr lvl="1">
-              <a:buClr>
-                <a:srgbClr val="00B050"/>
-              </a:buClr>
-              <a:buSzPct val="50000"/>
-              <a:buFont typeface="Wingdings" panose="05000000000000000000" pitchFamily="2" charset="2"/>
-              <a:buChar char="v"/>
-            </a:pPr>
-            <a:r>
-              <a:rPr lang="en-US" sz="1600" err="1">
-                <a:latin typeface="Georgia" panose="02040502050405020303" pitchFamily="18" charset="0"/>
-                <a:cs typeface="Helvetica" panose="020B0604020202020204" pitchFamily="34" charset="0"/>
-              </a:rPr>
-              <a:t>PowerModels.jl</a:t>
-            </a:r>
-            <a:r>
-              <a:rPr lang="en-US" sz="1600">
-                <a:latin typeface="Georgia" panose="02040502050405020303" pitchFamily="18" charset="0"/>
-                <a:cs typeface="Helvetica" panose="020B0604020202020204" pitchFamily="34" charset="0"/>
-              </a:rPr>
-              <a:t>: An Open-Source Framework for Exploring Power Flow Formulations from </a:t>
-            </a:r>
-            <a:r>
-              <a:rPr lang="en-US" sz="1600" i="1">
-                <a:latin typeface="Georgia" panose="02040502050405020303" pitchFamily="18" charset="0"/>
-                <a:cs typeface="Helvetica" panose="020B0604020202020204" pitchFamily="34" charset="0"/>
-              </a:rPr>
-              <a:t>PSCC 2018</a:t>
-            </a:r>
-            <a:r>
-              <a:rPr lang="en-US" sz="1600">
-                <a:latin typeface="Georgia" panose="02040502050405020303" pitchFamily="18" charset="0"/>
-                <a:cs typeface="Helvetica" panose="020B0604020202020204" pitchFamily="34" charset="0"/>
-              </a:rPr>
-              <a:t>. </a:t>
-            </a:r>
-            <a:r>
-              <a:rPr lang="en-US" sz="1600">
-                <a:latin typeface="Georgia" panose="02040502050405020303" pitchFamily="18" charset="0"/>
-                <a:cs typeface="Helvetica" panose="020B0604020202020204" pitchFamily="34" charset="0"/>
-                <a:hlinkClick r:id="rId2"/>
-              </a:rPr>
-              <a:t>Link</a:t>
-            </a:r>
-            <a:endParaRPr lang="en-US" sz="1600">
-              <a:latin typeface="Georgia" panose="02040502050405020303" pitchFamily="18" charset="0"/>
-              <a:cs typeface="Helvetica" panose="020B0604020202020204" pitchFamily="34" charset="0"/>
-            </a:endParaRPr>
-          </a:p>
-          <a:p>
-            <a:pPr lvl="1">
-              <a:buClr>
-                <a:srgbClr val="00B050"/>
-              </a:buClr>
-              <a:buSzPct val="50000"/>
-              <a:buFont typeface="Wingdings" panose="05000000000000000000" pitchFamily="2" charset="2"/>
-              <a:buChar char="v"/>
-            </a:pPr>
-            <a:endParaRPr lang="en-US" sz="1600">
-              <a:latin typeface="Georgia" panose="02040502050405020303" pitchFamily="18" charset="0"/>
-              <a:cs typeface="Helvetica" panose="020B0604020202020204" pitchFamily="34" charset="0"/>
-            </a:endParaRPr>
-          </a:p>
-          <a:p>
-            <a:pPr lvl="1">
-              <a:buClr>
-                <a:srgbClr val="00B050"/>
-              </a:buClr>
-              <a:buSzPct val="50000"/>
-              <a:buFont typeface="Wingdings" panose="05000000000000000000" pitchFamily="2" charset="2"/>
-              <a:buChar char="v"/>
-            </a:pPr>
-            <a:r>
-              <a:rPr lang="en-US" sz="1600" err="1">
-                <a:latin typeface="Georgia" panose="02040502050405020303" pitchFamily="18" charset="0"/>
-                <a:cs typeface="Helvetica" panose="020B0604020202020204" pitchFamily="34" charset="0"/>
-              </a:rPr>
-              <a:t>PowerSystems.jl</a:t>
-            </a:r>
-            <a:r>
-              <a:rPr lang="en-US" sz="1600">
-                <a:latin typeface="Georgia" panose="02040502050405020303" pitchFamily="18" charset="0"/>
-                <a:cs typeface="Helvetica" panose="020B0604020202020204" pitchFamily="34" charset="0"/>
-              </a:rPr>
-              <a:t> — A power system data management package for large scale modeling from </a:t>
-            </a:r>
-            <a:r>
-              <a:rPr lang="en-US" sz="1600" i="1" err="1">
-                <a:latin typeface="Georgia" panose="02040502050405020303" pitchFamily="18" charset="0"/>
-                <a:cs typeface="Helvetica" panose="020B0604020202020204" pitchFamily="34" charset="0"/>
-              </a:rPr>
-              <a:t>SoftwareX</a:t>
-            </a:r>
-            <a:r>
-              <a:rPr lang="en-US" sz="1600" i="1">
-                <a:latin typeface="Georgia" panose="02040502050405020303" pitchFamily="18" charset="0"/>
-                <a:cs typeface="Helvetica" panose="020B0604020202020204" pitchFamily="34" charset="0"/>
-              </a:rPr>
-              <a:t> 2021</a:t>
-            </a:r>
-            <a:r>
-              <a:rPr lang="en-US" sz="1600">
-                <a:latin typeface="Georgia" panose="02040502050405020303" pitchFamily="18" charset="0"/>
-                <a:cs typeface="Helvetica" panose="020B0604020202020204" pitchFamily="34" charset="0"/>
-              </a:rPr>
-              <a:t>. </a:t>
-            </a:r>
-            <a:r>
-              <a:rPr lang="en-US" sz="1600">
-                <a:latin typeface="Georgia" panose="02040502050405020303" pitchFamily="18" charset="0"/>
-                <a:cs typeface="Helvetica" panose="020B0604020202020204" pitchFamily="34" charset="0"/>
-                <a:hlinkClick r:id="rId3" action="ppaction://hlinkfile"/>
-              </a:rPr>
-              <a:t>Link</a:t>
-            </a:r>
-            <a:endParaRPr lang="en-US" sz="1600">
-              <a:latin typeface="Georgia" panose="02040502050405020303" pitchFamily="18" charset="0"/>
-              <a:cs typeface="Helvetica" panose="020B0604020202020204" pitchFamily="34" charset="0"/>
-            </a:endParaRPr>
-          </a:p>
-          <a:p>
-            <a:pPr lvl="1">
-              <a:buClr>
-                <a:srgbClr val="00B050"/>
-              </a:buClr>
-              <a:buSzPct val="50000"/>
-              <a:buFont typeface="Wingdings" panose="05000000000000000000" pitchFamily="2" charset="2"/>
-              <a:buChar char="v"/>
-            </a:pPr>
-            <a:endParaRPr lang="en-US" sz="1600">
-              <a:latin typeface="Georgia" panose="02040502050405020303" pitchFamily="18" charset="0"/>
-              <a:cs typeface="Helvetica" panose="020B0604020202020204" pitchFamily="34" charset="0"/>
-            </a:endParaRPr>
-          </a:p>
-          <a:p>
-            <a:pPr lvl="1">
-              <a:buClr>
-                <a:srgbClr val="00B050"/>
-              </a:buClr>
-              <a:buSzPct val="50000"/>
-              <a:buFont typeface="Wingdings" panose="05000000000000000000" pitchFamily="2" charset="2"/>
-              <a:buChar char="v"/>
-            </a:pPr>
-            <a:r>
-              <a:rPr lang="en-US" sz="1600" err="1">
-                <a:latin typeface="Georgia" panose="02040502050405020303" pitchFamily="18" charset="0"/>
-                <a:cs typeface="Helvetica" panose="020B0604020202020204" pitchFamily="34" charset="0"/>
-              </a:rPr>
-              <a:t>PyPSA</a:t>
-            </a:r>
-            <a:r>
-              <a:rPr lang="en-US" sz="1600">
-                <a:latin typeface="Georgia" panose="02040502050405020303" pitchFamily="18" charset="0"/>
-                <a:cs typeface="Helvetica" panose="020B0604020202020204" pitchFamily="34" charset="0"/>
-              </a:rPr>
-              <a:t>: Python for Power System Analysis from </a:t>
-            </a:r>
-            <a:r>
-              <a:rPr lang="en-US" sz="1600" i="1">
-                <a:latin typeface="Georgia" panose="02040502050405020303" pitchFamily="18" charset="0"/>
-                <a:cs typeface="Helvetica" panose="020B0604020202020204" pitchFamily="34" charset="0"/>
-              </a:rPr>
-              <a:t>Journal of Open Research Software, 2018</a:t>
-            </a:r>
-            <a:r>
-              <a:rPr lang="en-US" sz="1600" b="1">
-                <a:latin typeface="Georgia" panose="02040502050405020303" pitchFamily="18" charset="0"/>
-                <a:cs typeface="Helvetica" panose="020B0604020202020204" pitchFamily="34" charset="0"/>
-              </a:rPr>
-              <a:t> </a:t>
-            </a:r>
-            <a:r>
-              <a:rPr lang="en-US" sz="1600">
-                <a:latin typeface="Georgia" panose="02040502050405020303" pitchFamily="18" charset="0"/>
-                <a:cs typeface="Helvetica" panose="020B0604020202020204" pitchFamily="34" charset="0"/>
-                <a:hlinkClick r:id="rId4" action="ppaction://hlinkfile"/>
-              </a:rPr>
-              <a:t>Link</a:t>
-            </a:r>
-            <a:endParaRPr lang="en-US" sz="1600">
-              <a:latin typeface="Georgia" panose="02040502050405020303" pitchFamily="18" charset="0"/>
-              <a:cs typeface="Helvetica" panose="020B0604020202020204" pitchFamily="34" charset="0"/>
-            </a:endParaRPr>
-          </a:p>
-          <a:p>
-            <a:pPr lvl="1">
-              <a:buClr>
-                <a:srgbClr val="00B050"/>
-              </a:buClr>
-              <a:buSzPct val="50000"/>
-              <a:buFont typeface="Wingdings" panose="05000000000000000000" pitchFamily="2" charset="2"/>
-              <a:buChar char="v"/>
-            </a:pPr>
-            <a:endParaRPr lang="en-US" sz="1600">
-              <a:latin typeface="Georgia" panose="02040502050405020303" pitchFamily="18" charset="0"/>
-              <a:cs typeface="Helvetica" panose="020B0604020202020204" pitchFamily="34" charset="0"/>
-            </a:endParaRPr>
-          </a:p>
-          <a:p>
-            <a:pPr lvl="1">
-              <a:buClr>
-                <a:srgbClr val="00B050"/>
-              </a:buClr>
-              <a:buSzPct val="50000"/>
-              <a:buFont typeface="Wingdings" panose="05000000000000000000" pitchFamily="2" charset="2"/>
-              <a:buChar char="v"/>
-            </a:pPr>
-            <a:r>
-              <a:rPr lang="en-US" sz="1600" err="1">
-                <a:latin typeface="Georgia" panose="02040502050405020303" pitchFamily="18" charset="0"/>
-                <a:cs typeface="Helvetica" panose="020B0604020202020204" pitchFamily="34" charset="0"/>
-              </a:rPr>
-              <a:t>PowerModelsDistribution.jl</a:t>
-            </a:r>
-            <a:r>
-              <a:rPr lang="en-US" sz="1600">
-                <a:latin typeface="Georgia" panose="02040502050405020303" pitchFamily="18" charset="0"/>
-                <a:cs typeface="Helvetica" panose="020B0604020202020204" pitchFamily="34" charset="0"/>
-              </a:rPr>
-              <a:t>: An Open-Source Framework for Exploring Distribution Power Flow Formulations from </a:t>
-            </a:r>
-            <a:r>
-              <a:rPr lang="en-US" sz="1600" i="1">
-                <a:latin typeface="Georgia" panose="02040502050405020303" pitchFamily="18" charset="0"/>
-                <a:cs typeface="Helvetica" panose="020B0604020202020204" pitchFamily="34" charset="0"/>
-              </a:rPr>
-              <a:t>Electric Power Systems Research 2020</a:t>
-            </a:r>
-            <a:r>
-              <a:rPr lang="en-US" sz="1600">
-                <a:latin typeface="Georgia" panose="02040502050405020303" pitchFamily="18" charset="0"/>
-                <a:cs typeface="Helvetica" panose="020B0604020202020204" pitchFamily="34" charset="0"/>
-              </a:rPr>
-              <a:t>. </a:t>
-            </a:r>
-            <a:r>
-              <a:rPr lang="en-US" sz="1600">
-                <a:latin typeface="Georgia" panose="02040502050405020303" pitchFamily="18" charset="0"/>
-                <a:cs typeface="Helvetica" panose="020B0604020202020204" pitchFamily="34" charset="0"/>
-                <a:hlinkClick r:id="rId5" action="ppaction://hlinkfile"/>
-              </a:rPr>
-              <a:t>Link</a:t>
-            </a:r>
-            <a:endParaRPr lang="en-US" sz="1600">
-              <a:latin typeface="Georgia" panose="02040502050405020303" pitchFamily="18" charset="0"/>
-              <a:cs typeface="Helvetica" panose="020B0604020202020204" pitchFamily="34" charset="0"/>
-            </a:endParaRPr>
-          </a:p>
-        </p:txBody>
-      </p:sp>
-    </p:spTree>
-    <p:extLst>
-      <p:ext uri="{BB962C8B-B14F-4D97-AF65-F5344CB8AC3E}">
-        <p14:creationId xmlns:p14="http://schemas.microsoft.com/office/powerpoint/2010/main" val="3800270292"/>
-      </p:ext>
-    </p:extLst>
-  </p:cSld>
-  <p:clrMapOvr>
-    <a:masterClrMapping/>
-  </p:clrMapOvr>
-</p:sld>
-</file>
-
-<file path=ppt/slides/slide30.xml><?xml version="1.0" encoding="utf-8"?>
-<p:sld xmlns:a="http://schemas.openxmlformats.org/drawingml/2006/main" xmlns:r="http://schemas.openxmlformats.org/officeDocument/2006/relationships" xmlns:p="http://schemas.openxmlformats.org/presentationml/2006/main">
-  <p:cSld>
-    <p:spTree>
-      <p:nvGrpSpPr>
-        <p:cNvPr id="1" name=""/>
-        <p:cNvGrpSpPr/>
-        <p:nvPr/>
-      </p:nvGrpSpPr>
-      <p:grpSpPr>
-        <a:xfrm>
-          <a:off x="0" y="0"/>
-          <a:ext cx="0" cy="0"/>
-          <a:chOff x="0" y="0"/>
-          <a:chExt cx="0" cy="0"/>
-        </a:xfrm>
-      </p:grpSpPr>
-      <p:sp>
-        <p:nvSpPr>
-          <p:cNvPr id="2" name="Title 1">
-            <a:extLst>
-              <a:ext uri="{FF2B5EF4-FFF2-40B4-BE49-F238E27FC236}">
-                <a16:creationId xmlns:a16="http://schemas.microsoft.com/office/drawing/2014/main" id="{A907B655-ADC6-0DB3-D40C-B4A4F02C56AD}"/>
-              </a:ext>
-            </a:extLst>
-          </p:cNvPr>
-          <p:cNvSpPr>
-            <a:spLocks noGrp="1"/>
-          </p:cNvSpPr>
-          <p:nvPr>
-            <p:ph type="title"/>
-          </p:nvPr>
-        </p:nvSpPr>
-        <p:spPr/>
-        <p:txBody>
-          <a:bodyPr/>
-          <a:lstStyle/>
-          <a:p>
-            <a:r>
-              <a:rPr lang="en-IN"/>
-              <a:t>Sample functions in modules</a:t>
-            </a:r>
-          </a:p>
-        </p:txBody>
-      </p:sp>
-      <p:sp>
-        <p:nvSpPr>
-          <p:cNvPr id="3" name="Content Placeholder 2">
-            <a:extLst>
-              <a:ext uri="{FF2B5EF4-FFF2-40B4-BE49-F238E27FC236}">
-                <a16:creationId xmlns:a16="http://schemas.microsoft.com/office/drawing/2014/main" id="{B248B06E-0246-4FEF-533A-B0C46C596083}"/>
-              </a:ext>
-            </a:extLst>
-          </p:cNvPr>
-          <p:cNvSpPr>
-            <a:spLocks noGrp="1"/>
-          </p:cNvSpPr>
-          <p:nvPr>
-            <p:ph idx="1"/>
-          </p:nvPr>
-        </p:nvSpPr>
-        <p:spPr/>
-        <p:txBody>
-          <a:bodyPr>
-            <a:normAutofit fontScale="92500" lnSpcReduction="10000"/>
-          </a:bodyPr>
-          <a:lstStyle/>
-          <a:p>
-            <a:r>
-              <a:rPr lang="en-IN" b="1">
-                <a:solidFill>
-                  <a:srgbClr val="002060"/>
-                </a:solidFill>
-              </a:rPr>
-              <a:t>P1: </a:t>
-            </a:r>
-            <a:r>
-              <a:rPr lang="en-IN" b="1" err="1">
-                <a:solidFill>
-                  <a:srgbClr val="002060"/>
-                </a:solidFill>
-              </a:rPr>
-              <a:t>NKGPowerFlow</a:t>
-            </a:r>
-            <a:endParaRPr lang="en-IN" b="1">
-              <a:solidFill>
-                <a:srgbClr val="002060"/>
-              </a:solidFill>
-            </a:endParaRPr>
-          </a:p>
-          <a:p>
-            <a:pPr lvl="1"/>
-            <a:r>
-              <a:rPr lang="en-IN" i="1" err="1"/>
-              <a:t>constructYBus</a:t>
-            </a:r>
-            <a:endParaRPr lang="en-IN" i="1"/>
-          </a:p>
-          <a:p>
-            <a:pPr lvl="1"/>
-            <a:r>
-              <a:rPr lang="en-IN" i="1" err="1"/>
-              <a:t>solveUsingPowerFlow</a:t>
-            </a:r>
-            <a:r>
-              <a:rPr lang="en-IN"/>
-              <a:t>: NRPF/FDPF  We can make it work for both </a:t>
-            </a:r>
-            <a:r>
-              <a:rPr lang="en-IN" err="1"/>
-              <a:t>powerFlowMethods</a:t>
-            </a:r>
-            <a:r>
-              <a:rPr lang="en-IN"/>
-              <a:t>: “NRPF” or “FDPF”.</a:t>
-            </a:r>
-          </a:p>
-          <a:p>
-            <a:pPr lvl="2"/>
-            <a:r>
-              <a:rPr lang="en-IN" i="1" err="1"/>
-              <a:t>initializeVectors</a:t>
-            </a:r>
-            <a:r>
-              <a:rPr lang="en-IN" i="1"/>
-              <a:t>: </a:t>
-            </a:r>
-            <a:r>
-              <a:rPr lang="en-IN"/>
-              <a:t>Handy function which reads [</a:t>
-            </a:r>
-            <a:r>
-              <a:rPr lang="en-IN" err="1"/>
-              <a:t>busData</a:t>
-            </a:r>
-            <a:r>
-              <a:rPr lang="en-IN"/>
-              <a:t>, </a:t>
-            </a:r>
-            <a:r>
-              <a:rPr lang="en-IN" err="1"/>
-              <a:t>branchData</a:t>
-            </a:r>
-            <a:r>
-              <a:rPr lang="en-IN"/>
-              <a:t>] and can retrieve highly used parameter values like </a:t>
-            </a:r>
-            <a:r>
-              <a:rPr lang="en-IN" err="1"/>
-              <a:t>listOfPVBuses</a:t>
-            </a:r>
-            <a:r>
-              <a:rPr lang="en-IN"/>
-              <a:t>, </a:t>
-            </a:r>
-            <a:r>
-              <a:rPr lang="en-IN" err="1"/>
-              <a:t>nPQ</a:t>
-            </a:r>
-            <a:r>
-              <a:rPr lang="en-IN"/>
-              <a:t> (#PQ Buses), </a:t>
-            </a:r>
-            <a:r>
-              <a:rPr lang="en-IN" err="1"/>
-              <a:t>PSpecified</a:t>
-            </a:r>
-            <a:r>
-              <a:rPr lang="en-IN"/>
-              <a:t>, etc.</a:t>
-            </a:r>
-          </a:p>
-          <a:p>
-            <a:pPr lvl="2"/>
-            <a:r>
-              <a:rPr lang="en-IN" i="1" err="1"/>
-              <a:t>computeBusInjections</a:t>
-            </a:r>
-            <a:r>
-              <a:rPr lang="en-IN" i="1"/>
-              <a:t>: calculate </a:t>
-            </a:r>
-            <a:r>
-              <a:rPr lang="en-IN" i="1" err="1"/>
-              <a:t>P_i</a:t>
-            </a:r>
-            <a:r>
-              <a:rPr lang="en-IN" i="1"/>
-              <a:t> and </a:t>
-            </a:r>
-            <a:r>
-              <a:rPr lang="en-IN" i="1" err="1"/>
-              <a:t>Q_i</a:t>
-            </a:r>
-            <a:endParaRPr lang="en-IN" i="1"/>
-          </a:p>
-          <a:p>
-            <a:pPr lvl="2"/>
-            <a:r>
-              <a:rPr lang="en-IN" i="1" err="1"/>
-              <a:t>computeMismatches</a:t>
-            </a:r>
-            <a:r>
-              <a:rPr lang="en-IN"/>
-              <a:t>: NRPF/FDPF a simple function which calculates mismatches (for every Powerflow iteration) by first computing power injections. Helpful in creation of diagonal Jacobian elements too.</a:t>
-            </a:r>
-          </a:p>
-          <a:p>
-            <a:pPr lvl="2"/>
-            <a:r>
-              <a:rPr lang="en-IN" i="1" err="1"/>
-              <a:t>constructJacobian</a:t>
-            </a:r>
-            <a:r>
-              <a:rPr lang="en-IN"/>
-              <a:t>: NRPF/FDPF Compute J11, J22 (and J12, J21 and J in case of NRPF)</a:t>
-            </a:r>
-          </a:p>
-          <a:p>
-            <a:pPr lvl="2"/>
-            <a:r>
-              <a:rPr lang="en-IN" i="1" err="1"/>
-              <a:t>solveUsingLU</a:t>
-            </a:r>
-            <a:r>
-              <a:rPr lang="en-IN"/>
-              <a:t>: Using given Jacobian (J11/J) and mismatch vector (</a:t>
-            </a:r>
-            <a:r>
-              <a:rPr lang="en-IN" err="1"/>
-              <a:t>delP</a:t>
-            </a:r>
-            <a:r>
-              <a:rPr lang="en-IN"/>
-              <a:t>/[</a:t>
-            </a:r>
-            <a:r>
-              <a:rPr lang="en-IN" err="1"/>
-              <a:t>delP</a:t>
-            </a:r>
-            <a:r>
-              <a:rPr lang="en-IN"/>
-              <a:t>; </a:t>
-            </a:r>
-            <a:r>
-              <a:rPr lang="en-IN" err="1"/>
-              <a:t>delQ</a:t>
-            </a:r>
-            <a:r>
-              <a:rPr lang="en-IN"/>
-              <a:t>]), compute correction vector (</a:t>
-            </a:r>
-            <a:r>
-              <a:rPr lang="en-IN" err="1"/>
-              <a:t>delDelta</a:t>
-            </a:r>
-            <a:r>
-              <a:rPr lang="en-IN"/>
-              <a:t>/[</a:t>
-            </a:r>
-            <a:r>
-              <a:rPr lang="en-IN" err="1"/>
-              <a:t>delDeltas</a:t>
-            </a:r>
-            <a:r>
-              <a:rPr lang="en-IN"/>
-              <a:t>; </a:t>
-            </a:r>
-            <a:r>
-              <a:rPr lang="en-IN" err="1"/>
-              <a:t>delV</a:t>
-            </a:r>
-            <a:r>
-              <a:rPr lang="en-IN"/>
-              <a:t>]).</a:t>
-            </a:r>
-          </a:p>
-          <a:p>
-            <a:pPr lvl="3"/>
-            <a:r>
-              <a:rPr lang="en-IN" err="1"/>
-              <a:t>solveUsingForwardSubstitution</a:t>
-            </a:r>
-            <a:endParaRPr lang="en-IN"/>
-          </a:p>
-          <a:p>
-            <a:pPr lvl="3"/>
-            <a:r>
-              <a:rPr lang="en-IN" err="1"/>
-              <a:t>solveUsingBackwardSubstituion</a:t>
-            </a:r>
-            <a:endParaRPr lang="en-IN" i="1"/>
-          </a:p>
-        </p:txBody>
-      </p:sp>
-    </p:spTree>
-    <p:extLst>
-      <p:ext uri="{BB962C8B-B14F-4D97-AF65-F5344CB8AC3E}">
-        <p14:creationId xmlns:p14="http://schemas.microsoft.com/office/powerpoint/2010/main" val="2074898235"/>
-      </p:ext>
-    </p:extLst>
-  </p:cSld>
-  <p:clrMapOvr>
-    <a:masterClrMapping/>
-  </p:clrMapOvr>
-</p:sld>
-</file>
-
-<file path=ppt/slides/slide31.xml><?xml version="1.0" encoding="utf-8"?>
-<p:sld xmlns:a="http://schemas.openxmlformats.org/drawingml/2006/main" xmlns:r="http://schemas.openxmlformats.org/officeDocument/2006/relationships" xmlns:p="http://schemas.openxmlformats.org/presentationml/2006/main">
-  <p:cSld>
-    <p:spTree>
-      <p:nvGrpSpPr>
-        <p:cNvPr id="1" name=""/>
-        <p:cNvGrpSpPr/>
-        <p:nvPr/>
-      </p:nvGrpSpPr>
-      <p:grpSpPr>
-        <a:xfrm>
-          <a:off x="0" y="0"/>
-          <a:ext cx="0" cy="0"/>
-          <a:chOff x="0" y="0"/>
-          <a:chExt cx="0" cy="0"/>
-        </a:xfrm>
-      </p:grpSpPr>
-      <p:sp>
-        <p:nvSpPr>
-          <p:cNvPr id="2" name="Title 1">
-            <a:extLst>
-              <a:ext uri="{FF2B5EF4-FFF2-40B4-BE49-F238E27FC236}">
-                <a16:creationId xmlns:a16="http://schemas.microsoft.com/office/drawing/2014/main" id="{A907B655-ADC6-0DB3-D40C-B4A4F02C56AD}"/>
-              </a:ext>
-            </a:extLst>
-          </p:cNvPr>
-          <p:cNvSpPr>
-            <a:spLocks noGrp="1"/>
-          </p:cNvSpPr>
-          <p:nvPr>
-            <p:ph type="title"/>
-          </p:nvPr>
-        </p:nvSpPr>
-        <p:spPr/>
-        <p:txBody>
-          <a:bodyPr/>
-          <a:lstStyle/>
-          <a:p>
-            <a:r>
-              <a:rPr lang="en-IN"/>
-              <a:t>Sample functions in modules</a:t>
-            </a:r>
-          </a:p>
-        </p:txBody>
-      </p:sp>
-      <p:sp>
-        <p:nvSpPr>
-          <p:cNvPr id="3" name="Content Placeholder 2">
-            <a:extLst>
-              <a:ext uri="{FF2B5EF4-FFF2-40B4-BE49-F238E27FC236}">
-                <a16:creationId xmlns:a16="http://schemas.microsoft.com/office/drawing/2014/main" id="{B248B06E-0246-4FEF-533A-B0C46C596083}"/>
-              </a:ext>
-            </a:extLst>
-          </p:cNvPr>
-          <p:cNvSpPr>
-            <a:spLocks noGrp="1"/>
-          </p:cNvSpPr>
-          <p:nvPr>
-            <p:ph idx="1"/>
-          </p:nvPr>
-        </p:nvSpPr>
-        <p:spPr/>
-        <p:txBody>
-          <a:bodyPr>
-            <a:normAutofit/>
-          </a:bodyPr>
-          <a:lstStyle/>
-          <a:p>
-            <a:r>
-              <a:rPr lang="en-IN" b="1">
-                <a:solidFill>
-                  <a:srgbClr val="002060"/>
-                </a:solidFill>
-              </a:rPr>
-              <a:t>P1: </a:t>
-            </a:r>
-            <a:r>
-              <a:rPr lang="en-IN" b="1" err="1">
-                <a:solidFill>
-                  <a:srgbClr val="002060"/>
-                </a:solidFill>
-              </a:rPr>
-              <a:t>NKGPowerFlow</a:t>
-            </a:r>
-            <a:r>
-              <a:rPr lang="en-IN" b="1">
-                <a:solidFill>
-                  <a:srgbClr val="002060"/>
-                </a:solidFill>
-              </a:rPr>
-              <a:t> </a:t>
-            </a:r>
-            <a:r>
-              <a:rPr lang="en-IN"/>
-              <a:t>(contd.)</a:t>
-            </a:r>
-          </a:p>
-          <a:p>
-            <a:pPr lvl="1"/>
-            <a:r>
-              <a:rPr lang="en-IN" i="1" err="1"/>
-              <a:t>displayPowerFlowResults</a:t>
-            </a:r>
-            <a:r>
-              <a:rPr lang="en-IN" i="1"/>
-              <a:t>: </a:t>
-            </a:r>
-            <a:r>
-              <a:rPr lang="en-IN"/>
-              <a:t>A neat table containing [V, delta, P, Q] with easy to see rows called as ‘Bus 01’, ‘Bus 02’ …</a:t>
-            </a:r>
-          </a:p>
-          <a:p>
-            <a:pPr lvl="1"/>
-            <a:r>
-              <a:rPr lang="en-IN" i="1" err="1"/>
-              <a:t>plotPowerFlowResults</a:t>
-            </a:r>
-            <a:r>
-              <a:rPr lang="en-IN" i="1"/>
-              <a:t>: </a:t>
-            </a:r>
-            <a:r>
-              <a:rPr lang="en-IN"/>
-              <a:t>Compare your own results to the results in the CDF file, via two plots:</a:t>
-            </a:r>
-          </a:p>
-          <a:p>
-            <a:pPr lvl="2"/>
-            <a:r>
-              <a:rPr lang="en-IN"/>
-              <a:t>Relative percentage difference in </a:t>
-            </a:r>
-            <a:r>
-              <a:rPr lang="en-IN" err="1"/>
-              <a:t>pu</a:t>
-            </a:r>
-            <a:r>
-              <a:rPr lang="en-IN"/>
-              <a:t> Voltages</a:t>
-            </a:r>
-          </a:p>
-          <a:p>
-            <a:pPr lvl="2"/>
-            <a:r>
-              <a:rPr lang="en-IN"/>
-              <a:t>absolute difference in delta values.</a:t>
-            </a:r>
-          </a:p>
-          <a:p>
-            <a:r>
-              <a:rPr lang="en-IN">
-                <a:solidFill>
-                  <a:srgbClr val="C00000"/>
-                </a:solidFill>
-              </a:rPr>
-              <a:t>Caveat: Bus Switching is optional for evaluation, though in general not implementing it for bigger systems will lead to incorrect outcomes or even divergence.</a:t>
-            </a:r>
-          </a:p>
-          <a:p>
-            <a:endParaRPr lang="en-IN" b="1">
-              <a:solidFill>
-                <a:srgbClr val="002060"/>
-              </a:solidFill>
-            </a:endParaRPr>
-          </a:p>
-        </p:txBody>
-      </p:sp>
-    </p:spTree>
-    <p:extLst>
-      <p:ext uri="{BB962C8B-B14F-4D97-AF65-F5344CB8AC3E}">
-        <p14:creationId xmlns:p14="http://schemas.microsoft.com/office/powerpoint/2010/main" val="3009292720"/>
       </p:ext>
     </p:extLst>
   </p:cSld>
@@ -15921,346 +16894,241 @@
         <p:spPr/>
         <p:txBody>
           <a:bodyPr>
-            <a:normAutofit fontScale="70000" lnSpcReduction="20000"/>
+            <a:normAutofit fontScale="92500" lnSpcReduction="10000"/>
           </a:bodyPr>
           <a:lstStyle/>
           <a:p>
             <a:r>
               <a:rPr lang="en-IN" b="1">
                 <a:solidFill>
-                  <a:schemeClr val="bg2">
-                    <a:lumMod val="50000"/>
-                  </a:schemeClr>
+                  <a:srgbClr val="002060"/>
                 </a:solidFill>
               </a:rPr>
-              <a:t>P2: </a:t>
+              <a:t>P1: </a:t>
             </a:r>
             <a:r>
               <a:rPr lang="en-IN" b="1" err="1">
                 <a:solidFill>
-                  <a:schemeClr val="bg2">
-                    <a:lumMod val="50000"/>
-                  </a:schemeClr>
+                  <a:srgbClr val="002060"/>
                 </a:solidFill>
               </a:rPr>
-              <a:t>NKGSparsePowerFlow</a:t>
+              <a:t>NKGPowerFlow</a:t>
             </a:r>
             <a:endParaRPr lang="en-IN" b="1">
               <a:solidFill>
-                <a:schemeClr val="bg2">
-                  <a:lumMod val="50000"/>
-                </a:schemeClr>
+                <a:srgbClr val="002060"/>
               </a:solidFill>
             </a:endParaRPr>
           </a:p>
           <a:p>
+            <a:pPr lvl="1"/>
+            <a:r>
+              <a:rPr lang="en-IN" i="1" err="1"/>
+              <a:t>constructYBus</a:t>
+            </a:r>
+            <a:endParaRPr lang="en-IN" i="1"/>
+          </a:p>
+          <a:p>
+            <a:pPr lvl="1"/>
+            <a:r>
+              <a:rPr lang="en-IN" i="1" err="1"/>
+              <a:t>solveUsingPowerFlow</a:t>
+            </a:r>
             <a:r>
               <a:rPr lang="en-IN"/>
-              <a:t>Need to rethink all implementations (check Caveat).</a:t>
-            </a:r>
-          </a:p>
-          <a:p>
+              <a:t>: NRPF/FDPF  We can make it work for both </a:t>
+            </a:r>
+            <a:r>
+              <a:rPr lang="en-IN" err="1"/>
+              <a:t>powerFlowMethods</a:t>
+            </a:r>
             <a:r>
               <a:rPr lang="en-IN"/>
-              <a:t>function</a:t>
+              <a:t>: “NRPF” or “FDPF”.</a:t>
+            </a:r>
+          </a:p>
+          <a:p>
+            <a:pPr lvl="2"/>
+            <a:r>
+              <a:rPr lang="en-IN" i="1" err="1"/>
+              <a:t>initializeVectors</a:t>
             </a:r>
             <a:r>
               <a:rPr lang="en-IN" i="1"/>
-              <a:t> [</a:t>
-            </a:r>
+              <a:t>: </a:t>
+            </a:r>
+            <a:r>
+              <a:rPr lang="en-IN"/>
+              <a:t>Handy function which reads [</a:t>
+            </a:r>
+            <a:r>
+              <a:rPr lang="en-IN" err="1"/>
+              <a:t>busData</a:t>
+            </a:r>
+            <a:r>
+              <a:rPr lang="en-IN"/>
+              <a:t>, </a:t>
+            </a:r>
+            <a:r>
+              <a:rPr lang="en-IN" err="1"/>
+              <a:t>branchData</a:t>
+            </a:r>
+            <a:r>
+              <a:rPr lang="en-IN"/>
+              <a:t>] and can retrieve highly used parameter values like </a:t>
+            </a:r>
+            <a:r>
+              <a:rPr lang="en-IN" err="1"/>
+              <a:t>listOfPVBuses</a:t>
+            </a:r>
+            <a:r>
+              <a:rPr lang="en-IN"/>
+              <a:t>, </a:t>
+            </a:r>
+            <a:r>
+              <a:rPr lang="en-IN" err="1"/>
+              <a:t>nPQ</a:t>
+            </a:r>
+            <a:r>
+              <a:rPr lang="en-IN"/>
+              <a:t> (#PQ Buses), </a:t>
+            </a:r>
+            <a:r>
+              <a:rPr lang="en-IN" err="1"/>
+              <a:t>PSpecified</a:t>
+            </a:r>
+            <a:r>
+              <a:rPr lang="en-IN"/>
+              <a:t>, etc.</a:t>
+            </a:r>
+          </a:p>
+          <a:p>
+            <a:pPr lvl="2"/>
             <a:r>
               <a:rPr lang="en-IN" i="1" err="1"/>
-              <a:t>nnzYBus</a:t>
+              <a:t>computeBusInjections</a:t>
             </a:r>
             <a:r>
               <a:rPr lang="en-IN" i="1"/>
-              <a:t>, </a:t>
+              <a:t>: calculate </a:t>
             </a:r>
             <a:r>
               <a:rPr lang="en-IN" i="1" err="1"/>
-              <a:t>NYBus</a:t>
+              <a:t>P_i</a:t>
             </a:r>
             <a:r>
               <a:rPr lang="en-IN" i="1"/>
-              <a:t>] = </a:t>
+              <a:t> and </a:t>
             </a:r>
             <a:r>
               <a:rPr lang="en-IN" i="1" err="1"/>
-              <a:t>makeSparseYBus</a:t>
-            </a:r>
-            <a:r>
-              <a:rPr lang="en-IN" i="1"/>
-              <a:t>(</a:t>
-            </a:r>
+              <a:t>Q_i</a:t>
+            </a:r>
+            <a:endParaRPr lang="en-IN" i="1"/>
+          </a:p>
+          <a:p>
+            <a:pPr lvl="2"/>
             <a:r>
               <a:rPr lang="en-IN" i="1" err="1"/>
-              <a:t>busData</a:t>
-            </a:r>
-            <a:r>
-              <a:rPr lang="en-IN" i="1"/>
-              <a:t>, </a:t>
-            </a:r>
+              <a:t>computeMismatches</a:t>
+            </a:r>
+            <a:r>
+              <a:rPr lang="en-IN"/>
+              <a:t>: NRPF/FDPF a simple function which calculates mismatches (for every Powerflow iteration) by first computing power injections. Helpful in creation of diagonal Jacobian elements too.</a:t>
+            </a:r>
+          </a:p>
+          <a:p>
+            <a:pPr lvl="2"/>
             <a:r>
               <a:rPr lang="en-IN" i="1" err="1"/>
-              <a:t>branchData</a:t>
-            </a:r>
-            <a:r>
-              <a:rPr lang="en-IN" i="1"/>
-              <a:t>)</a:t>
-            </a:r>
-          </a:p>
-          <a:p>
-            <a:pPr lvl="1"/>
-            <a:r>
-              <a:rPr lang="en-IN" i="1"/>
-              <a:t>[</a:t>
-            </a:r>
+              <a:t>constructJacobian</a:t>
+            </a:r>
+            <a:r>
+              <a:rPr lang="en-IN"/>
+              <a:t>: NRPF/FDPF Compute J11, J22 (and J12, J21 and J in case of NRPF)</a:t>
+            </a:r>
+          </a:p>
+          <a:p>
+            <a:pPr lvl="2"/>
             <a:r>
               <a:rPr lang="en-IN" i="1" err="1"/>
-              <a:t>iYBus</a:t>
-            </a:r>
-            <a:r>
-              <a:rPr lang="en-IN" i="1"/>
-              <a:t>, </a:t>
-            </a:r>
-            <a:r>
-              <a:rPr lang="en-IN" i="1" err="1"/>
-              <a:t>jYBus</a:t>
-            </a:r>
-            <a:r>
-              <a:rPr lang="en-IN" i="1"/>
-              <a:t>, </a:t>
-            </a:r>
-            <a:r>
-              <a:rPr lang="en-IN" i="1" err="1"/>
-              <a:t>valYBus</a:t>
-            </a:r>
-            <a:r>
-              <a:rPr lang="en-IN" i="1"/>
-              <a:t>] = </a:t>
-            </a:r>
-            <a:r>
-              <a:rPr lang="en-IN" i="1" err="1"/>
-              <a:t>constructSparseYBusTable</a:t>
-            </a:r>
-            <a:r>
-              <a:rPr lang="en-IN" i="1"/>
-              <a:t>(</a:t>
-            </a:r>
-            <a:r>
-              <a:rPr lang="en-IN" i="1" err="1"/>
-              <a:t>busData</a:t>
-            </a:r>
-            <a:r>
-              <a:rPr lang="en-IN" i="1"/>
-              <a:t>, </a:t>
-            </a:r>
-            <a:r>
-              <a:rPr lang="en-IN" i="1" err="1"/>
-              <a:t>branchData</a:t>
-            </a:r>
-            <a:r>
-              <a:rPr lang="en-IN" i="1"/>
-              <a:t>)</a:t>
-            </a:r>
-          </a:p>
-          <a:p>
-            <a:pPr lvl="1"/>
-            <a:r>
-              <a:rPr lang="en-IN" i="1"/>
-              <a:t>[</a:t>
-            </a:r>
-            <a:r>
-              <a:rPr lang="en-IN" i="1" err="1"/>
-              <a:t>nnz</a:t>
-            </a:r>
-            <a:r>
-              <a:rPr lang="en-IN" i="1"/>
-              <a:t>, N] = </a:t>
-            </a:r>
-            <a:r>
-              <a:rPr lang="en-IN" i="1" err="1"/>
-              <a:t>sparmat</a:t>
-            </a:r>
-            <a:r>
-              <a:rPr lang="en-IN" i="1"/>
-              <a:t>([</a:t>
-            </a:r>
-            <a:r>
-              <a:rPr lang="en-IN" i="1" err="1"/>
-              <a:t>i</a:t>
-            </a:r>
-            <a:r>
-              <a:rPr lang="en-IN" i="1"/>
-              <a:t>, j, </a:t>
-            </a:r>
-            <a:r>
-              <a:rPr lang="en-IN" i="1" err="1"/>
-              <a:t>val</a:t>
-            </a:r>
-            <a:r>
-              <a:rPr lang="en-IN" i="1"/>
-              <a:t>])</a:t>
-            </a:r>
-          </a:p>
-          <a:p>
+              <a:t>solveUsingLU</a:t>
+            </a:r>
             <a:r>
               <a:rPr lang="en-IN"/>
-              <a:t>function </a:t>
-            </a:r>
-            <a:r>
-              <a:rPr lang="en-IN" i="1"/>
-              <a:t>[</a:t>
-            </a:r>
-            <a:r>
-              <a:rPr lang="en-IN" i="1" err="1"/>
-              <a:t>deltaP</a:t>
-            </a:r>
-            <a:r>
-              <a:rPr lang="en-IN" i="1"/>
-              <a:t>, </a:t>
-            </a:r>
-            <a:r>
-              <a:rPr lang="en-IN" i="1" err="1"/>
-              <a:t>deltaQ</a:t>
-            </a:r>
-            <a:r>
-              <a:rPr lang="en-IN" i="1"/>
-              <a:t>] = </a:t>
-            </a:r>
-            <a:r>
-              <a:rPr lang="en-IN" i="1" err="1"/>
-              <a:t>computeMismatchesViaSparseYBus</a:t>
-            </a:r>
-            <a:r>
-              <a:rPr lang="en-IN" i="1"/>
-              <a:t>(</a:t>
-            </a:r>
-            <a:r>
-              <a:rPr lang="en-IN" i="1" err="1"/>
-              <a:t>nnzYBus</a:t>
-            </a:r>
-            <a:r>
-              <a:rPr lang="en-IN" i="1"/>
-              <a:t>, </a:t>
-            </a:r>
-            <a:r>
-              <a:rPr lang="en-IN" i="1" err="1"/>
-              <a:t>NYBus</a:t>
-            </a:r>
-            <a:r>
-              <a:rPr lang="en-IN" i="1"/>
-              <a:t>, ..)</a:t>
-            </a:r>
-          </a:p>
-          <a:p>
-            <a:r>
-              <a:rPr lang="en-IN" i="1"/>
-              <a:t>function [</a:t>
-            </a:r>
-            <a:r>
-              <a:rPr lang="en-IN" i="1" err="1"/>
-              <a:t>nnzJ</a:t>
-            </a:r>
-            <a:r>
-              <a:rPr lang="en-IN" i="1"/>
-              <a:t>, NJ] = </a:t>
-            </a:r>
-            <a:r>
-              <a:rPr lang="en-IN" i="1" err="1"/>
-              <a:t>constructSparseJacobian</a:t>
-            </a:r>
-            <a:r>
-              <a:rPr lang="en-IN" i="1"/>
-              <a:t>(</a:t>
-            </a:r>
-            <a:r>
-              <a:rPr lang="en-IN" i="1" err="1"/>
-              <a:t>nnzYBus</a:t>
-            </a:r>
-            <a:r>
-              <a:rPr lang="en-IN" i="1"/>
-              <a:t>, </a:t>
-            </a:r>
-            <a:r>
-              <a:rPr lang="en-IN" i="1" err="1"/>
-              <a:t>NYBus</a:t>
-            </a:r>
-            <a:r>
-              <a:rPr lang="en-IN" i="1"/>
-              <a:t>, …)</a:t>
-            </a:r>
-          </a:p>
-          <a:p>
-            <a:r>
-              <a:rPr lang="en-IN" i="1"/>
-              <a:t>[</a:t>
-            </a:r>
-            <a:r>
-              <a:rPr lang="en-IN" i="1" err="1"/>
-              <a:t>nnzL</a:t>
-            </a:r>
-            <a:r>
-              <a:rPr lang="en-IN" i="1"/>
-              <a:t>, NL, </a:t>
-            </a:r>
-            <a:r>
-              <a:rPr lang="en-IN" i="1" err="1"/>
-              <a:t>nnzU</a:t>
-            </a:r>
-            <a:r>
-              <a:rPr lang="en-IN" i="1"/>
-              <a:t>, NU] = </a:t>
-            </a:r>
-            <a:r>
-              <a:rPr lang="en-IN" i="1" err="1"/>
-              <a:t>factorizeSparseLU</a:t>
-            </a:r>
-            <a:r>
-              <a:rPr lang="en-IN" i="1"/>
-              <a:t>(</a:t>
-            </a:r>
-            <a:r>
-              <a:rPr lang="en-IN" i="1" err="1"/>
-              <a:t>nnzJ</a:t>
-            </a:r>
-            <a:r>
-              <a:rPr lang="en-IN" i="1"/>
-              <a:t>, NJ)</a:t>
-            </a:r>
-          </a:p>
-          <a:p>
-            <a:pPr lvl="1"/>
-            <a:r>
-              <a:rPr lang="en-IN" i="1" err="1"/>
-              <a:t>updateSparseMatrix</a:t>
+              <a:t>: Using given Jacobian (J11/J) and mismatch vector (</a:t>
+            </a:r>
+            <a:r>
+              <a:rPr lang="en-IN" err="1"/>
+              <a:t>delP</a:t>
+            </a:r>
+            <a:r>
+              <a:rPr lang="en-IN"/>
+              <a:t>/[</a:t>
+            </a:r>
+            <a:r>
+              <a:rPr lang="en-IN" err="1"/>
+              <a:t>delP</a:t>
+            </a:r>
+            <a:r>
+              <a:rPr lang="en-IN"/>
+              <a:t>; </a:t>
+            </a:r>
+            <a:r>
+              <a:rPr lang="en-IN" err="1"/>
+              <a:t>delQ</a:t>
+            </a:r>
+            <a:r>
+              <a:rPr lang="en-IN"/>
+              <a:t>]), compute correction vector (</a:t>
+            </a:r>
+            <a:r>
+              <a:rPr lang="en-IN" err="1"/>
+              <a:t>delDelta</a:t>
+            </a:r>
+            <a:r>
+              <a:rPr lang="en-IN"/>
+              <a:t>/[</a:t>
+            </a:r>
+            <a:r>
+              <a:rPr lang="en-IN" err="1"/>
+              <a:t>delDeltas</a:t>
+            </a:r>
+            <a:r>
+              <a:rPr lang="en-IN"/>
+              <a:t>; </a:t>
+            </a:r>
+            <a:r>
+              <a:rPr lang="en-IN" err="1"/>
+              <a:t>delV</a:t>
+            </a:r>
+            <a:r>
+              <a:rPr lang="en-IN"/>
+              <a:t>]).</a:t>
+            </a:r>
+          </a:p>
+          <a:p>
+            <a:pPr lvl="3"/>
+            <a:r>
+              <a:rPr lang="en-IN" err="1"/>
+              <a:t>solveUsingForwardSubstitution</a:t>
+            </a:r>
+            <a:endParaRPr lang="en-IN"/>
+          </a:p>
+          <a:p>
+            <a:pPr lvl="3"/>
+            <a:r>
+              <a:rPr lang="en-IN" err="1"/>
+              <a:t>solveUsingBackwardSubstituion</a:t>
             </a:r>
             <a:endParaRPr lang="en-IN" i="1"/>
-          </a:p>
-          <a:p>
-            <a:pPr lvl="1"/>
-            <a:r>
-              <a:rPr lang="en-IN" i="1" err="1"/>
-              <a:t>computeSparseTriangularProduct</a:t>
-            </a:r>
-            <a:endParaRPr lang="en-IN" i="1"/>
-          </a:p>
-          <a:p>
-            <a:r>
-              <a:rPr lang="en-IN">
-                <a:solidFill>
-                  <a:srgbClr val="C00000"/>
-                </a:solidFill>
-              </a:rPr>
-              <a:t>Caveat: My own implementations were awkward. They were not adaptive to new inputs (i.e. they required all of the sparse inputs to be stated up front, no mechanism to make updates to existing sparse data structures). This later led to complications for performing even simple algorithms like LU Factorization (which is the last requirement as far as evaluation is concerned).</a:t>
-            </a:r>
           </a:p>
         </p:txBody>
       </p:sp>
     </p:spTree>
     <p:extLst>
       <p:ext uri="{BB962C8B-B14F-4D97-AF65-F5344CB8AC3E}">
-        <p14:creationId xmlns:p14="http://schemas.microsoft.com/office/powerpoint/2010/main" val="943132824"/>
+        <p14:creationId xmlns:p14="http://schemas.microsoft.com/office/powerpoint/2010/main" val="2074898235"/>
       </p:ext>
     </p:extLst>
   </p:cSld>
@@ -16341,30 +17209,10 @@
             <a:r>
               <a:rPr lang="en-IN" b="1">
                 <a:solidFill>
-                  <a:srgbClr val="FF0000"/>
+                  <a:srgbClr val="002060"/>
                 </a:solidFill>
               </a:rPr>
-              <a:t>P3: </a:t>
-            </a:r>
-            <a:r>
-              <a:rPr lang="en-IN" b="1" err="1">
-                <a:solidFill>
-                  <a:srgbClr val="FF0000"/>
-                </a:solidFill>
-              </a:rPr>
-              <a:t>NKGContinuationPowerFlow</a:t>
-            </a:r>
-            <a:endParaRPr lang="en-IN" b="1">
-              <a:solidFill>
-                <a:srgbClr val="FF0000"/>
-              </a:solidFill>
-            </a:endParaRPr>
-          </a:p>
-          <a:p>
-            <a:pPr lvl="1"/>
-            <a:r>
-              <a:rPr lang="en-IN"/>
-              <a:t>Dependencies: </a:t>
+              <a:t>P1: </a:t>
             </a:r>
             <a:r>
               <a:rPr lang="en-IN" b="1" err="1">
@@ -16375,85 +17223,93 @@
               <a:t>NKGPowerFlow</a:t>
             </a:r>
             <a:r>
+              <a:rPr lang="en-IN" b="1">
+                <a:solidFill>
+                  <a:srgbClr val="002060"/>
+                </a:solidFill>
+              </a:rPr>
+              <a:t> </a:t>
+            </a:r>
+            <a:r>
               <a:rPr lang="en-IN"/>
+              <a:t>(contd.)</a:t>
+            </a:r>
+          </a:p>
+          <a:p>
+            <a:pPr lvl="1"/>
+            <a:r>
+              <a:rPr lang="en-IN" i="1" err="1"/>
+              <a:t>displayPowerFlowResults</a:t>
+            </a:r>
+            <a:r>
+              <a:rPr lang="en-IN" i="1"/>
               <a:t>: </a:t>
             </a:r>
             <a:r>
+              <a:rPr lang="en-IN"/>
+              <a:t>A neat table containing [V, delta, P, Q] with easy to see rows called as ‘Bus 01’, ‘Bus 02’ …</a:t>
+            </a:r>
+          </a:p>
+          <a:p>
+            <a:pPr lvl="1"/>
+            <a:r>
               <a:rPr lang="en-IN" i="1" err="1"/>
-              <a:t>initializeVectors</a:t>
+              <a:t>plotPowerFlowResults</a:t>
+            </a:r>
+            <a:r>
+              <a:rPr lang="en-IN" i="1"/>
+              <a:t>: </a:t>
             </a:r>
             <a:r>
               <a:rPr lang="en-IN"/>
-              <a:t>, </a:t>
-            </a:r>
-            <a:r>
-              <a:rPr lang="en-IN" i="1" err="1"/>
-              <a:t>computeBusInjections</a:t>
-            </a:r>
-            <a:r>
-              <a:rPr lang="en-IN" i="1"/>
-              <a:t>,  </a:t>
-            </a:r>
-            <a:r>
-              <a:rPr lang="en-IN" i="1" err="1"/>
-              <a:t>solveUsingLU</a:t>
-            </a:r>
-            <a:endParaRPr lang="en-IN" i="1"/>
-          </a:p>
-          <a:p>
-            <a:pPr lvl="1"/>
+              <a:t>Compare your own results to the results in the CDF file, via two plots:</a:t>
+            </a:r>
+          </a:p>
+          <a:p>
+            <a:pPr lvl="2"/>
             <a:r>
               <a:rPr lang="en-IN"/>
-              <a:t>A few more functions, like </a:t>
-            </a:r>
-            <a:r>
-              <a:rPr lang="en-IN" i="1" err="1"/>
-              <a:t>PredictorFunction</a:t>
-            </a:r>
-            <a:r>
-              <a:rPr lang="en-IN" i="1"/>
-              <a:t> </a:t>
+              <a:t>Relative percentage difference in </a:t>
+            </a:r>
+            <a:r>
+              <a:rPr lang="en-IN" err="1"/>
+              <a:t>pu</a:t>
             </a:r>
             <a:r>
               <a:rPr lang="en-IN"/>
-              <a:t>and </a:t>
-            </a:r>
-            <a:r>
-              <a:rPr lang="en-IN" i="1" err="1"/>
-              <a:t>CorrectorFunction</a:t>
-            </a:r>
+              <a:t> Voltages</a:t>
+            </a:r>
+          </a:p>
+          <a:p>
+            <a:pPr lvl="2"/>
             <a:r>
               <a:rPr lang="en-IN"/>
-              <a:t> </a:t>
-            </a:r>
-            <a:r>
-              <a:rPr lang="en-IN" sz="1600"/>
-              <a:t>(I just refactored a whole script by my project team mate, so for me it’s still in just one script, not too long.)</a:t>
-            </a:r>
-            <a:endParaRPr lang="en-IN"/>
-          </a:p>
-          <a:p>
-            <a:pPr lvl="1"/>
-            <a:r>
-              <a:rPr lang="en-IN" i="1" err="1"/>
-              <a:t>plotCPFPlots</a:t>
-            </a:r>
-            <a:endParaRPr lang="en-IN" i="1"/>
-          </a:p>
-          <a:p>
-            <a:pPr lvl="1"/>
-            <a:r>
-              <a:rPr lang="en-IN" i="1" err="1"/>
-              <a:t>displayCPFResults</a:t>
-            </a:r>
-            <a:endParaRPr lang="en-IN" i="1"/>
+              <a:t>absolute difference in delta values.</a:t>
+            </a:r>
+          </a:p>
+          <a:p>
+            <a:r>
+              <a:rPr lang="en-IN">
+                <a:solidFill>
+                  <a:srgbClr val="C00000"/>
+                </a:solidFill>
+              </a:rPr>
+              <a:t>Caveat: Bus Switching is optional for evaluation, though in general not implementing it for bigger systems will lead to incorrect outcomes or even divergence.</a:t>
+            </a:r>
+          </a:p>
+          <a:p>
+            <a:endParaRPr lang="en-IN" b="1">
+              <a:solidFill>
+                <a:srgbClr val="002060"/>
+              </a:solidFill>
+            </a:endParaRPr>
           </a:p>
         </p:txBody>
       </p:sp>
     </p:spTree>
     <p:extLst>
       <p:ext uri="{BB962C8B-B14F-4D97-AF65-F5344CB8AC3E}">
-        <p14:creationId xmlns:p14="http://schemas.microsoft.com/office/powerpoint/2010/main" val="2938050309"/>
+        <p14:creationId xmlns:p14="http://schemas.microsoft.com/office/powerpoint/2010/main" val="3009292720"/>
       </p:ext>
     </p:extLst>
   </p:cSld>
@@ -16527,34 +17383,34 @@
         <p:spPr/>
         <p:txBody>
           <a:bodyPr>
-            <a:normAutofit/>
+            <a:normAutofit fontScale="70000" lnSpcReduction="20000"/>
           </a:bodyPr>
           <a:lstStyle/>
           <a:p>
             <a:r>
               <a:rPr lang="en-IN" b="1">
                 <a:solidFill>
-                  <a:schemeClr val="accent6">
-                    <a:lumMod val="75000"/>
+                  <a:schemeClr val="bg2">
+                    <a:lumMod val="50000"/>
                   </a:schemeClr>
                 </a:solidFill>
               </a:rPr>
-              <a:t>P4: </a:t>
+              <a:t>P2: </a:t>
             </a:r>
             <a:r>
               <a:rPr lang="en-IN" b="1" err="1">
                 <a:solidFill>
-                  <a:schemeClr val="accent6">
-                    <a:lumMod val="75000"/>
+                  <a:schemeClr val="bg2">
+                    <a:lumMod val="50000"/>
                   </a:schemeClr>
                 </a:solidFill>
               </a:rPr>
-              <a:t>NKGStateEstimation</a:t>
+              <a:t>NKGSparsePowerFlow</a:t>
             </a:r>
             <a:endParaRPr lang="en-IN" b="1">
               <a:solidFill>
-                <a:schemeClr val="accent6">
-                  <a:lumMod val="75000"/>
+                <a:schemeClr val="bg2">
+                  <a:lumMod val="50000"/>
                 </a:schemeClr>
               </a:solidFill>
             </a:endParaRPr>
@@ -16562,54 +17418,311 @@
           <a:p>
             <a:r>
               <a:rPr lang="en-IN"/>
-              <a:t>(My project partner completely did it.)</a:t>
+              <a:t>Need to rethink all implementations (check Caveat).</a:t>
             </a:r>
           </a:p>
           <a:p>
             <a:r>
               <a:rPr lang="en-IN"/>
-              <a:t>Requires Powerflow results from </a:t>
-            </a:r>
-            <a:r>
-              <a:rPr lang="en-IN" b="1">
+              <a:t>function</a:t>
+            </a:r>
+            <a:r>
+              <a:rPr lang="en-IN" i="1"/>
+              <a:t> [</a:t>
+            </a:r>
+            <a:r>
+              <a:rPr lang="en-IN" i="1" err="1"/>
+              <a:t>nnzYBus</a:t>
+            </a:r>
+            <a:r>
+              <a:rPr lang="en-IN" i="1"/>
+              <a:t>, </a:t>
+            </a:r>
+            <a:r>
+              <a:rPr lang="en-IN" i="1" err="1"/>
+              <a:t>NYBus</a:t>
+            </a:r>
+            <a:r>
+              <a:rPr lang="en-IN" i="1"/>
+              <a:t>] = </a:t>
+            </a:r>
+            <a:r>
+              <a:rPr lang="en-IN" i="1" err="1"/>
+              <a:t>makeSparseYBus</a:t>
+            </a:r>
+            <a:r>
+              <a:rPr lang="en-IN" i="1"/>
+              <a:t>(</a:t>
+            </a:r>
+            <a:r>
+              <a:rPr lang="en-IN" i="1" err="1"/>
+              <a:t>busData</a:t>
+            </a:r>
+            <a:r>
+              <a:rPr lang="en-IN" i="1"/>
+              <a:t>, </a:t>
+            </a:r>
+            <a:r>
+              <a:rPr lang="en-IN" i="1" err="1"/>
+              <a:t>branchData</a:t>
+            </a:r>
+            <a:r>
+              <a:rPr lang="en-IN" i="1"/>
+              <a:t>)</a:t>
+            </a:r>
+          </a:p>
+          <a:p>
+            <a:pPr lvl="1"/>
+            <a:r>
+              <a:rPr lang="en-IN" i="1"/>
+              <a:t>[</a:t>
+            </a:r>
+            <a:r>
+              <a:rPr lang="en-IN" i="1" err="1"/>
+              <a:t>iYBus</a:t>
+            </a:r>
+            <a:r>
+              <a:rPr lang="en-IN" i="1"/>
+              <a:t>, </a:t>
+            </a:r>
+            <a:r>
+              <a:rPr lang="en-IN" i="1" err="1"/>
+              <a:t>jYBus</a:t>
+            </a:r>
+            <a:r>
+              <a:rPr lang="en-IN" i="1"/>
+              <a:t>, </a:t>
+            </a:r>
+            <a:r>
+              <a:rPr lang="en-IN" i="1" err="1"/>
+              <a:t>valYBus</a:t>
+            </a:r>
+            <a:r>
+              <a:rPr lang="en-IN" i="1"/>
+              <a:t>] = </a:t>
+            </a:r>
+            <a:r>
+              <a:rPr lang="en-IN" i="1" err="1"/>
+              <a:t>constructSparseYBusTable</a:t>
+            </a:r>
+            <a:r>
+              <a:rPr lang="en-IN" i="1"/>
+              <a:t>(</a:t>
+            </a:r>
+            <a:r>
+              <a:rPr lang="en-IN" i="1" err="1"/>
+              <a:t>busData</a:t>
+            </a:r>
+            <a:r>
+              <a:rPr lang="en-IN" i="1"/>
+              <a:t>, </a:t>
+            </a:r>
+            <a:r>
+              <a:rPr lang="en-IN" i="1" err="1"/>
+              <a:t>branchData</a:t>
+            </a:r>
+            <a:r>
+              <a:rPr lang="en-IN" i="1"/>
+              <a:t>)</a:t>
+            </a:r>
+          </a:p>
+          <a:p>
+            <a:pPr lvl="1"/>
+            <a:r>
+              <a:rPr lang="en-IN" i="1"/>
+              <a:t>[</a:t>
+            </a:r>
+            <a:r>
+              <a:rPr lang="en-IN" i="1" err="1"/>
+              <a:t>nnz</a:t>
+            </a:r>
+            <a:r>
+              <a:rPr lang="en-IN" i="1"/>
+              <a:t>, N] = </a:t>
+            </a:r>
+            <a:r>
+              <a:rPr lang="en-IN" i="1" err="1"/>
+              <a:t>sparmat</a:t>
+            </a:r>
+            <a:r>
+              <a:rPr lang="en-IN" i="1"/>
+              <a:t>([</a:t>
+            </a:r>
+            <a:r>
+              <a:rPr lang="en-IN" i="1" err="1"/>
+              <a:t>i</a:t>
+            </a:r>
+            <a:r>
+              <a:rPr lang="en-IN" i="1"/>
+              <a:t>, j, </a:t>
+            </a:r>
+            <a:r>
+              <a:rPr lang="en-IN" i="1" err="1"/>
+              <a:t>val</a:t>
+            </a:r>
+            <a:r>
+              <a:rPr lang="en-IN" i="1"/>
+              <a:t>])</a:t>
+            </a:r>
+          </a:p>
+          <a:p>
+            <a:r>
+              <a:rPr lang="en-IN"/>
+              <a:t>function </a:t>
+            </a:r>
+            <a:r>
+              <a:rPr lang="en-IN" i="1"/>
+              <a:t>[</a:t>
+            </a:r>
+            <a:r>
+              <a:rPr lang="en-IN" i="1" err="1"/>
+              <a:t>deltaP</a:t>
+            </a:r>
+            <a:r>
+              <a:rPr lang="en-IN" i="1"/>
+              <a:t>, </a:t>
+            </a:r>
+            <a:r>
+              <a:rPr lang="en-IN" i="1" err="1"/>
+              <a:t>deltaQ</a:t>
+            </a:r>
+            <a:r>
+              <a:rPr lang="en-IN" i="1"/>
+              <a:t>] = </a:t>
+            </a:r>
+            <a:r>
+              <a:rPr lang="en-IN" i="1" err="1"/>
+              <a:t>computeMismatchesViaSparseYBus</a:t>
+            </a:r>
+            <a:r>
+              <a:rPr lang="en-IN" i="1"/>
+              <a:t>(</a:t>
+            </a:r>
+            <a:r>
+              <a:rPr lang="en-IN" i="1" err="1"/>
+              <a:t>nnzYBus</a:t>
+            </a:r>
+            <a:r>
+              <a:rPr lang="en-IN" i="1"/>
+              <a:t>, </a:t>
+            </a:r>
+            <a:r>
+              <a:rPr lang="en-IN" i="1" err="1"/>
+              <a:t>NYBus</a:t>
+            </a:r>
+            <a:r>
+              <a:rPr lang="en-IN" i="1"/>
+              <a:t>, ..)</a:t>
+            </a:r>
+          </a:p>
+          <a:p>
+            <a:r>
+              <a:rPr lang="en-IN" i="1"/>
+              <a:t>function [</a:t>
+            </a:r>
+            <a:r>
+              <a:rPr lang="en-IN" i="1" err="1"/>
+              <a:t>nnzJ</a:t>
+            </a:r>
+            <a:r>
+              <a:rPr lang="en-IN" i="1"/>
+              <a:t>, NJ] = </a:t>
+            </a:r>
+            <a:r>
+              <a:rPr lang="en-IN" i="1" err="1"/>
+              <a:t>constructSparseJacobian</a:t>
+            </a:r>
+            <a:r>
+              <a:rPr lang="en-IN" i="1"/>
+              <a:t>(</a:t>
+            </a:r>
+            <a:r>
+              <a:rPr lang="en-IN" i="1" err="1"/>
+              <a:t>nnzYBus</a:t>
+            </a:r>
+            <a:r>
+              <a:rPr lang="en-IN" i="1"/>
+              <a:t>, </a:t>
+            </a:r>
+            <a:r>
+              <a:rPr lang="en-IN" i="1" err="1"/>
+              <a:t>NYBus</a:t>
+            </a:r>
+            <a:r>
+              <a:rPr lang="en-IN" i="1"/>
+              <a:t>, …)</a:t>
+            </a:r>
+          </a:p>
+          <a:p>
+            <a:r>
+              <a:rPr lang="en-IN" i="1"/>
+              <a:t>[</a:t>
+            </a:r>
+            <a:r>
+              <a:rPr lang="en-IN" i="1" err="1"/>
+              <a:t>nnzL</a:t>
+            </a:r>
+            <a:r>
+              <a:rPr lang="en-IN" i="1"/>
+              <a:t>, NL, </a:t>
+            </a:r>
+            <a:r>
+              <a:rPr lang="en-IN" i="1" err="1"/>
+              <a:t>nnzU</a:t>
+            </a:r>
+            <a:r>
+              <a:rPr lang="en-IN" i="1"/>
+              <a:t>, NU] = </a:t>
+            </a:r>
+            <a:r>
+              <a:rPr lang="en-IN" i="1" err="1"/>
+              <a:t>factorizeSparseLU</a:t>
+            </a:r>
+            <a:r>
+              <a:rPr lang="en-IN" i="1"/>
+              <a:t>(</a:t>
+            </a:r>
+            <a:r>
+              <a:rPr lang="en-IN" i="1" err="1"/>
+              <a:t>nnzJ</a:t>
+            </a:r>
+            <a:r>
+              <a:rPr lang="en-IN" i="1"/>
+              <a:t>, NJ)</a:t>
+            </a:r>
+          </a:p>
+          <a:p>
+            <a:pPr lvl="1"/>
+            <a:r>
+              <a:rPr lang="en-IN" i="1" err="1"/>
+              <a:t>updateSparseMatrix</a:t>
+            </a:r>
+            <a:endParaRPr lang="en-IN" i="1"/>
+          </a:p>
+          <a:p>
+            <a:pPr lvl="1"/>
+            <a:r>
+              <a:rPr lang="en-IN" i="1" err="1"/>
+              <a:t>computeSparseTriangularProduct</a:t>
+            </a:r>
+            <a:endParaRPr lang="en-IN" i="1"/>
+          </a:p>
+          <a:p>
+            <a:r>
+              <a:rPr lang="en-IN">
                 <a:solidFill>
-                  <a:srgbClr val="002060"/>
+                  <a:srgbClr val="C00000"/>
                 </a:solidFill>
               </a:rPr>
-              <a:t>P1 </a:t>
-            </a:r>
-            <a:r>
-              <a:rPr lang="en-IN"/>
-              <a:t>for branch currents.</a:t>
-            </a:r>
-          </a:p>
-          <a:p>
-            <a:r>
-              <a:rPr lang="en-IN"/>
-              <a:t>Likely requires using a lot of symbolic variables. Although he did it by literally writing out all of the derivative equations.</a:t>
-            </a:r>
-          </a:p>
-          <a:p>
-            <a:r>
-              <a:rPr lang="en-IN"/>
-              <a:t>Then some addition of noise to the currents.</a:t>
-            </a:r>
-          </a:p>
-          <a:p>
-            <a:r>
-              <a:rPr lang="en-IN"/>
-              <a:t>Then formation of H matrix, to be used in an iterative computation.</a:t>
-            </a:r>
-          </a:p>
-          <a:p>
-            <a:endParaRPr lang="en-IN"/>
+              <a:t>Caveat: My own implementations were awkward. They were not adaptive to new inputs (i.e. they required all of the sparse inputs to be stated up front, no mechanism to make updates to existing sparse data structures). This later led to complications for performing even simple algorithms like LU Factorization (which is the last requirement as far as evaluation is concerned).</a:t>
+            </a:r>
           </a:p>
         </p:txBody>
       </p:sp>
     </p:spTree>
     <p:extLst>
       <p:ext uri="{BB962C8B-B14F-4D97-AF65-F5344CB8AC3E}">
-        <p14:creationId xmlns:p14="http://schemas.microsoft.com/office/powerpoint/2010/main" val="1123651161"/>
+        <p14:creationId xmlns:p14="http://schemas.microsoft.com/office/powerpoint/2010/main" val="943132824"/>
       </p:ext>
     </p:extLst>
   </p:cSld>
@@ -16690,45 +17803,30 @@
             <a:r>
               <a:rPr lang="en-IN" b="1">
                 <a:solidFill>
-                  <a:schemeClr val="accent2">
-                    <a:lumMod val="75000"/>
-                  </a:schemeClr>
+                  <a:srgbClr val="FF0000"/>
                 </a:solidFill>
               </a:rPr>
-              <a:t>P5: </a:t>
+              <a:t>P3: </a:t>
             </a:r>
             <a:r>
               <a:rPr lang="en-IN" b="1" err="1">
                 <a:solidFill>
-                  <a:schemeClr val="accent2">
-                    <a:lumMod val="75000"/>
-                  </a:schemeClr>
+                  <a:srgbClr val="FF0000"/>
                 </a:solidFill>
               </a:rPr>
-              <a:t>NKGOptimalPowerFlow</a:t>
+              <a:t>NKGContinuationPowerFlow</a:t>
             </a:r>
             <a:endParaRPr lang="en-IN" b="1">
               <a:solidFill>
-                <a:schemeClr val="accent2">
-                  <a:lumMod val="75000"/>
-                </a:schemeClr>
+                <a:srgbClr val="FF0000"/>
               </a:solidFill>
             </a:endParaRPr>
           </a:p>
           <a:p>
+            <a:pPr lvl="1"/>
             <a:r>
               <a:rPr lang="en-IN"/>
-              <a:t>Dependencies:</a:t>
-            </a:r>
-            <a:r>
-              <a:rPr lang="en-IN" b="1">
-                <a:solidFill>
-                  <a:schemeClr val="accent2">
-                    <a:lumMod val="75000"/>
-                  </a:schemeClr>
-                </a:solidFill>
-              </a:rPr>
-              <a:t> </a:t>
+              <a:t>Dependencies: </a:t>
             </a:r>
             <a:r>
               <a:rPr lang="en-IN" b="1" err="1">
@@ -16752,36 +17850,27 @@
             </a:r>
             <a:r>
               <a:rPr lang="en-IN" i="1" err="1"/>
-              <a:t>constructJacobian</a:t>
+              <a:t>computeBusInjections</a:t>
             </a:r>
             <a:r>
               <a:rPr lang="en-IN" i="1"/>
-              <a:t>, </a:t>
+              <a:t>,  </a:t>
             </a:r>
             <a:r>
               <a:rPr lang="en-IN" i="1" err="1"/>
-              <a:t>solveForPowerFlow</a:t>
-            </a:r>
-            <a:endParaRPr lang="en-IN"/>
-          </a:p>
-          <a:p>
+              <a:t>solveUsingLU</a:t>
+            </a:r>
+            <a:endParaRPr lang="en-IN" i="1"/>
+          </a:p>
+          <a:p>
+            <a:pPr lvl="1"/>
             <a:r>
               <a:rPr lang="en-IN"/>
-              <a:t>Note: Usage of symbolic variables recommended for computation of derivatives and </a:t>
-            </a:r>
-            <a:r>
-              <a:rPr lang="en-IN" err="1"/>
-              <a:t>jacobians</a:t>
-            </a:r>
-            <a:r>
-              <a:rPr lang="en-IN"/>
-              <a:t>.</a:t>
-            </a:r>
-          </a:p>
-          <a:p>
+              <a:t>A few more functions, like </a:t>
+            </a:r>
             <a:r>
               <a:rPr lang="en-IN" i="1" err="1"/>
-              <a:t>solveForEconomicDispatch</a:t>
+              <a:t>PredictorFunction</a:t>
             </a:r>
             <a:r>
               <a:rPr lang="en-IN" i="1"/>
@@ -16789,35 +17878,36 @@
             </a:r>
             <a:r>
               <a:rPr lang="en-IN"/>
-              <a:t>for the first two scenarios</a:t>
-            </a:r>
-          </a:p>
-          <a:p>
+              <a:t>and </a:t>
+            </a:r>
             <a:r>
               <a:rPr lang="en-IN" i="1" err="1"/>
-              <a:t>solveForOPF</a:t>
-            </a:r>
-            <a:r>
-              <a:rPr lang="en-IN" i="1"/>
+              <a:t>CorrectorFunction</a:t>
+            </a:r>
+            <a:r>
+              <a:rPr lang="en-IN"/>
               <a:t> </a:t>
             </a:r>
             <a:r>
-              <a:rPr lang="en-IN"/>
-              <a:t>for the next two scenarios</a:t>
-            </a:r>
+              <a:rPr lang="en-IN" sz="1600"/>
+              <a:t>(I just refactored a whole script by my project team mate, so for me it’s still in just one script, not too long.)</a:t>
+            </a:r>
+            <a:endParaRPr lang="en-IN"/>
           </a:p>
           <a:p>
             <a:pPr lvl="1"/>
             <a:r>
               <a:rPr lang="en-IN" i="1" err="1"/>
-              <a:t>generateSymoblicPowerFlowEquations</a:t>
+              <a:t>plotCPFPlots</a:t>
             </a:r>
             <a:endParaRPr lang="en-IN" i="1"/>
           </a:p>
           <a:p>
-            <a:endParaRPr lang="en-IN" i="1"/>
-          </a:p>
-          <a:p>
+            <a:pPr lvl="1"/>
+            <a:r>
+              <a:rPr lang="en-IN" i="1" err="1"/>
+              <a:t>displayCPFResults</a:t>
+            </a:r>
             <a:endParaRPr lang="en-IN" i="1"/>
           </a:p>
         </p:txBody>
@@ -16825,7 +17915,7 @@
     </p:spTree>
     <p:extLst>
       <p:ext uri="{BB962C8B-B14F-4D97-AF65-F5344CB8AC3E}">
-        <p14:creationId xmlns:p14="http://schemas.microsoft.com/office/powerpoint/2010/main" val="2553337809"/>
+        <p14:creationId xmlns:p14="http://schemas.microsoft.com/office/powerpoint/2010/main" val="2938050309"/>
       </p:ext>
     </p:extLst>
   </p:cSld>
@@ -16880,8 +17970,380 @@
           </a:p>
         </p:txBody>
       </p:sp>
-      <mc:AlternateContent xmlns:mc="http://schemas.openxmlformats.org/markup-compatibility/2006">
-        <mc:Choice xmlns:a14="http://schemas.microsoft.com/office/drawing/2010/main" Requires="a14">
+      <p:sp>
+        <p:nvSpPr>
+          <p:cNvPr id="3" name="Content Placeholder 2">
+            <a:extLst>
+              <a:ext uri="{FF2B5EF4-FFF2-40B4-BE49-F238E27FC236}">
+                <a16:creationId xmlns:a16="http://schemas.microsoft.com/office/drawing/2014/main" id="{B248B06E-0246-4FEF-533A-B0C46C596083}"/>
+              </a:ext>
+            </a:extLst>
+          </p:cNvPr>
+          <p:cNvSpPr>
+            <a:spLocks noGrp="1"/>
+          </p:cNvSpPr>
+          <p:nvPr>
+            <p:ph idx="1"/>
+          </p:nvPr>
+        </p:nvSpPr>
+        <p:spPr/>
+        <p:txBody>
+          <a:bodyPr>
+            <a:normAutofit/>
+          </a:bodyPr>
+          <a:lstStyle/>
+          <a:p>
+            <a:r>
+              <a:rPr lang="en-IN" b="1">
+                <a:solidFill>
+                  <a:schemeClr val="accent6">
+                    <a:lumMod val="75000"/>
+                  </a:schemeClr>
+                </a:solidFill>
+              </a:rPr>
+              <a:t>P4: </a:t>
+            </a:r>
+            <a:r>
+              <a:rPr lang="en-IN" b="1" err="1">
+                <a:solidFill>
+                  <a:schemeClr val="accent6">
+                    <a:lumMod val="75000"/>
+                  </a:schemeClr>
+                </a:solidFill>
+              </a:rPr>
+              <a:t>NKGStateEstimation</a:t>
+            </a:r>
+            <a:endParaRPr lang="en-IN" b="1">
+              <a:solidFill>
+                <a:schemeClr val="accent6">
+                  <a:lumMod val="75000"/>
+                </a:schemeClr>
+              </a:solidFill>
+            </a:endParaRPr>
+          </a:p>
+          <a:p>
+            <a:r>
+              <a:rPr lang="en-IN"/>
+              <a:t>(My project partner completely did it.)</a:t>
+            </a:r>
+          </a:p>
+          <a:p>
+            <a:r>
+              <a:rPr lang="en-IN"/>
+              <a:t>Requires Powerflow results from </a:t>
+            </a:r>
+            <a:r>
+              <a:rPr lang="en-IN" b="1">
+                <a:solidFill>
+                  <a:srgbClr val="002060"/>
+                </a:solidFill>
+              </a:rPr>
+              <a:t>P1 </a:t>
+            </a:r>
+            <a:r>
+              <a:rPr lang="en-IN"/>
+              <a:t>for branch currents.</a:t>
+            </a:r>
+          </a:p>
+          <a:p>
+            <a:r>
+              <a:rPr lang="en-IN"/>
+              <a:t>Likely requires using a lot of symbolic variables. Although he did it by literally writing out all of the derivative equations.</a:t>
+            </a:r>
+          </a:p>
+          <a:p>
+            <a:r>
+              <a:rPr lang="en-IN"/>
+              <a:t>Then some addition of noise to the currents.</a:t>
+            </a:r>
+          </a:p>
+          <a:p>
+            <a:r>
+              <a:rPr lang="en-IN"/>
+              <a:t>Then formation of H matrix, to be used in an iterative computation.</a:t>
+            </a:r>
+          </a:p>
+          <a:p>
+            <a:endParaRPr lang="en-IN"/>
+          </a:p>
+        </p:txBody>
+      </p:sp>
+    </p:spTree>
+    <p:extLst>
+      <p:ext uri="{BB962C8B-B14F-4D97-AF65-F5344CB8AC3E}">
+        <p14:creationId xmlns:p14="http://schemas.microsoft.com/office/powerpoint/2010/main" val="1123651161"/>
+      </p:ext>
+    </p:extLst>
+  </p:cSld>
+  <p:clrMapOvr>
+    <a:masterClrMapping/>
+  </p:clrMapOvr>
+</p:sld>
+</file>
+
+<file path=ppt/slides/slide37.xml><?xml version="1.0" encoding="utf-8"?>
+<p:sld xmlns:a="http://schemas.openxmlformats.org/drawingml/2006/main" xmlns:r="http://schemas.openxmlformats.org/officeDocument/2006/relationships" xmlns:p="http://schemas.openxmlformats.org/presentationml/2006/main">
+  <p:cSld>
+    <p:spTree>
+      <p:nvGrpSpPr>
+        <p:cNvPr id="1" name=""/>
+        <p:cNvGrpSpPr/>
+        <p:nvPr/>
+      </p:nvGrpSpPr>
+      <p:grpSpPr>
+        <a:xfrm>
+          <a:off x="0" y="0"/>
+          <a:ext cx="0" cy="0"/>
+          <a:chOff x="0" y="0"/>
+          <a:chExt cx="0" cy="0"/>
+        </a:xfrm>
+      </p:grpSpPr>
+      <p:sp>
+        <p:nvSpPr>
+          <p:cNvPr id="2" name="Title 1">
+            <a:extLst>
+              <a:ext uri="{FF2B5EF4-FFF2-40B4-BE49-F238E27FC236}">
+                <a16:creationId xmlns:a16="http://schemas.microsoft.com/office/drawing/2014/main" id="{A907B655-ADC6-0DB3-D40C-B4A4F02C56AD}"/>
+              </a:ext>
+            </a:extLst>
+          </p:cNvPr>
+          <p:cNvSpPr>
+            <a:spLocks noGrp="1"/>
+          </p:cNvSpPr>
+          <p:nvPr>
+            <p:ph type="title"/>
+          </p:nvPr>
+        </p:nvSpPr>
+        <p:spPr/>
+        <p:txBody>
+          <a:bodyPr/>
+          <a:lstStyle/>
+          <a:p>
+            <a:r>
+              <a:rPr lang="en-IN"/>
+              <a:t>Sample functions in modules</a:t>
+            </a:r>
+          </a:p>
+        </p:txBody>
+      </p:sp>
+      <p:sp>
+        <p:nvSpPr>
+          <p:cNvPr id="3" name="Content Placeholder 2">
+            <a:extLst>
+              <a:ext uri="{FF2B5EF4-FFF2-40B4-BE49-F238E27FC236}">
+                <a16:creationId xmlns:a16="http://schemas.microsoft.com/office/drawing/2014/main" id="{B248B06E-0246-4FEF-533A-B0C46C596083}"/>
+              </a:ext>
+            </a:extLst>
+          </p:cNvPr>
+          <p:cNvSpPr>
+            <a:spLocks noGrp="1"/>
+          </p:cNvSpPr>
+          <p:nvPr>
+            <p:ph idx="1"/>
+          </p:nvPr>
+        </p:nvSpPr>
+        <p:spPr/>
+        <p:txBody>
+          <a:bodyPr>
+            <a:normAutofit/>
+          </a:bodyPr>
+          <a:lstStyle/>
+          <a:p>
+            <a:r>
+              <a:rPr lang="en-IN" b="1">
+                <a:solidFill>
+                  <a:schemeClr val="accent2">
+                    <a:lumMod val="75000"/>
+                  </a:schemeClr>
+                </a:solidFill>
+              </a:rPr>
+              <a:t>P5: </a:t>
+            </a:r>
+            <a:r>
+              <a:rPr lang="en-IN" b="1" err="1">
+                <a:solidFill>
+                  <a:schemeClr val="accent2">
+                    <a:lumMod val="75000"/>
+                  </a:schemeClr>
+                </a:solidFill>
+              </a:rPr>
+              <a:t>NKGOptimalPowerFlow</a:t>
+            </a:r>
+            <a:endParaRPr lang="en-IN" b="1">
+              <a:solidFill>
+                <a:schemeClr val="accent2">
+                  <a:lumMod val="75000"/>
+                </a:schemeClr>
+              </a:solidFill>
+            </a:endParaRPr>
+          </a:p>
+          <a:p>
+            <a:r>
+              <a:rPr lang="en-IN"/>
+              <a:t>Dependencies:</a:t>
+            </a:r>
+            <a:r>
+              <a:rPr lang="en-IN" b="1">
+                <a:solidFill>
+                  <a:schemeClr val="accent2">
+                    <a:lumMod val="75000"/>
+                  </a:schemeClr>
+                </a:solidFill>
+              </a:rPr>
+              <a:t> </a:t>
+            </a:r>
+            <a:r>
+              <a:rPr lang="en-IN" b="1" err="1">
+                <a:solidFill>
+                  <a:srgbClr val="002060"/>
+                </a:solidFill>
+              </a:rPr>
+              <a:t>NKGPowerFlow</a:t>
+            </a:r>
+            <a:r>
+              <a:rPr lang="en-IN"/>
+              <a:t>: </a:t>
+            </a:r>
+            <a:r>
+              <a:rPr lang="en-IN" i="1" err="1"/>
+              <a:t>initializeVectors</a:t>
+            </a:r>
+            <a:r>
+              <a:rPr lang="en-IN"/>
+              <a:t>, </a:t>
+            </a:r>
+            <a:r>
+              <a:rPr lang="en-IN" i="1" err="1"/>
+              <a:t>constructJacobian</a:t>
+            </a:r>
+            <a:r>
+              <a:rPr lang="en-IN" i="1"/>
+              <a:t>, </a:t>
+            </a:r>
+            <a:r>
+              <a:rPr lang="en-IN" i="1" err="1"/>
+              <a:t>solveForPowerFlow</a:t>
+            </a:r>
+            <a:endParaRPr lang="en-IN"/>
+          </a:p>
+          <a:p>
+            <a:r>
+              <a:rPr lang="en-IN"/>
+              <a:t>Note: Usage of symbolic variables recommended for computation of derivatives and </a:t>
+            </a:r>
+            <a:r>
+              <a:rPr lang="en-IN" err="1"/>
+              <a:t>jacobians</a:t>
+            </a:r>
+            <a:r>
+              <a:rPr lang="en-IN"/>
+              <a:t>.</a:t>
+            </a:r>
+          </a:p>
+          <a:p>
+            <a:r>
+              <a:rPr lang="en-IN" i="1" err="1"/>
+              <a:t>solveForEconomicDispatch</a:t>
+            </a:r>
+            <a:r>
+              <a:rPr lang="en-IN" i="1"/>
+              <a:t> </a:t>
+            </a:r>
+            <a:r>
+              <a:rPr lang="en-IN"/>
+              <a:t>for the first two scenarios</a:t>
+            </a:r>
+          </a:p>
+          <a:p>
+            <a:r>
+              <a:rPr lang="en-IN" i="1" err="1"/>
+              <a:t>solveForOPF</a:t>
+            </a:r>
+            <a:r>
+              <a:rPr lang="en-IN" i="1"/>
+              <a:t> </a:t>
+            </a:r>
+            <a:r>
+              <a:rPr lang="en-IN"/>
+              <a:t>for the next two scenarios</a:t>
+            </a:r>
+          </a:p>
+          <a:p>
+            <a:pPr lvl="1"/>
+            <a:r>
+              <a:rPr lang="en-IN" i="1" err="1"/>
+              <a:t>generateSymoblicPowerFlowEquations</a:t>
+            </a:r>
+            <a:endParaRPr lang="en-IN" i="1"/>
+          </a:p>
+          <a:p>
+            <a:endParaRPr lang="en-IN" i="1"/>
+          </a:p>
+          <a:p>
+            <a:endParaRPr lang="en-IN" i="1"/>
+          </a:p>
+        </p:txBody>
+      </p:sp>
+    </p:spTree>
+    <p:extLst>
+      <p:ext uri="{BB962C8B-B14F-4D97-AF65-F5344CB8AC3E}">
+        <p14:creationId xmlns:p14="http://schemas.microsoft.com/office/powerpoint/2010/main" val="2553337809"/>
+      </p:ext>
+    </p:extLst>
+  </p:cSld>
+  <p:clrMapOvr>
+    <a:masterClrMapping/>
+  </p:clrMapOvr>
+</p:sld>
+</file>
+
+<file path=ppt/slides/slide38.xml><?xml version="1.0" encoding="utf-8"?>
+<p:sld xmlns:a="http://schemas.openxmlformats.org/drawingml/2006/main" xmlns:r="http://schemas.openxmlformats.org/officeDocument/2006/relationships" xmlns:p="http://schemas.openxmlformats.org/presentationml/2006/main">
+  <p:cSld>
+    <p:spTree>
+      <p:nvGrpSpPr>
+        <p:cNvPr id="1" name=""/>
+        <p:cNvGrpSpPr/>
+        <p:nvPr/>
+      </p:nvGrpSpPr>
+      <p:grpSpPr>
+        <a:xfrm>
+          <a:off x="0" y="0"/>
+          <a:ext cx="0" cy="0"/>
+          <a:chOff x="0" y="0"/>
+          <a:chExt cx="0" cy="0"/>
+        </a:xfrm>
+      </p:grpSpPr>
+      <p:sp>
+        <p:nvSpPr>
+          <p:cNvPr id="2" name="Title 1">
+            <a:extLst>
+              <a:ext uri="{FF2B5EF4-FFF2-40B4-BE49-F238E27FC236}">
+                <a16:creationId xmlns:a16="http://schemas.microsoft.com/office/drawing/2014/main" id="{A907B655-ADC6-0DB3-D40C-B4A4F02C56AD}"/>
+              </a:ext>
+            </a:extLst>
+          </p:cNvPr>
+          <p:cNvSpPr>
+            <a:spLocks noGrp="1"/>
+          </p:cNvSpPr>
+          <p:nvPr>
+            <p:ph type="title"/>
+          </p:nvPr>
+        </p:nvSpPr>
+        <p:spPr/>
+        <p:txBody>
+          <a:bodyPr/>
+          <a:lstStyle/>
+          <a:p>
+            <a:r>
+              <a:rPr lang="en-IN"/>
+              <a:t>Sample functions in modules</a:t>
+            </a:r>
+          </a:p>
+        </p:txBody>
+      </p:sp>
+      <mc:AlternateContent xmlns:mc="http://schemas.openxmlformats.org/markup-compatibility/2006" xmlns:a14="http://schemas.microsoft.com/office/drawing/2010/main">
+        <mc:Choice Requires="a14">
           <p:sp>
             <p:nvSpPr>
               <p:cNvPr id="3" name="Content Placeholder 2">
@@ -17475,7 +18937,7 @@
             </p:txBody>
           </p:sp>
         </mc:Choice>
-        <mc:Fallback>
+        <mc:Fallback xmlns="">
           <p:sp>
             <p:nvSpPr>
               <p:cNvPr id="3" name="Content Placeholder 2">
@@ -17528,7 +18990,7 @@
 </p:sld>
 </file>
 
-<file path=ppt/slides/slide37.xml><?xml version="1.0" encoding="utf-8"?>
+<file path=ppt/slides/slide39.xml><?xml version="1.0" encoding="utf-8"?>
 <p:sld xmlns:a="http://schemas.openxmlformats.org/drawingml/2006/main" xmlns:r="http://schemas.openxmlformats.org/officeDocument/2006/relationships" xmlns:p="http://schemas.openxmlformats.org/presentationml/2006/main">
   <p:cSld>
     <p:spTree>
@@ -17682,7 +19144,198 @@
 </p:sld>
 </file>
 
-<file path=ppt/slides/slide38.xml><?xml version="1.0" encoding="utf-8"?>
+<file path=ppt/slides/slide4.xml><?xml version="1.0" encoding="utf-8"?>
+<p:sld xmlns:a="http://schemas.openxmlformats.org/drawingml/2006/main" xmlns:r="http://schemas.openxmlformats.org/officeDocument/2006/relationships" xmlns:p="http://schemas.openxmlformats.org/presentationml/2006/main">
+  <p:cSld>
+    <p:spTree>
+      <p:nvGrpSpPr>
+        <p:cNvPr id="1" name=""/>
+        <p:cNvGrpSpPr/>
+        <p:nvPr/>
+      </p:nvGrpSpPr>
+      <p:grpSpPr>
+        <a:xfrm>
+          <a:off x="0" y="0"/>
+          <a:ext cx="0" cy="0"/>
+          <a:chOff x="0" y="0"/>
+          <a:chExt cx="0" cy="0"/>
+        </a:xfrm>
+      </p:grpSpPr>
+      <p:sp>
+        <p:nvSpPr>
+          <p:cNvPr id="2" name="Title 1">
+            <a:extLst>
+              <a:ext uri="{FF2B5EF4-FFF2-40B4-BE49-F238E27FC236}">
+                <a16:creationId xmlns:a16="http://schemas.microsoft.com/office/drawing/2014/main" id="{03311F91-1A05-0B95-42C2-FF7AE99A6B3B}"/>
+              </a:ext>
+            </a:extLst>
+          </p:cNvPr>
+          <p:cNvSpPr>
+            <a:spLocks noGrp="1"/>
+          </p:cNvSpPr>
+          <p:nvPr>
+            <p:ph type="title"/>
+          </p:nvPr>
+        </p:nvSpPr>
+        <p:spPr/>
+        <p:txBody>
+          <a:bodyPr/>
+          <a:lstStyle/>
+          <a:p>
+            <a:r>
+              <a:rPr lang="en-US">
+                <a:latin typeface="Palatino Linotype" panose="02040502050505030304" pitchFamily="18" charset="0"/>
+              </a:rPr>
+              <a:t>Presenting </a:t>
+            </a:r>
+            <a:r>
+              <a:rPr lang="en-US" err="1">
+                <a:solidFill>
+                  <a:srgbClr val="9558B2"/>
+                </a:solidFill>
+                <a:latin typeface="Palatino Linotype" panose="02040502050505030304" pitchFamily="18" charset="0"/>
+              </a:rPr>
+              <a:t>PowerEdu.jl</a:t>
+            </a:r>
+            <a:r>
+              <a:rPr lang="en-US">
+                <a:solidFill>
+                  <a:srgbClr val="9558B2"/>
+                </a:solidFill>
+                <a:latin typeface="Palatino Linotype" panose="02040502050505030304" pitchFamily="18" charset="0"/>
+              </a:rPr>
+              <a:t> </a:t>
+            </a:r>
+            <a:r>
+              <a:rPr lang="en-US">
+                <a:latin typeface="Palatino Linotype" panose="02040502050505030304" pitchFamily="18" charset="0"/>
+              </a:rPr>
+              <a:t>in a paper</a:t>
+            </a:r>
+          </a:p>
+        </p:txBody>
+      </p:sp>
+      <p:sp>
+        <p:nvSpPr>
+          <p:cNvPr id="3" name="Content Placeholder 2">
+            <a:extLst>
+              <a:ext uri="{FF2B5EF4-FFF2-40B4-BE49-F238E27FC236}">
+                <a16:creationId xmlns:a16="http://schemas.microsoft.com/office/drawing/2014/main" id="{3867C106-46B0-FE1A-BABF-5078A19ABE82}"/>
+              </a:ext>
+            </a:extLst>
+          </p:cNvPr>
+          <p:cNvSpPr>
+            <a:spLocks noGrp="1"/>
+          </p:cNvSpPr>
+          <p:nvPr>
+            <p:ph idx="1"/>
+          </p:nvPr>
+        </p:nvSpPr>
+        <p:spPr/>
+        <p:txBody>
+          <a:bodyPr>
+            <a:normAutofit/>
+          </a:bodyPr>
+          <a:lstStyle/>
+          <a:p>
+            <a:r>
+              <a:rPr lang="en-US">
+                <a:latin typeface="Georgia" panose="02040502050405020303" pitchFamily="18" charset="0"/>
+                <a:cs typeface="Helvetica" panose="020B0604020202020204" pitchFamily="34" charset="0"/>
+              </a:rPr>
+              <a:t>We’re doing </a:t>
+            </a:r>
+            <a:r>
+              <a:rPr lang="en-US" b="1">
+                <a:latin typeface="Georgia" panose="02040502050405020303" pitchFamily="18" charset="0"/>
+                <a:cs typeface="Helvetica" panose="020B0604020202020204" pitchFamily="34" charset="0"/>
+              </a:rPr>
+              <a:t>useful</a:t>
+            </a:r>
+            <a:r>
+              <a:rPr lang="en-US">
+                <a:latin typeface="Georgia" panose="02040502050405020303" pitchFamily="18" charset="0"/>
+                <a:cs typeface="Helvetica" panose="020B0604020202020204" pitchFamily="34" charset="0"/>
+              </a:rPr>
+              <a:t>, </a:t>
+            </a:r>
+            <a:r>
+              <a:rPr lang="en-US" b="1">
+                <a:latin typeface="Georgia" panose="02040502050405020303" pitchFamily="18" charset="0"/>
+                <a:cs typeface="Helvetica" panose="020B0604020202020204" pitchFamily="34" charset="0"/>
+              </a:rPr>
+              <a:t>innovative</a:t>
+            </a:r>
+            <a:r>
+              <a:rPr lang="en-US">
+                <a:latin typeface="Georgia" panose="02040502050405020303" pitchFamily="18" charset="0"/>
+                <a:cs typeface="Helvetica" panose="020B0604020202020204" pitchFamily="34" charset="0"/>
+              </a:rPr>
+              <a:t> work.</a:t>
+            </a:r>
+          </a:p>
+          <a:p>
+            <a:r>
+              <a:rPr lang="en-US">
+                <a:latin typeface="Georgia" panose="02040502050405020303" pitchFamily="18" charset="0"/>
+                <a:cs typeface="Helvetica" panose="020B0604020202020204" pitchFamily="34" charset="0"/>
+              </a:rPr>
+              <a:t>Need to convince the reviewers that our work is </a:t>
+            </a:r>
+            <a:r>
+              <a:rPr lang="en-US" b="1">
+                <a:latin typeface="Georgia" panose="02040502050405020303" pitchFamily="18" charset="0"/>
+                <a:cs typeface="Helvetica" panose="020B0604020202020204" pitchFamily="34" charset="0"/>
+              </a:rPr>
+              <a:t>useful</a:t>
+            </a:r>
+            <a:r>
+              <a:rPr lang="en-US">
+                <a:latin typeface="Georgia" panose="02040502050405020303" pitchFamily="18" charset="0"/>
+                <a:cs typeface="Helvetica" panose="020B0604020202020204" pitchFamily="34" charset="0"/>
+              </a:rPr>
+              <a:t> and </a:t>
+            </a:r>
+            <a:r>
+              <a:rPr lang="en-US" b="1">
+                <a:latin typeface="Georgia" panose="02040502050405020303" pitchFamily="18" charset="0"/>
+                <a:cs typeface="Helvetica" panose="020B0604020202020204" pitchFamily="34" charset="0"/>
+              </a:rPr>
+              <a:t>innovative</a:t>
+            </a:r>
+            <a:r>
+              <a:rPr lang="en-US">
+                <a:latin typeface="Georgia" panose="02040502050405020303" pitchFamily="18" charset="0"/>
+                <a:cs typeface="Helvetica" panose="020B0604020202020204" pitchFamily="34" charset="0"/>
+              </a:rPr>
+              <a:t>.</a:t>
+            </a:r>
+          </a:p>
+          <a:p>
+            <a:r>
+              <a:rPr lang="en-US">
+                <a:latin typeface="Georgia" panose="02040502050405020303" pitchFamily="18" charset="0"/>
+                <a:cs typeface="Helvetica" panose="020B0604020202020204" pitchFamily="34" charset="0"/>
+              </a:rPr>
+              <a:t>Need to read up on papers presenting packages in Power Systems.</a:t>
+            </a:r>
+          </a:p>
+        </p:txBody>
+      </p:sp>
+    </p:spTree>
+    <p:extLst>
+      <p:ext uri="{BB962C8B-B14F-4D97-AF65-F5344CB8AC3E}">
+        <p14:creationId xmlns:p14="http://schemas.microsoft.com/office/powerpoint/2010/main" val="1007295034"/>
+      </p:ext>
+    </p:extLst>
+  </p:cSld>
+  <p:clrMapOvr>
+    <a:masterClrMapping/>
+  </p:clrMapOvr>
+</p:sld>
+</file>
+
+<file path=ppt/slides/slide40.xml><?xml version="1.0" encoding="utf-8"?>
 <p:sld xmlns:a="http://schemas.openxmlformats.org/drawingml/2006/main" xmlns:r="http://schemas.openxmlformats.org/officeDocument/2006/relationships" xmlns:p="http://schemas.openxmlformats.org/presentationml/2006/main">
   <p:cSld>
     <p:spTree>
@@ -18704,7 +20357,7 @@
 </p:sld>
 </file>
 
-<file path=ppt/slides/slide39.xml><?xml version="1.0" encoding="utf-8"?>
+<file path=ppt/slides/slide41.xml><?xml version="1.0" encoding="utf-8"?>
 <p:sld xmlns:a="http://schemas.openxmlformats.org/drawingml/2006/main" xmlns:r="http://schemas.openxmlformats.org/officeDocument/2006/relationships" xmlns:p="http://schemas.openxmlformats.org/presentationml/2006/main">
   <p:cSld>
     <p:spTree>
@@ -18838,7 +20491,111 @@
 </p:sld>
 </file>
 
-<file path=ppt/slides/slide4.xml><?xml version="1.0" encoding="utf-8"?>
+<file path=ppt/slides/slide42.xml><?xml version="1.0" encoding="utf-8"?>
+<p:sld xmlns:a="http://schemas.openxmlformats.org/drawingml/2006/main" xmlns:r="http://schemas.openxmlformats.org/officeDocument/2006/relationships" xmlns:p="http://schemas.openxmlformats.org/presentationml/2006/main">
+  <p:cSld>
+    <p:spTree>
+      <p:nvGrpSpPr>
+        <p:cNvPr id="1" name=""/>
+        <p:cNvGrpSpPr/>
+        <p:nvPr/>
+      </p:nvGrpSpPr>
+      <p:grpSpPr>
+        <a:xfrm>
+          <a:off x="0" y="0"/>
+          <a:ext cx="0" cy="0"/>
+          <a:chOff x="0" y="0"/>
+          <a:chExt cx="0" cy="0"/>
+        </a:xfrm>
+      </p:grpSpPr>
+      <p:sp>
+        <p:nvSpPr>
+          <p:cNvPr id="2" name="Title 1">
+            <a:extLst>
+              <a:ext uri="{FF2B5EF4-FFF2-40B4-BE49-F238E27FC236}">
+                <a16:creationId xmlns:a16="http://schemas.microsoft.com/office/drawing/2014/main" id="{D6138808-F977-394F-1A5B-61193AE2BE99}"/>
+              </a:ext>
+            </a:extLst>
+          </p:cNvPr>
+          <p:cNvSpPr>
+            <a:spLocks noGrp="1"/>
+          </p:cNvSpPr>
+          <p:nvPr>
+            <p:ph type="title"/>
+          </p:nvPr>
+        </p:nvSpPr>
+        <p:spPr/>
+        <p:txBody>
+          <a:bodyPr/>
+          <a:lstStyle/>
+          <a:p>
+            <a:pPr algn="ctr"/>
+            <a:r>
+              <a:rPr lang="en-US">
+                <a:latin typeface="Calisto MT" panose="02040603050505030304" pitchFamily="18" charset="0"/>
+              </a:rPr>
+              <a:t>May our </a:t>
+            </a:r>
+            <a:r>
+              <a:rPr lang="en-US">
+                <a:solidFill>
+                  <a:srgbClr val="7030A0"/>
+                </a:solidFill>
+                <a:latin typeface="Calisto MT" panose="02040603050505030304" pitchFamily="18" charset="0"/>
+              </a:rPr>
+              <a:t>package</a:t>
+            </a:r>
+            <a:r>
+              <a:rPr lang="en-US">
+                <a:latin typeface="Calisto MT" panose="02040603050505030304" pitchFamily="18" charset="0"/>
+              </a:rPr>
+              <a:t> be glorious!</a:t>
+            </a:r>
+            <a:endParaRPr lang="en-IN">
+              <a:latin typeface="Calisto MT" panose="02040603050505030304" pitchFamily="18" charset="0"/>
+            </a:endParaRPr>
+          </a:p>
+        </p:txBody>
+      </p:sp>
+      <p:sp>
+        <p:nvSpPr>
+          <p:cNvPr id="3" name="Content Placeholder 2">
+            <a:extLst>
+              <a:ext uri="{FF2B5EF4-FFF2-40B4-BE49-F238E27FC236}">
+                <a16:creationId xmlns:a16="http://schemas.microsoft.com/office/drawing/2014/main" id="{908D5652-B405-EAC9-EA04-B2BDE3482E0E}"/>
+              </a:ext>
+            </a:extLst>
+          </p:cNvPr>
+          <p:cNvSpPr>
+            <a:spLocks noGrp="1"/>
+          </p:cNvSpPr>
+          <p:nvPr>
+            <p:ph idx="1"/>
+          </p:nvPr>
+        </p:nvSpPr>
+        <p:spPr/>
+        <p:txBody>
+          <a:bodyPr/>
+          <a:lstStyle/>
+          <a:p>
+            <a:endParaRPr lang="en-IN"/>
+          </a:p>
+        </p:txBody>
+      </p:sp>
+    </p:spTree>
+    <p:extLst>
+      <p:ext uri="{BB962C8B-B14F-4D97-AF65-F5344CB8AC3E}">
+        <p14:creationId xmlns:p14="http://schemas.microsoft.com/office/powerpoint/2010/main" val="2725558992"/>
+      </p:ext>
+    </p:extLst>
+  </p:cSld>
+  <p:clrMapOvr>
+    <a:masterClrMapping/>
+  </p:clrMapOvr>
+</p:sld>
+</file>
+
+<file path=ppt/slides/slide5.xml><?xml version="1.0" encoding="utf-8"?>
 <p:sld xmlns:a="http://schemas.openxmlformats.org/drawingml/2006/main" xmlns:r="http://schemas.openxmlformats.org/officeDocument/2006/relationships" xmlns:p="http://schemas.openxmlformats.org/presentationml/2006/main">
   <p:cSld>
     <p:spTree>
@@ -18940,7 +20697,7 @@
                 <a:latin typeface="Georgia" panose="02040502050405020303" pitchFamily="18" charset="0"/>
                 <a:cs typeface="Helvetica" panose="020B0604020202020204" pitchFamily="34" charset="0"/>
               </a:rPr>
-              <a:t>Contents to cite:</a:t>
+              <a:t>Need to read up on papers presenting packages in Power Systems.</a:t>
             </a:r>
           </a:p>
           <a:p>
@@ -18966,22 +20723,36 @@
                 <a:latin typeface="Georgia" panose="02040502050405020303" pitchFamily="18" charset="0"/>
                 <a:cs typeface="Helvetica" panose="020B0604020202020204" pitchFamily="34" charset="0"/>
               </a:rPr>
-              <a:t>Symbolics.jl</a:t>
+              <a:t>PowerModels.jl</a:t>
             </a:r>
             <a:r>
               <a:rPr lang="en-US" sz="1600">
                 <a:latin typeface="Georgia" panose="02040502050405020303" pitchFamily="18" charset="0"/>
                 <a:cs typeface="Helvetica" panose="020B0604020202020204" pitchFamily="34" charset="0"/>
               </a:rPr>
-              <a:t> </a:t>
+              <a:t>: An Open-Source Framework for Exploring Power Flow Formulations from </a:t>
+            </a:r>
+            <a:r>
+              <a:rPr lang="en-US" sz="1600" i="1">
+                <a:latin typeface="Georgia" panose="02040502050405020303" pitchFamily="18" charset="0"/>
+                <a:cs typeface="Helvetica" panose="020B0604020202020204" pitchFamily="34" charset="0"/>
+              </a:rPr>
+              <a:t>PSCC 2018</a:t>
             </a:r>
             <a:r>
               <a:rPr lang="en-US" sz="1600">
                 <a:latin typeface="Georgia" panose="02040502050405020303" pitchFamily="18" charset="0"/>
                 <a:cs typeface="Helvetica" panose="020B0604020202020204" pitchFamily="34" charset="0"/>
-                <a:hlinkClick r:id="rId2" action="ppaction://hlinkfile"/>
               </a:rPr>
-              <a:t>paper</a:t>
+              <a:t>. </a:t>
+            </a:r>
+            <a:r>
+              <a:rPr lang="en-US" sz="1600">
+                <a:latin typeface="Georgia" panose="02040502050405020303" pitchFamily="18" charset="0"/>
+                <a:cs typeface="Helvetica" panose="020B0604020202020204" pitchFamily="34" charset="0"/>
+                <a:hlinkClick r:id="rId2"/>
+              </a:rPr>
+              <a:t>Link</a:t>
             </a:r>
             <a:endParaRPr lang="en-US" sz="1600">
               <a:latin typeface="Georgia" panose="02040502050405020303" pitchFamily="18" charset="0"/>
@@ -18997,28 +20768,6 @@
               <a:buFont typeface="Wingdings" panose="05000000000000000000" pitchFamily="2" charset="2"/>
               <a:buChar char="v"/>
             </a:pPr>
-            <a:r>
-              <a:rPr lang="en-US" sz="1600" err="1">
-                <a:latin typeface="Georgia" panose="02040502050405020303" pitchFamily="18" charset="0"/>
-                <a:cs typeface="Helvetica" panose="020B0604020202020204" pitchFamily="34" charset="0"/>
-              </a:rPr>
-              <a:t>ForwardDiff.jl</a:t>
-            </a:r>
-            <a:r>
-              <a:rPr lang="en-US" sz="1600">
-                <a:latin typeface="Georgia" panose="02040502050405020303" pitchFamily="18" charset="0"/>
-                <a:cs typeface="Helvetica" panose="020B0604020202020204" pitchFamily="34" charset="0"/>
-              </a:rPr>
-              <a:t> </a:t>
-            </a:r>
-            <a:r>
-              <a:rPr lang="en-US" sz="1600">
-                <a:latin typeface="Georgia" panose="02040502050405020303" pitchFamily="18" charset="0"/>
-                <a:cs typeface="Helvetica" panose="020B0604020202020204" pitchFamily="34" charset="0"/>
-                <a:hlinkClick r:id="rId3"/>
-              </a:rPr>
-              <a:t>paper</a:t>
-            </a:r>
             <a:endParaRPr lang="en-US" sz="1600">
               <a:latin typeface="Georgia" panose="02040502050405020303" pitchFamily="18" charset="0"/>
               <a:cs typeface="Helvetica" panose="020B0604020202020204" pitchFamily="34" charset="0"/>
@@ -19034,12 +20783,52 @@
               <a:buChar char="v"/>
             </a:pPr>
             <a:r>
+              <a:rPr lang="en-US" sz="1600" err="1">
+                <a:latin typeface="Georgia" panose="02040502050405020303" pitchFamily="18" charset="0"/>
+                <a:cs typeface="Helvetica" panose="020B0604020202020204" pitchFamily="34" charset="0"/>
+              </a:rPr>
+              <a:t>PowerSystems.jl</a:t>
+            </a:r>
+            <a:r>
               <a:rPr lang="en-US" sz="1600">
                 <a:latin typeface="Georgia" panose="02040502050405020303" pitchFamily="18" charset="0"/>
                 <a:cs typeface="Helvetica" panose="020B0604020202020204" pitchFamily="34" charset="0"/>
               </a:rPr>
-              <a:t>Every package we’re using</a:t>
-            </a:r>
+              <a:t> — A power system data management package for large scale modeling from </a:t>
+            </a:r>
+            <a:r>
+              <a:rPr lang="en-US" sz="1600" i="1" err="1">
+                <a:latin typeface="Georgia" panose="02040502050405020303" pitchFamily="18" charset="0"/>
+                <a:cs typeface="Helvetica" panose="020B0604020202020204" pitchFamily="34" charset="0"/>
+              </a:rPr>
+              <a:t>SoftwareX</a:t>
+            </a:r>
+            <a:r>
+              <a:rPr lang="en-US" sz="1600" i="1">
+                <a:latin typeface="Georgia" panose="02040502050405020303" pitchFamily="18" charset="0"/>
+                <a:cs typeface="Helvetica" panose="020B0604020202020204" pitchFamily="34" charset="0"/>
+              </a:rPr>
+              <a:t> 2021</a:t>
+            </a:r>
+            <a:r>
+              <a:rPr lang="en-US" sz="1600">
+                <a:latin typeface="Georgia" panose="02040502050405020303" pitchFamily="18" charset="0"/>
+                <a:cs typeface="Helvetica" panose="020B0604020202020204" pitchFamily="34" charset="0"/>
+              </a:rPr>
+              <a:t>. </a:t>
+            </a:r>
+            <a:r>
+              <a:rPr lang="en-US" sz="1600">
+                <a:latin typeface="Georgia" panose="02040502050405020303" pitchFamily="18" charset="0"/>
+                <a:cs typeface="Helvetica" panose="020B0604020202020204" pitchFamily="34" charset="0"/>
+                <a:hlinkClick r:id="rId3" action="ppaction://hlinkfile"/>
+              </a:rPr>
+              <a:t>Link</a:t>
+            </a:r>
+            <a:endParaRPr lang="en-US" sz="1600">
+              <a:latin typeface="Georgia" panose="02040502050405020303" pitchFamily="18" charset="0"/>
+              <a:cs typeface="Helvetica" panose="020B0604020202020204" pitchFamily="34" charset="0"/>
+            </a:endParaRPr>
           </a:p>
           <a:p>
             <a:pPr lvl="1">
@@ -19050,20 +20839,131 @@
               <a:buFont typeface="Wingdings" panose="05000000000000000000" pitchFamily="2" charset="2"/>
               <a:buChar char="v"/>
             </a:pPr>
+            <a:endParaRPr lang="en-US" sz="1600">
+              <a:latin typeface="Georgia" panose="02040502050405020303" pitchFamily="18" charset="0"/>
+              <a:cs typeface="Helvetica" panose="020B0604020202020204" pitchFamily="34" charset="0"/>
+            </a:endParaRPr>
+          </a:p>
+          <a:p>
+            <a:pPr lvl="1">
+              <a:buClr>
+                <a:srgbClr val="00B050"/>
+              </a:buClr>
+              <a:buSzPct val="50000"/>
+              <a:buFont typeface="Wingdings" panose="05000000000000000000" pitchFamily="2" charset="2"/>
+              <a:buChar char="v"/>
+            </a:pPr>
+            <a:r>
+              <a:rPr lang="en-US" sz="1600" err="1">
+                <a:latin typeface="Georgia" panose="02040502050405020303" pitchFamily="18" charset="0"/>
+                <a:cs typeface="Helvetica" panose="020B0604020202020204" pitchFamily="34" charset="0"/>
+              </a:rPr>
+              <a:t>PyPSA</a:t>
+            </a:r>
             <a:r>
               <a:rPr lang="en-US" sz="1600">
                 <a:latin typeface="Georgia" panose="02040502050405020303" pitchFamily="18" charset="0"/>
                 <a:cs typeface="Helvetica" panose="020B0604020202020204" pitchFamily="34" charset="0"/>
               </a:rPr>
-              <a:t>Every package we’re comparing against</a:t>
-            </a:r>
+              <a:t>: Python for Power System Analysis from </a:t>
+            </a:r>
+            <a:r>
+              <a:rPr lang="en-US" sz="1600" i="1">
+                <a:latin typeface="Georgia" panose="02040502050405020303" pitchFamily="18" charset="0"/>
+                <a:cs typeface="Helvetica" panose="020B0604020202020204" pitchFamily="34" charset="0"/>
+              </a:rPr>
+              <a:t>Journal of Open Research Software, 2018</a:t>
+            </a:r>
+            <a:r>
+              <a:rPr lang="en-US" sz="1600" b="1">
+                <a:latin typeface="Georgia" panose="02040502050405020303" pitchFamily="18" charset="0"/>
+                <a:cs typeface="Helvetica" panose="020B0604020202020204" pitchFamily="34" charset="0"/>
+              </a:rPr>
+              <a:t> </a:t>
+            </a:r>
+            <a:r>
+              <a:rPr lang="en-US" sz="1600">
+                <a:latin typeface="Georgia" panose="02040502050405020303" pitchFamily="18" charset="0"/>
+                <a:cs typeface="Helvetica" panose="020B0604020202020204" pitchFamily="34" charset="0"/>
+                <a:hlinkClick r:id="rId4" action="ppaction://hlinkfile"/>
+              </a:rPr>
+              <a:t>Link</a:t>
+            </a:r>
+            <a:endParaRPr lang="en-US" sz="1600">
+              <a:latin typeface="Georgia" panose="02040502050405020303" pitchFamily="18" charset="0"/>
+              <a:cs typeface="Helvetica" panose="020B0604020202020204" pitchFamily="34" charset="0"/>
+            </a:endParaRPr>
+          </a:p>
+          <a:p>
+            <a:pPr lvl="1">
+              <a:buClr>
+                <a:srgbClr val="00B050"/>
+              </a:buClr>
+              <a:buSzPct val="50000"/>
+              <a:buFont typeface="Wingdings" panose="05000000000000000000" pitchFamily="2" charset="2"/>
+              <a:buChar char="v"/>
+            </a:pPr>
+            <a:endParaRPr lang="en-US" sz="1600">
+              <a:latin typeface="Georgia" panose="02040502050405020303" pitchFamily="18" charset="0"/>
+              <a:cs typeface="Helvetica" panose="020B0604020202020204" pitchFamily="34" charset="0"/>
+            </a:endParaRPr>
+          </a:p>
+          <a:p>
+            <a:pPr lvl="1">
+              <a:buClr>
+                <a:srgbClr val="00B050"/>
+              </a:buClr>
+              <a:buSzPct val="50000"/>
+              <a:buFont typeface="Wingdings" panose="05000000000000000000" pitchFamily="2" charset="2"/>
+              <a:buChar char="v"/>
+            </a:pPr>
+            <a:r>
+              <a:rPr lang="en-US" sz="1600" err="1">
+                <a:latin typeface="Georgia" panose="02040502050405020303" pitchFamily="18" charset="0"/>
+                <a:cs typeface="Helvetica" panose="020B0604020202020204" pitchFamily="34" charset="0"/>
+              </a:rPr>
+              <a:t>PowerModelsDistribution.jl</a:t>
+            </a:r>
+            <a:r>
+              <a:rPr lang="en-US" sz="1600">
+                <a:latin typeface="Georgia" panose="02040502050405020303" pitchFamily="18" charset="0"/>
+                <a:cs typeface="Helvetica" panose="020B0604020202020204" pitchFamily="34" charset="0"/>
+              </a:rPr>
+              <a:t>: An Open-Source Framework for Exploring Distribution Power Flow Formulations from </a:t>
+            </a:r>
+            <a:r>
+              <a:rPr lang="en-US" sz="1600" i="1">
+                <a:latin typeface="Georgia" panose="02040502050405020303" pitchFamily="18" charset="0"/>
+                <a:cs typeface="Helvetica" panose="020B0604020202020204" pitchFamily="34" charset="0"/>
+              </a:rPr>
+              <a:t>Electric Power Systems Research 2020</a:t>
+            </a:r>
+            <a:r>
+              <a:rPr lang="en-US" sz="1600">
+                <a:latin typeface="Georgia" panose="02040502050405020303" pitchFamily="18" charset="0"/>
+                <a:cs typeface="Helvetica" panose="020B0604020202020204" pitchFamily="34" charset="0"/>
+              </a:rPr>
+              <a:t>. </a:t>
+            </a:r>
+            <a:r>
+              <a:rPr lang="en-US" sz="1600">
+                <a:latin typeface="Georgia" panose="02040502050405020303" pitchFamily="18" charset="0"/>
+                <a:cs typeface="Helvetica" panose="020B0604020202020204" pitchFamily="34" charset="0"/>
+                <a:hlinkClick r:id="rId5" action="ppaction://hlinkfile"/>
+              </a:rPr>
+              <a:t>Link</a:t>
+            </a:r>
+            <a:endParaRPr lang="en-US" sz="1600">
+              <a:latin typeface="Georgia" panose="02040502050405020303" pitchFamily="18" charset="0"/>
+              <a:cs typeface="Helvetica" panose="020B0604020202020204" pitchFamily="34" charset="0"/>
+            </a:endParaRPr>
           </a:p>
         </p:txBody>
       </p:sp>
     </p:spTree>
     <p:extLst>
       <p:ext uri="{BB962C8B-B14F-4D97-AF65-F5344CB8AC3E}">
-        <p14:creationId xmlns:p14="http://schemas.microsoft.com/office/powerpoint/2010/main" val="1141745103"/>
+        <p14:creationId xmlns:p14="http://schemas.microsoft.com/office/powerpoint/2010/main" val="3800270292"/>
       </p:ext>
     </p:extLst>
   </p:cSld>
@@ -19073,7 +20973,7 @@
 </p:sld>
 </file>
 
-<file path=ppt/slides/slide40.xml><?xml version="1.0" encoding="utf-8"?>
+<file path=ppt/slides/slide6.xml><?xml version="1.0" encoding="utf-8"?>
 <p:sld xmlns:a="http://schemas.openxmlformats.org/drawingml/2006/main" xmlns:r="http://schemas.openxmlformats.org/officeDocument/2006/relationships" xmlns:p="http://schemas.openxmlformats.org/presentationml/2006/main">
   <p:cSld>
     <p:spTree>
@@ -19095,7 +20995,7 @@
           <p:cNvPr id="2" name="Title 1">
             <a:extLst>
               <a:ext uri="{FF2B5EF4-FFF2-40B4-BE49-F238E27FC236}">
-                <a16:creationId xmlns:a16="http://schemas.microsoft.com/office/drawing/2014/main" id="{D6138808-F977-394F-1A5B-61193AE2BE99}"/>
+                <a16:creationId xmlns:a16="http://schemas.microsoft.com/office/drawing/2014/main" id="{03311F91-1A05-0B95-42C2-FF7AE99A6B3B}"/>
               </a:ext>
             </a:extLst>
           </p:cNvPr>
@@ -19111,31 +21011,36 @@
           <a:bodyPr/>
           <a:lstStyle/>
           <a:p>
-            <a:pPr algn="ctr"/>
             <a:r>
               <a:rPr lang="en-US">
-                <a:latin typeface="Calisto MT" panose="02040603050505030304" pitchFamily="18" charset="0"/>
+                <a:latin typeface="Palatino Linotype" panose="02040502050505030304" pitchFamily="18" charset="0"/>
               </a:rPr>
-              <a:t>May our </a:t>
+              <a:t>Presenting </a:t>
+            </a:r>
+            <a:r>
+              <a:rPr lang="en-US" err="1">
+                <a:solidFill>
+                  <a:srgbClr val="9558B2"/>
+                </a:solidFill>
+                <a:latin typeface="Palatino Linotype" panose="02040502050505030304" pitchFamily="18" charset="0"/>
+              </a:rPr>
+              <a:t>PowerEdu.jl</a:t>
             </a:r>
             <a:r>
               <a:rPr lang="en-US">
                 <a:solidFill>
-                  <a:srgbClr val="7030A0"/>
+                  <a:srgbClr val="9558B2"/>
                 </a:solidFill>
-                <a:latin typeface="Calisto MT" panose="02040603050505030304" pitchFamily="18" charset="0"/>
+                <a:latin typeface="Palatino Linotype" panose="02040502050505030304" pitchFamily="18" charset="0"/>
               </a:rPr>
-              <a:t>package</a:t>
+              <a:t> </a:t>
             </a:r>
             <a:r>
               <a:rPr lang="en-US">
-                <a:latin typeface="Calisto MT" panose="02040603050505030304" pitchFamily="18" charset="0"/>
+                <a:latin typeface="Palatino Linotype" panose="02040502050505030304" pitchFamily="18" charset="0"/>
               </a:rPr>
-              <a:t> be glorious!</a:t>
-            </a:r>
-            <a:endParaRPr lang="en-IN">
-              <a:latin typeface="Calisto MT" panose="02040603050505030304" pitchFamily="18" charset="0"/>
-            </a:endParaRPr>
+              <a:t>in a paper</a:t>
+            </a:r>
           </a:p>
         </p:txBody>
       </p:sp>
@@ -19144,7 +21049,7 @@
           <p:cNvPr id="3" name="Content Placeholder 2">
             <a:extLst>
               <a:ext uri="{FF2B5EF4-FFF2-40B4-BE49-F238E27FC236}">
-                <a16:creationId xmlns:a16="http://schemas.microsoft.com/office/drawing/2014/main" id="{908D5652-B405-EAC9-EA04-B2BDE3482E0E}"/>
+                <a16:creationId xmlns:a16="http://schemas.microsoft.com/office/drawing/2014/main" id="{3867C106-46B0-FE1A-BABF-5078A19ABE82}"/>
               </a:ext>
             </a:extLst>
           </p:cNvPr>
@@ -19157,17 +21062,143 @@
         </p:nvSpPr>
         <p:spPr/>
         <p:txBody>
-          <a:bodyPr/>
+          <a:bodyPr>
+            <a:normAutofit/>
+          </a:bodyPr>
           <a:lstStyle/>
           <a:p>
-            <a:endParaRPr lang="en-IN"/>
+            <a:pPr marL="0" indent="0">
+              <a:buNone/>
+            </a:pPr>
+            <a:r>
+              <a:rPr lang="en-US">
+                <a:latin typeface="Georgia" panose="02040502050405020303" pitchFamily="18" charset="0"/>
+                <a:cs typeface="Helvetica" panose="020B0604020202020204" pitchFamily="34" charset="0"/>
+              </a:rPr>
+              <a:t>Contents to cite:</a:t>
+            </a:r>
+          </a:p>
+          <a:p>
+            <a:pPr marL="0" indent="0">
+              <a:buNone/>
+            </a:pPr>
+            <a:endParaRPr lang="en-US">
+              <a:latin typeface="Georgia" panose="02040502050405020303" pitchFamily="18" charset="0"/>
+              <a:cs typeface="Helvetica" panose="020B0604020202020204" pitchFamily="34" charset="0"/>
+            </a:endParaRPr>
+          </a:p>
+          <a:p>
+            <a:pPr lvl="1">
+              <a:buClr>
+                <a:srgbClr val="00B050"/>
+              </a:buClr>
+              <a:buSzPct val="50000"/>
+              <a:buFont typeface="Wingdings" panose="05000000000000000000" pitchFamily="2" charset="2"/>
+              <a:buChar char="v"/>
+            </a:pPr>
+            <a:r>
+              <a:rPr lang="en-US" sz="1600" err="1">
+                <a:latin typeface="Georgia" panose="02040502050405020303" pitchFamily="18" charset="0"/>
+                <a:cs typeface="Helvetica" panose="020B0604020202020204" pitchFamily="34" charset="0"/>
+              </a:rPr>
+              <a:t>Symbolics.jl</a:t>
+            </a:r>
+            <a:r>
+              <a:rPr lang="en-US" sz="1600">
+                <a:latin typeface="Georgia" panose="02040502050405020303" pitchFamily="18" charset="0"/>
+                <a:cs typeface="Helvetica" panose="020B0604020202020204" pitchFamily="34" charset="0"/>
+              </a:rPr>
+              <a:t> </a:t>
+            </a:r>
+            <a:r>
+              <a:rPr lang="en-US" sz="1600">
+                <a:latin typeface="Georgia" panose="02040502050405020303" pitchFamily="18" charset="0"/>
+                <a:cs typeface="Helvetica" panose="020B0604020202020204" pitchFamily="34" charset="0"/>
+                <a:hlinkClick r:id="rId2" action="ppaction://hlinkfile"/>
+              </a:rPr>
+              <a:t>paper</a:t>
+            </a:r>
+            <a:endParaRPr lang="en-US" sz="1600">
+              <a:latin typeface="Georgia" panose="02040502050405020303" pitchFamily="18" charset="0"/>
+              <a:cs typeface="Helvetica" panose="020B0604020202020204" pitchFamily="34" charset="0"/>
+            </a:endParaRPr>
+          </a:p>
+          <a:p>
+            <a:pPr lvl="1">
+              <a:buClr>
+                <a:srgbClr val="00B050"/>
+              </a:buClr>
+              <a:buSzPct val="50000"/>
+              <a:buFont typeface="Wingdings" panose="05000000000000000000" pitchFamily="2" charset="2"/>
+              <a:buChar char="v"/>
+            </a:pPr>
+            <a:r>
+              <a:rPr lang="en-US" sz="1600" err="1">
+                <a:latin typeface="Georgia" panose="02040502050405020303" pitchFamily="18" charset="0"/>
+                <a:cs typeface="Helvetica" panose="020B0604020202020204" pitchFamily="34" charset="0"/>
+              </a:rPr>
+              <a:t>ForwardDiff.jl</a:t>
+            </a:r>
+            <a:r>
+              <a:rPr lang="en-US" sz="1600">
+                <a:latin typeface="Georgia" panose="02040502050405020303" pitchFamily="18" charset="0"/>
+                <a:cs typeface="Helvetica" panose="020B0604020202020204" pitchFamily="34" charset="0"/>
+              </a:rPr>
+              <a:t> </a:t>
+            </a:r>
+            <a:r>
+              <a:rPr lang="en-US" sz="1600">
+                <a:latin typeface="Georgia" panose="02040502050405020303" pitchFamily="18" charset="0"/>
+                <a:cs typeface="Helvetica" panose="020B0604020202020204" pitchFamily="34" charset="0"/>
+                <a:hlinkClick r:id="rId3"/>
+              </a:rPr>
+              <a:t>paper</a:t>
+            </a:r>
+            <a:endParaRPr lang="en-US" sz="1600">
+              <a:latin typeface="Georgia" panose="02040502050405020303" pitchFamily="18" charset="0"/>
+              <a:cs typeface="Helvetica" panose="020B0604020202020204" pitchFamily="34" charset="0"/>
+            </a:endParaRPr>
+          </a:p>
+          <a:p>
+            <a:pPr lvl="1">
+              <a:buClr>
+                <a:srgbClr val="00B050"/>
+              </a:buClr>
+              <a:buSzPct val="50000"/>
+              <a:buFont typeface="Wingdings" panose="05000000000000000000" pitchFamily="2" charset="2"/>
+              <a:buChar char="v"/>
+            </a:pPr>
+            <a:r>
+              <a:rPr lang="en-US" sz="1600">
+                <a:latin typeface="Georgia" panose="02040502050405020303" pitchFamily="18" charset="0"/>
+                <a:cs typeface="Helvetica" panose="020B0604020202020204" pitchFamily="34" charset="0"/>
+              </a:rPr>
+              <a:t>Every package we’re using</a:t>
+            </a:r>
+          </a:p>
+          <a:p>
+            <a:pPr lvl="1">
+              <a:buClr>
+                <a:srgbClr val="00B050"/>
+              </a:buClr>
+              <a:buSzPct val="50000"/>
+              <a:buFont typeface="Wingdings" panose="05000000000000000000" pitchFamily="2" charset="2"/>
+              <a:buChar char="v"/>
+            </a:pPr>
+            <a:r>
+              <a:rPr lang="en-US" sz="1600">
+                <a:latin typeface="Georgia" panose="02040502050405020303" pitchFamily="18" charset="0"/>
+                <a:cs typeface="Helvetica" panose="020B0604020202020204" pitchFamily="34" charset="0"/>
+              </a:rPr>
+              <a:t>Every package we’re comparing against</a:t>
+            </a:r>
           </a:p>
         </p:txBody>
       </p:sp>
     </p:spTree>
     <p:extLst>
       <p:ext uri="{BB962C8B-B14F-4D97-AF65-F5344CB8AC3E}">
-        <p14:creationId xmlns:p14="http://schemas.microsoft.com/office/powerpoint/2010/main" val="2725558992"/>
+        <p14:creationId xmlns:p14="http://schemas.microsoft.com/office/powerpoint/2010/main" val="1141745103"/>
       </p:ext>
     </p:extLst>
   </p:cSld>
@@ -19177,7 +21208,7 @@
 </p:sld>
 </file>
 
-<file path=ppt/slides/slide5.xml><?xml version="1.0" encoding="utf-8"?>
+<file path=ppt/slides/slide7.xml><?xml version="1.0" encoding="utf-8"?>
 <p:sld xmlns:a="http://schemas.openxmlformats.org/drawingml/2006/main" xmlns:r="http://schemas.openxmlformats.org/officeDocument/2006/relationships" xmlns:p="http://schemas.openxmlformats.org/presentationml/2006/main">
   <p:cSld>
     <p:spTree>
@@ -19515,7 +21546,7 @@
 </p:sld>
 </file>
 
-<file path=ppt/slides/slide6.xml><?xml version="1.0" encoding="utf-8"?>
+<file path=ppt/slides/slide8.xml><?xml version="1.0" encoding="utf-8"?>
 <p:sld xmlns:a="http://schemas.openxmlformats.org/drawingml/2006/main" xmlns:r="http://schemas.openxmlformats.org/officeDocument/2006/relationships" xmlns:p="http://schemas.openxmlformats.org/presentationml/2006/main">
   <p:cSld>
     <p:spTree>
@@ -20410,7 +22441,7 @@
 </p:sld>
 </file>
 
-<file path=ppt/slides/slide7.xml><?xml version="1.0" encoding="utf-8"?>
+<file path=ppt/slides/slide9.xml><?xml version="1.0" encoding="utf-8"?>
 <p:sld xmlns:a="http://schemas.openxmlformats.org/drawingml/2006/main" xmlns:r="http://schemas.openxmlformats.org/officeDocument/2006/relationships" xmlns:p="http://schemas.openxmlformats.org/presentationml/2006/main">
   <p:cSld>
     <p:bg>
@@ -20627,700 +22658,6 @@
     <p:extLst>
       <p:ext uri="{BB962C8B-B14F-4D97-AF65-F5344CB8AC3E}">
         <p14:creationId xmlns:p14="http://schemas.microsoft.com/office/powerpoint/2010/main" val="3236406066"/>
-      </p:ext>
-    </p:extLst>
-  </p:cSld>
-  <p:clrMapOvr>
-    <a:masterClrMapping/>
-  </p:clrMapOvr>
-</p:sld>
-</file>
-
-<file path=ppt/slides/slide8.xml><?xml version="1.0" encoding="utf-8"?>
-<p:sld xmlns:a="http://schemas.openxmlformats.org/drawingml/2006/main" xmlns:r="http://schemas.openxmlformats.org/officeDocument/2006/relationships" xmlns:p="http://schemas.openxmlformats.org/presentationml/2006/main">
-  <p:cSld>
-    <p:bg>
-      <p:bgPr>
-        <a:solidFill>
-          <a:schemeClr val="bg1"/>
-        </a:solidFill>
-        <a:effectLst/>
-      </p:bgPr>
-    </p:bg>
-    <p:spTree>
-      <p:nvGrpSpPr>
-        <p:cNvPr id="1" name=""/>
-        <p:cNvGrpSpPr/>
-        <p:nvPr/>
-      </p:nvGrpSpPr>
-      <p:grpSpPr>
-        <a:xfrm>
-          <a:off x="0" y="0"/>
-          <a:ext cx="0" cy="0"/>
-          <a:chOff x="0" y="0"/>
-          <a:chExt cx="0" cy="0"/>
-        </a:xfrm>
-      </p:grpSpPr>
-      <p:sp useBgFill="1">
-        <p:nvSpPr>
-          <p:cNvPr id="64" name="Rectangle 63">
-            <a:extLst>
-              <a:ext uri="{FF2B5EF4-FFF2-40B4-BE49-F238E27FC236}">
-                <a16:creationId xmlns:a16="http://schemas.microsoft.com/office/drawing/2014/main" id="{53F29798-D584-4792-9B62-3F5F5C36D619}"/>
-              </a:ext>
-              <a:ext uri="{C183D7F6-B498-43B3-948B-1728B52AA6E4}">
-                <adec:decorative xmlns:adec="http://schemas.microsoft.com/office/drawing/2017/decorative" val="1"/>
-              </a:ext>
-            </a:extLst>
-          </p:cNvPr>
-          <p:cNvSpPr>
-            <a:spLocks noGrp="1" noRot="1" noChangeAspect="1" noMove="1" noResize="1" noEditPoints="1" noAdjustHandles="1" noChangeArrowheads="1" noChangeShapeType="1" noTextEdit="1"/>
-          </p:cNvSpPr>
-          <p:nvPr>
-            <p:extLst>
-              <p:ext uri="{386F3935-93C4-4BCD-93E2-E3B085C9AB24}">
-                <p16:designElem xmlns:p16="http://schemas.microsoft.com/office/powerpoint/2015/main" val="1"/>
-              </p:ext>
-            </p:extLst>
-          </p:nvPr>
-        </p:nvSpPr>
-        <p:spPr>
-          <a:xfrm>
-            <a:off x="0" y="0"/>
-            <a:ext cx="12188952" cy="6858000"/>
-          </a:xfrm>
-          <a:prstGeom prst="rect">
-            <a:avLst/>
-          </a:prstGeom>
-          <a:ln>
-            <a:noFill/>
-          </a:ln>
-        </p:spPr>
-        <p:style>
-          <a:lnRef idx="2">
-            <a:schemeClr val="accent1">
-              <a:shade val="50000"/>
-            </a:schemeClr>
-          </a:lnRef>
-          <a:fillRef idx="1">
-            <a:schemeClr val="accent1"/>
-          </a:fillRef>
-          <a:effectRef idx="0">
-            <a:schemeClr val="accent1"/>
-          </a:effectRef>
-          <a:fontRef idx="minor">
-            <a:schemeClr val="lt1"/>
-          </a:fontRef>
-        </p:style>
-        <p:txBody>
-          <a:bodyPr rtlCol="0" anchor="ctr"/>
-          <a:lstStyle/>
-          <a:p>
-            <a:pPr algn="ctr"/>
-            <a:endParaRPr lang="en-US"/>
-          </a:p>
-        </p:txBody>
-      </p:sp>
-      <p:sp>
-        <p:nvSpPr>
-          <p:cNvPr id="2" name="Title 1">
-            <a:extLst>
-              <a:ext uri="{FF2B5EF4-FFF2-40B4-BE49-F238E27FC236}">
-                <a16:creationId xmlns:a16="http://schemas.microsoft.com/office/drawing/2014/main" id="{67A20612-6EA0-7C56-0CC6-3CA67365DFF8}"/>
-              </a:ext>
-            </a:extLst>
-          </p:cNvPr>
-          <p:cNvSpPr>
-            <a:spLocks noGrp="1"/>
-          </p:cNvSpPr>
-          <p:nvPr>
-            <p:ph type="title"/>
-          </p:nvPr>
-        </p:nvSpPr>
-        <p:spPr>
-          <a:xfrm>
-            <a:off x="838200" y="184805"/>
-            <a:ext cx="10515600" cy="1505883"/>
-          </a:xfrm>
-        </p:spPr>
-        <p:style>
-          <a:lnRef idx="2">
-            <a:schemeClr val="accent2"/>
-          </a:lnRef>
-          <a:fillRef idx="1">
-            <a:schemeClr val="lt1"/>
-          </a:fillRef>
-          <a:effectRef idx="0">
-            <a:schemeClr val="accent2"/>
-          </a:effectRef>
-          <a:fontRef idx="minor">
-            <a:schemeClr val="dk1"/>
-          </a:fontRef>
-        </p:style>
-        <p:txBody>
-          <a:bodyPr vert="horz" lIns="91440" tIns="45720" rIns="91440" bIns="45720" rtlCol="0" anchor="ctr">
-            <a:normAutofit/>
-          </a:bodyPr>
-          <a:lstStyle/>
-          <a:p>
-            <a:r>
-              <a:rPr lang="en-US" sz="4800" kern="1200">
-                <a:solidFill>
-                  <a:schemeClr val="tx1"/>
-                </a:solidFill>
-                <a:latin typeface="+mj-lt"/>
-                <a:ea typeface="+mj-ea"/>
-                <a:cs typeface="+mj-cs"/>
-              </a:rPr>
-              <a:t>Current Objective: Develop a One-Page Abstract for the proposed Julia Package</a:t>
-            </a:r>
-          </a:p>
-        </p:txBody>
-      </p:sp>
-      <p:pic>
-        <p:nvPicPr>
-          <p:cNvPr id="6" name="Picture 5">
-            <a:extLst>
-              <a:ext uri="{FF2B5EF4-FFF2-40B4-BE49-F238E27FC236}">
-                <a16:creationId xmlns:a16="http://schemas.microsoft.com/office/drawing/2014/main" id="{22166BF3-63B7-834E-E3A8-8FE9DF193651}"/>
-              </a:ext>
-            </a:extLst>
-          </p:cNvPr>
-          <p:cNvPicPr>
-            <a:picLocks noChangeAspect="1"/>
-          </p:cNvPicPr>
-          <p:nvPr/>
-        </p:nvPicPr>
-        <p:blipFill>
-          <a:blip r:embed="rId2"/>
-          <a:stretch>
-            <a:fillRect/>
-          </a:stretch>
-        </p:blipFill>
-        <p:spPr>
-          <a:xfrm>
-            <a:off x="180766" y="2049228"/>
-            <a:ext cx="8313431" cy="1771602"/>
-          </a:xfrm>
-          <a:prstGeom prst="rect">
-            <a:avLst/>
-          </a:prstGeom>
-          <a:ln>
-            <a:solidFill>
-              <a:schemeClr val="accent1"/>
-            </a:solidFill>
-          </a:ln>
-        </p:spPr>
-      </p:pic>
-      <p:pic>
-        <p:nvPicPr>
-          <p:cNvPr id="8" name="Picture 7">
-            <a:extLst>
-              <a:ext uri="{FF2B5EF4-FFF2-40B4-BE49-F238E27FC236}">
-                <a16:creationId xmlns:a16="http://schemas.microsoft.com/office/drawing/2014/main" id="{1A0382F6-5406-356E-ABAC-248A2EF36589}"/>
-              </a:ext>
-            </a:extLst>
-          </p:cNvPr>
-          <p:cNvPicPr>
-            <a:picLocks noChangeAspect="1"/>
-          </p:cNvPicPr>
-          <p:nvPr/>
-        </p:nvPicPr>
-        <p:blipFill>
-          <a:blip r:embed="rId3"/>
-          <a:stretch>
-            <a:fillRect/>
-          </a:stretch>
-        </p:blipFill>
-        <p:spPr>
-          <a:xfrm>
-            <a:off x="6743682" y="3235463"/>
-            <a:ext cx="4958790" cy="3401763"/>
-          </a:xfrm>
-          <a:prstGeom prst="rect">
-            <a:avLst/>
-          </a:prstGeom>
-          <a:ln>
-            <a:solidFill>
-              <a:schemeClr val="accent1"/>
-            </a:solidFill>
-          </a:ln>
-        </p:spPr>
-      </p:pic>
-      <p:pic>
-        <p:nvPicPr>
-          <p:cNvPr id="10" name="Picture 9">
-            <a:extLst>
-              <a:ext uri="{FF2B5EF4-FFF2-40B4-BE49-F238E27FC236}">
-                <a16:creationId xmlns:a16="http://schemas.microsoft.com/office/drawing/2014/main" id="{A5BDEC19-C218-584E-0AD6-15762FCA180B}"/>
-              </a:ext>
-            </a:extLst>
-          </p:cNvPr>
-          <p:cNvPicPr>
-            <a:picLocks noChangeAspect="1"/>
-          </p:cNvPicPr>
-          <p:nvPr/>
-        </p:nvPicPr>
-        <p:blipFill>
-          <a:blip r:embed="rId4"/>
-          <a:stretch>
-            <a:fillRect/>
-          </a:stretch>
-        </p:blipFill>
-        <p:spPr>
-          <a:xfrm>
-            <a:off x="8165116" y="2719610"/>
-            <a:ext cx="3537356" cy="502217"/>
-          </a:xfrm>
-          <a:prstGeom prst="rect">
-            <a:avLst/>
-          </a:prstGeom>
-          <a:ln>
-            <a:solidFill>
-              <a:schemeClr val="accent1"/>
-            </a:solidFill>
-          </a:ln>
-        </p:spPr>
-      </p:pic>
-      <p:pic>
-        <p:nvPicPr>
-          <p:cNvPr id="12" name="Picture 11">
-            <a:extLst>
-              <a:ext uri="{FF2B5EF4-FFF2-40B4-BE49-F238E27FC236}">
-                <a16:creationId xmlns:a16="http://schemas.microsoft.com/office/drawing/2014/main" id="{43CADD92-99A3-97B0-9B40-97AAE58C392E}"/>
-              </a:ext>
-            </a:extLst>
-          </p:cNvPr>
-          <p:cNvPicPr>
-            <a:picLocks noChangeAspect="1"/>
-          </p:cNvPicPr>
-          <p:nvPr/>
-        </p:nvPicPr>
-        <p:blipFill>
-          <a:blip r:embed="rId5"/>
-          <a:stretch>
-            <a:fillRect/>
-          </a:stretch>
-        </p:blipFill>
-        <p:spPr>
-          <a:xfrm>
-            <a:off x="180766" y="4033334"/>
-            <a:ext cx="4820323" cy="619211"/>
-          </a:xfrm>
-          <a:prstGeom prst="rect">
-            <a:avLst/>
-          </a:prstGeom>
-          <a:ln>
-            <a:solidFill>
-              <a:schemeClr val="accent1"/>
-            </a:solidFill>
-          </a:ln>
-        </p:spPr>
-      </p:pic>
-      <p:pic>
-        <p:nvPicPr>
-          <p:cNvPr id="16" name="Picture 15">
-            <a:extLst>
-              <a:ext uri="{FF2B5EF4-FFF2-40B4-BE49-F238E27FC236}">
-                <a16:creationId xmlns:a16="http://schemas.microsoft.com/office/drawing/2014/main" id="{1523B9D6-EEAE-86A1-DE96-B0444CF009E1}"/>
-              </a:ext>
-            </a:extLst>
-          </p:cNvPr>
-          <p:cNvPicPr>
-            <a:picLocks noChangeAspect="1"/>
-          </p:cNvPicPr>
-          <p:nvPr/>
-        </p:nvPicPr>
-        <p:blipFill>
-          <a:blip r:embed="rId6"/>
-          <a:stretch>
-            <a:fillRect/>
-          </a:stretch>
-        </p:blipFill>
-        <p:spPr>
-          <a:xfrm>
-            <a:off x="673875" y="4563296"/>
-            <a:ext cx="1638529" cy="1105054"/>
-          </a:xfrm>
-          <a:prstGeom prst="rect">
-            <a:avLst/>
-          </a:prstGeom>
-          <a:ln>
-            <a:solidFill>
-              <a:schemeClr val="accent1"/>
-            </a:solidFill>
-          </a:ln>
-        </p:spPr>
-      </p:pic>
-      <p:sp>
-        <p:nvSpPr>
-          <p:cNvPr id="17" name="TextBox 16">
-            <a:extLst>
-              <a:ext uri="{FF2B5EF4-FFF2-40B4-BE49-F238E27FC236}">
-                <a16:creationId xmlns:a16="http://schemas.microsoft.com/office/drawing/2014/main" id="{BFD1E577-C4D7-F6BB-ABFB-2AF4A6E420F8}"/>
-              </a:ext>
-            </a:extLst>
-          </p:cNvPr>
-          <p:cNvSpPr txBox="1"/>
-          <p:nvPr/>
-        </p:nvSpPr>
-        <p:spPr>
-          <a:xfrm>
-            <a:off x="3038158" y="4892232"/>
-            <a:ext cx="3057842" cy="369332"/>
-          </a:xfrm>
-          <a:prstGeom prst="rect">
-            <a:avLst/>
-          </a:prstGeom>
-          <a:noFill/>
-          <a:ln>
-            <a:solidFill>
-              <a:schemeClr val="accent1"/>
-            </a:solidFill>
-          </a:ln>
-        </p:spPr>
-        <p:txBody>
-          <a:bodyPr wrap="square" rtlCol="0">
-            <a:spAutoFit/>
-          </a:bodyPr>
-          <a:lstStyle/>
-          <a:p>
-            <a:r>
-              <a:rPr lang="en-US"/>
-              <a:t>Need to have him on-board.</a:t>
-            </a:r>
-          </a:p>
-        </p:txBody>
-      </p:sp>
-      <p:cxnSp>
-        <p:nvCxnSpPr>
-          <p:cNvPr id="19" name="Straight Arrow Connector 18">
-            <a:extLst>
-              <a:ext uri="{FF2B5EF4-FFF2-40B4-BE49-F238E27FC236}">
-                <a16:creationId xmlns:a16="http://schemas.microsoft.com/office/drawing/2014/main" id="{F66619B4-1526-5842-DFFE-8F65F256A16E}"/>
-              </a:ext>
-            </a:extLst>
-          </p:cNvPr>
-          <p:cNvCxnSpPr>
-            <a:cxnSpLocks/>
-            <a:endCxn id="17" idx="1"/>
-          </p:cNvCxnSpPr>
-          <p:nvPr/>
-        </p:nvCxnSpPr>
-        <p:spPr>
-          <a:xfrm flipV="1">
-            <a:off x="1896533" y="5076898"/>
-            <a:ext cx="1141625" cy="77851"/>
-          </a:xfrm>
-          <a:prstGeom prst="straightConnector1">
-            <a:avLst/>
-          </a:prstGeom>
-          <a:ln>
-            <a:tailEnd type="triangle"/>
-          </a:ln>
-        </p:spPr>
-        <p:style>
-          <a:lnRef idx="1">
-            <a:schemeClr val="accent1"/>
-          </a:lnRef>
-          <a:fillRef idx="0">
-            <a:schemeClr val="accent1"/>
-          </a:fillRef>
-          <a:effectRef idx="0">
-            <a:schemeClr val="accent1"/>
-          </a:effectRef>
-          <a:fontRef idx="minor">
-            <a:schemeClr val="tx1"/>
-          </a:fontRef>
-        </p:style>
-      </p:cxnSp>
-      <p:pic>
-        <p:nvPicPr>
-          <p:cNvPr id="23" name="Picture 22">
-            <a:extLst>
-              <a:ext uri="{FF2B5EF4-FFF2-40B4-BE49-F238E27FC236}">
-                <a16:creationId xmlns:a16="http://schemas.microsoft.com/office/drawing/2014/main" id="{995A9445-1864-460B-2B38-27862F2DC798}"/>
-              </a:ext>
-            </a:extLst>
-          </p:cNvPr>
-          <p:cNvPicPr>
-            <a:picLocks noChangeAspect="1"/>
-          </p:cNvPicPr>
-          <p:nvPr/>
-        </p:nvPicPr>
-        <p:blipFill>
-          <a:blip r:embed="rId7"/>
-          <a:stretch>
-            <a:fillRect/>
-          </a:stretch>
-        </p:blipFill>
-        <p:spPr>
-          <a:xfrm>
-            <a:off x="181026" y="5878796"/>
-            <a:ext cx="4572638" cy="543001"/>
-          </a:xfrm>
-          <a:prstGeom prst="rect">
-            <a:avLst/>
-          </a:prstGeom>
-          <a:ln>
-            <a:solidFill>
-              <a:schemeClr val="accent1"/>
-            </a:solidFill>
-          </a:ln>
-        </p:spPr>
-      </p:pic>
-      <p:pic>
-        <p:nvPicPr>
-          <p:cNvPr id="25" name="Picture 24">
-            <a:extLst>
-              <a:ext uri="{FF2B5EF4-FFF2-40B4-BE49-F238E27FC236}">
-                <a16:creationId xmlns:a16="http://schemas.microsoft.com/office/drawing/2014/main" id="{AF8C36C9-21B3-6F02-0D41-9F7CE33989B5}"/>
-              </a:ext>
-            </a:extLst>
-          </p:cNvPr>
-          <p:cNvPicPr>
-            <a:picLocks noChangeAspect="1"/>
-          </p:cNvPicPr>
-          <p:nvPr/>
-        </p:nvPicPr>
-        <p:blipFill>
-          <a:blip r:embed="rId8"/>
-          <a:stretch>
-            <a:fillRect/>
-          </a:stretch>
-        </p:blipFill>
-        <p:spPr>
-          <a:xfrm>
-            <a:off x="4173450" y="6254951"/>
-            <a:ext cx="2455791" cy="603049"/>
-          </a:xfrm>
-          <a:prstGeom prst="rect">
-            <a:avLst/>
-          </a:prstGeom>
-        </p:spPr>
-      </p:pic>
-    </p:spTree>
-    <p:extLst>
-      <p:ext uri="{BB962C8B-B14F-4D97-AF65-F5344CB8AC3E}">
-        <p14:creationId xmlns:p14="http://schemas.microsoft.com/office/powerpoint/2010/main" val="3974245500"/>
-      </p:ext>
-    </p:extLst>
-  </p:cSld>
-  <p:clrMapOvr>
-    <a:masterClrMapping/>
-  </p:clrMapOvr>
-</p:sld>
-</file>
-
-<file path=ppt/slides/slide9.xml><?xml version="1.0" encoding="utf-8"?>
-<p:sld xmlns:a="http://schemas.openxmlformats.org/drawingml/2006/main" xmlns:r="http://schemas.openxmlformats.org/officeDocument/2006/relationships" xmlns:p="http://schemas.openxmlformats.org/presentationml/2006/main">
-  <p:cSld>
-    <p:bg>
-      <p:bgPr>
-        <a:solidFill>
-          <a:schemeClr val="bg1"/>
-        </a:solidFill>
-        <a:effectLst/>
-      </p:bgPr>
-    </p:bg>
-    <p:spTree>
-      <p:nvGrpSpPr>
-        <p:cNvPr id="1" name=""/>
-        <p:cNvGrpSpPr/>
-        <p:nvPr/>
-      </p:nvGrpSpPr>
-      <p:grpSpPr>
-        <a:xfrm>
-          <a:off x="0" y="0"/>
-          <a:ext cx="0" cy="0"/>
-          <a:chOff x="0" y="0"/>
-          <a:chExt cx="0" cy="0"/>
-        </a:xfrm>
-      </p:grpSpPr>
-      <p:sp useBgFill="1">
-        <p:nvSpPr>
-          <p:cNvPr id="59" name="Rectangle 58">
-            <a:extLst>
-              <a:ext uri="{FF2B5EF4-FFF2-40B4-BE49-F238E27FC236}">
-                <a16:creationId xmlns:a16="http://schemas.microsoft.com/office/drawing/2014/main" id="{53F29798-D584-4792-9B62-3F5F5C36D619}"/>
-              </a:ext>
-              <a:ext uri="{C183D7F6-B498-43B3-948B-1728B52AA6E4}">
-                <adec:decorative xmlns:adec="http://schemas.microsoft.com/office/drawing/2017/decorative" val="1"/>
-              </a:ext>
-            </a:extLst>
-          </p:cNvPr>
-          <p:cNvSpPr>
-            <a:spLocks noGrp="1" noRot="1" noChangeAspect="1" noMove="1" noResize="1" noEditPoints="1" noAdjustHandles="1" noChangeArrowheads="1" noChangeShapeType="1" noTextEdit="1"/>
-          </p:cNvSpPr>
-          <p:nvPr>
-            <p:extLst>
-              <p:ext uri="{386F3935-93C4-4BCD-93E2-E3B085C9AB24}">
-                <p16:designElem xmlns:p16="http://schemas.microsoft.com/office/powerpoint/2015/main" val="1"/>
-              </p:ext>
-            </p:extLst>
-          </p:nvPr>
-        </p:nvSpPr>
-        <p:spPr>
-          <a:xfrm>
-            <a:off x="0" y="0"/>
-            <a:ext cx="12188952" cy="6858000"/>
-          </a:xfrm>
-          <a:prstGeom prst="rect">
-            <a:avLst/>
-          </a:prstGeom>
-          <a:ln>
-            <a:noFill/>
-          </a:ln>
-        </p:spPr>
-        <p:style>
-          <a:lnRef idx="2">
-            <a:schemeClr val="accent1">
-              <a:shade val="50000"/>
-            </a:schemeClr>
-          </a:lnRef>
-          <a:fillRef idx="1">
-            <a:schemeClr val="accent1"/>
-          </a:fillRef>
-          <a:effectRef idx="0">
-            <a:schemeClr val="accent1"/>
-          </a:effectRef>
-          <a:fontRef idx="minor">
-            <a:schemeClr val="lt1"/>
-          </a:fontRef>
-        </p:style>
-        <p:txBody>
-          <a:bodyPr rtlCol="0" anchor="ctr"/>
-          <a:lstStyle/>
-          <a:p>
-            <a:pPr algn="ctr"/>
-            <a:endParaRPr lang="en-US"/>
-          </a:p>
-        </p:txBody>
-      </p:sp>
-      <p:sp>
-        <p:nvSpPr>
-          <p:cNvPr id="2" name="Title 1">
-            <a:extLst>
-              <a:ext uri="{FF2B5EF4-FFF2-40B4-BE49-F238E27FC236}">
-                <a16:creationId xmlns:a16="http://schemas.microsoft.com/office/drawing/2014/main" id="{67A20612-6EA0-7C56-0CC6-3CA67365DFF8}"/>
-              </a:ext>
-            </a:extLst>
-          </p:cNvPr>
-          <p:cNvSpPr>
-            <a:spLocks noGrp="1"/>
-          </p:cNvSpPr>
-          <p:nvPr>
-            <p:ph type="title"/>
-          </p:nvPr>
-        </p:nvSpPr>
-        <p:spPr>
-          <a:xfrm>
-            <a:off x="838200" y="184805"/>
-            <a:ext cx="10515600" cy="1505883"/>
-          </a:xfrm>
-        </p:spPr>
-        <p:style>
-          <a:lnRef idx="2">
-            <a:schemeClr val="accent2"/>
-          </a:lnRef>
-          <a:fillRef idx="1">
-            <a:schemeClr val="lt1"/>
-          </a:fillRef>
-          <a:effectRef idx="0">
-            <a:schemeClr val="accent2"/>
-          </a:effectRef>
-          <a:fontRef idx="minor">
-            <a:schemeClr val="dk1"/>
-          </a:fontRef>
-        </p:style>
-        <p:txBody>
-          <a:bodyPr vert="horz" lIns="91440" tIns="45720" rIns="91440" bIns="45720" rtlCol="0" anchor="ctr">
-            <a:normAutofit/>
-          </a:bodyPr>
-          <a:lstStyle/>
-          <a:p>
-            <a:r>
-              <a:rPr lang="en-US" sz="4800" kern="1200">
-                <a:solidFill>
-                  <a:schemeClr val="tx1"/>
-                </a:solidFill>
-                <a:latin typeface="+mj-lt"/>
-                <a:ea typeface="+mj-ea"/>
-                <a:cs typeface="+mj-cs"/>
-              </a:rPr>
-              <a:t>Current Objective: Develop a One-Page Abstract for the proposed Julia Package</a:t>
-            </a:r>
-          </a:p>
-        </p:txBody>
-      </p:sp>
-      <p:pic>
-        <p:nvPicPr>
-          <p:cNvPr id="12" name="Picture 11">
-            <a:extLst>
-              <a:ext uri="{FF2B5EF4-FFF2-40B4-BE49-F238E27FC236}">
-                <a16:creationId xmlns:a16="http://schemas.microsoft.com/office/drawing/2014/main" id="{2C715FE7-D1BA-896B-C1EA-E8DFF32B6708}"/>
-              </a:ext>
-            </a:extLst>
-          </p:cNvPr>
-          <p:cNvPicPr>
-            <a:picLocks noChangeAspect="1"/>
-          </p:cNvPicPr>
-          <p:nvPr/>
-        </p:nvPicPr>
-        <p:blipFill rotWithShape="1">
-          <a:blip r:embed="rId2"/>
-          <a:srcRect r="29"/>
-          <a:stretch/>
-        </p:blipFill>
-        <p:spPr>
-          <a:xfrm>
-            <a:off x="838200" y="2244022"/>
-            <a:ext cx="10512547" cy="3653110"/>
-          </a:xfrm>
-          <a:prstGeom prst="rect">
-            <a:avLst/>
-          </a:prstGeom>
-          <a:ln>
-            <a:solidFill>
-              <a:srgbClr val="FF0000"/>
-            </a:solidFill>
-          </a:ln>
-        </p:spPr>
-      </p:pic>
-      <p:pic>
-        <p:nvPicPr>
-          <p:cNvPr id="4" name="Picture 3">
-            <a:extLst>
-              <a:ext uri="{FF2B5EF4-FFF2-40B4-BE49-F238E27FC236}">
-                <a16:creationId xmlns:a16="http://schemas.microsoft.com/office/drawing/2014/main" id="{FE2107A1-B221-59F0-46FD-9C233BBFA9AA}"/>
-              </a:ext>
-            </a:extLst>
-          </p:cNvPr>
-          <p:cNvPicPr>
-            <a:picLocks noChangeAspect="1"/>
-          </p:cNvPicPr>
-          <p:nvPr/>
-        </p:nvPicPr>
-        <p:blipFill>
-          <a:blip r:embed="rId3"/>
-          <a:stretch>
-            <a:fillRect/>
-          </a:stretch>
-        </p:blipFill>
-        <p:spPr>
-          <a:xfrm>
-            <a:off x="634227" y="6044540"/>
-            <a:ext cx="10920492" cy="628655"/>
-          </a:xfrm>
-          <a:prstGeom prst="rect">
-            <a:avLst/>
-          </a:prstGeom>
-        </p:spPr>
-      </p:pic>
-    </p:spTree>
-    <p:extLst>
-      <p:ext uri="{BB962C8B-B14F-4D97-AF65-F5344CB8AC3E}">
-        <p14:creationId xmlns:p14="http://schemas.microsoft.com/office/powerpoint/2010/main" val="1432101322"/>
       </p:ext>
     </p:extLst>
   </p:cSld>
@@ -21626,6 +22963,23 @@
 </file>
 
 <file path=customXml/item1.xml><?xml version="1.0" encoding="utf-8"?>
+<?mso-contentType ?>
+<FormTemplates xmlns="http://schemas.microsoft.com/sharepoint/v3/contenttype/forms">
+  <Display>DocumentLibraryForm</Display>
+  <Edit>DocumentLibraryForm</Edit>
+  <New>DocumentLibraryForm</New>
+</FormTemplates>
+</file>
+
+<file path=customXml/item2.xml><?xml version="1.0" encoding="utf-8"?>
+<p:properties xmlns:p="http://schemas.microsoft.com/office/2006/metadata/properties" xmlns:xsi="http://www.w3.org/2001/XMLSchema-instance" xmlns:pc="http://schemas.microsoft.com/office/infopath/2007/PartnerControls">
+  <documentManagement>
+    <_activity xmlns="07b86a79-a0e0-4fae-97d8-d960552457a2" xsi:nil="true"/>
+  </documentManagement>
+</p:properties>
+</file>
+
+<file path=customXml/item3.xml><?xml version="1.0" encoding="utf-8"?>
 <ct:contentTypeSchema xmlns:ct="http://schemas.microsoft.com/office/2006/metadata/contentType" xmlns:ma="http://schemas.microsoft.com/office/2006/metadata/properties/metaAttributes" ct:_="" ma:_="" ma:contentTypeName="Document" ma:contentTypeID="0x0101008EDD631CF16A9D4597B7910261C15C8D" ma:contentTypeVersion="8" ma:contentTypeDescription="Create a new document." ma:contentTypeScope="" ma:versionID="6df697ab8c469b327c4ca0ad6150b4d8">
   <xsd:schema xmlns:xsd="http://www.w3.org/2001/XMLSchema" xmlns:xs="http://www.w3.org/2001/XMLSchema" xmlns:p="http://schemas.microsoft.com/office/2006/metadata/properties" xmlns:ns3="07b86a79-a0e0-4fae-97d8-d960552457a2" xmlns:ns4="40f16175-07f6-4179-a7d3-44240c48c007" targetNamespace="http://schemas.microsoft.com/office/2006/metadata/properties" ma:root="true" ma:fieldsID="82c1df116234835aaac4f6705de5e513" ns3:_="" ns4:_="">
     <xsd:import namespace="07b86a79-a0e0-4fae-97d8-d960552457a2"/>
@@ -21814,24 +23168,32 @@
 </ct:contentTypeSchema>
 </file>
 
-<file path=customXml/item2.xml><?xml version="1.0" encoding="utf-8"?>
-<?mso-contentType ?>
-<FormTemplates xmlns="http://schemas.microsoft.com/sharepoint/v3/contenttype/forms">
-  <Display>DocumentLibraryForm</Display>
-  <Edit>DocumentLibraryForm</Edit>
-  <New>DocumentLibraryForm</New>
-</FormTemplates>
+<file path=customXml/itemProps1.xml><?xml version="1.0" encoding="utf-8"?>
+<ds:datastoreItem xmlns:ds="http://schemas.openxmlformats.org/officeDocument/2006/customXml" ds:itemID="{8397E5B5-CBAB-4D43-BECA-E802B196F34B}">
+  <ds:schemaRefs>
+    <ds:schemaRef ds:uri="http://schemas.microsoft.com/sharepoint/v3/contenttype/forms"/>
+  </ds:schemaRefs>
+</ds:datastoreItem>
 </file>
 
-<file path=customXml/item3.xml><?xml version="1.0" encoding="utf-8"?>
-<p:properties xmlns:p="http://schemas.microsoft.com/office/2006/metadata/properties" xmlns:xsi="http://www.w3.org/2001/XMLSchema-instance" xmlns:pc="http://schemas.microsoft.com/office/infopath/2007/PartnerControls">
-  <documentManagement>
-    <_activity xmlns="07b86a79-a0e0-4fae-97d8-d960552457a2" xsi:nil="true"/>
-  </documentManagement>
-</p:properties>
+<file path=customXml/itemProps2.xml><?xml version="1.0" encoding="utf-8"?>
+<ds:datastoreItem xmlns:ds="http://schemas.openxmlformats.org/officeDocument/2006/customXml" ds:itemID="{8C02F8EE-7320-4FCF-B11C-9EEC626F5FA8}">
+  <ds:schemaRefs>
+    <ds:schemaRef ds:uri="07b86a79-a0e0-4fae-97d8-d960552457a2"/>
+    <ds:schemaRef ds:uri="40f16175-07f6-4179-a7d3-44240c48c007"/>
+    <ds:schemaRef ds:uri="http://purl.org/dc/dcmitype/"/>
+    <ds:schemaRef ds:uri="http://purl.org/dc/elements/1.1/"/>
+    <ds:schemaRef ds:uri="http://purl.org/dc/terms/"/>
+    <ds:schemaRef ds:uri="http://schemas.microsoft.com/office/2006/documentManagement/types"/>
+    <ds:schemaRef ds:uri="http://schemas.microsoft.com/office/2006/metadata/properties"/>
+    <ds:schemaRef ds:uri="http://schemas.microsoft.com/office/infopath/2007/PartnerControls"/>
+    <ds:schemaRef ds:uri="http://schemas.openxmlformats.org/package/2006/metadata/core-properties"/>
+    <ds:schemaRef ds:uri="http://www.w3.org/XML/1998/namespace"/>
+  </ds:schemaRefs>
+</ds:datastoreItem>
 </file>
 
-<file path=customXml/itemProps1.xml><?xml version="1.0" encoding="utf-8"?>
+<file path=customXml/itemProps3.xml><?xml version="1.0" encoding="utf-8"?>
 <ds:datastoreItem xmlns:ds="http://schemas.openxmlformats.org/officeDocument/2006/customXml" ds:itemID="{837DA910-2E67-4D61-A7CC-4E283793B666}">
   <ds:schemaRefs>
     <ds:schemaRef ds:uri="07b86a79-a0e0-4fae-97d8-d960552457a2"/>
@@ -21848,29 +23210,4 @@
     <ds:schemaRef ds:uri="http://www.w3.org/2001/XMLSchema"/>
   </ds:schemaRefs>
 </ds:datastoreItem>
-</file>
-
-<file path=customXml/itemProps2.xml><?xml version="1.0" encoding="utf-8"?>
-<ds:datastoreItem xmlns:ds="http://schemas.openxmlformats.org/officeDocument/2006/customXml" ds:itemID="{8397E5B5-CBAB-4D43-BECA-E802B196F34B}">
-  <ds:schemaRefs>
-    <ds:schemaRef ds:uri="http://schemas.microsoft.com/sharepoint/v3/contenttype/forms"/>
-  </ds:schemaRefs>
-</ds:datastoreItem>
-</file>
-
-<file path=customXml/itemProps3.xml><?xml version="1.0" encoding="utf-8"?>
-<ds:datastoreItem xmlns:ds="http://schemas.openxmlformats.org/officeDocument/2006/customXml" ds:itemID="{8C02F8EE-7320-4FCF-B11C-9EEC626F5FA8}">
-  <ds:schemaRefs>
-    <ds:schemaRef ds:uri="07b86a79-a0e0-4fae-97d8-d960552457a2"/>
-    <ds:schemaRef ds:uri="40f16175-07f6-4179-a7d3-44240c48c007"/>
-    <ds:schemaRef ds:uri="http://purl.org/dc/dcmitype/"/>
-    <ds:schemaRef ds:uri="http://purl.org/dc/elements/1.1/"/>
-    <ds:schemaRef ds:uri="http://purl.org/dc/terms/"/>
-    <ds:schemaRef ds:uri="http://schemas.microsoft.com/office/2006/documentManagement/types"/>
-    <ds:schemaRef ds:uri="http://schemas.microsoft.com/office/2006/metadata/properties"/>
-    <ds:schemaRef ds:uri="http://schemas.microsoft.com/office/infopath/2007/PartnerControls"/>
-    <ds:schemaRef ds:uri="http://schemas.openxmlformats.org/package/2006/metadata/core-properties"/>
-    <ds:schemaRef ds:uri="http://www.w3.org/XML/1998/namespace"/>
-  </ds:schemaRefs>
-</ds:datastoreItem>
 </file>